--- a/CQL/Documents/CQLUpdate_AllHands_20140604.pptx
+++ b/CQL/Documents/CQLUpdate_AllHands_20140604.pptx
@@ -5,18 +5,20 @@
     <p:sldMasterId id="2147483648" r:id="rId1"/>
   </p:sldMasterIdLst>
   <p:sldIdLst>
-    <p:sldId id="257" r:id="rId2"/>
-    <p:sldId id="256" r:id="rId3"/>
-    <p:sldId id="261" r:id="rId4"/>
-    <p:sldId id="262" r:id="rId5"/>
-    <p:sldId id="263" r:id="rId6"/>
-    <p:sldId id="264" r:id="rId7"/>
-    <p:sldId id="259" r:id="rId8"/>
-    <p:sldId id="258" r:id="rId9"/>
-    <p:sldId id="265" r:id="rId10"/>
-    <p:sldId id="266" r:id="rId11"/>
-    <p:sldId id="267" r:id="rId12"/>
-    <p:sldId id="260" r:id="rId13"/>
+    <p:sldId id="268" r:id="rId2"/>
+    <p:sldId id="269" r:id="rId3"/>
+    <p:sldId id="270" r:id="rId4"/>
+    <p:sldId id="271" r:id="rId5"/>
+    <p:sldId id="272" r:id="rId6"/>
+    <p:sldId id="262" r:id="rId7"/>
+    <p:sldId id="263" r:id="rId8"/>
+    <p:sldId id="264" r:id="rId9"/>
+    <p:sldId id="259" r:id="rId10"/>
+    <p:sldId id="258" r:id="rId11"/>
+    <p:sldId id="265" r:id="rId12"/>
+    <p:sldId id="266" r:id="rId13"/>
+    <p:sldId id="267" r:id="rId14"/>
+    <p:sldId id="260" r:id="rId15"/>
   </p:sldIdLst>
   <p:sldSz cx="9144000" cy="6858000" type="screen4x3"/>
   <p:notesSz cx="6858000" cy="9144000"/>
@@ -315,7 +317,7 @@
           <a:p>
             <a:fld id="{AE358F06-F08A-4581-9382-C6FEB46FADBD}" type="datetimeFigureOut">
               <a:rPr lang="en-US" smtClean="0"/>
-              <a:t>6/6/2014</a:t>
+              <a:t>6/13/2014</a:t>
             </a:fld>
             <a:endParaRPr lang="en-US"/>
           </a:p>
@@ -485,7 +487,7 @@
           <a:p>
             <a:fld id="{AE358F06-F08A-4581-9382-C6FEB46FADBD}" type="datetimeFigureOut">
               <a:rPr lang="en-US" smtClean="0"/>
-              <a:t>6/6/2014</a:t>
+              <a:t>6/13/2014</a:t>
             </a:fld>
             <a:endParaRPr lang="en-US"/>
           </a:p>
@@ -665,7 +667,7 @@
           <a:p>
             <a:fld id="{AE358F06-F08A-4581-9382-C6FEB46FADBD}" type="datetimeFigureOut">
               <a:rPr lang="en-US" smtClean="0"/>
-              <a:t>6/6/2014</a:t>
+              <a:t>6/13/2014</a:t>
             </a:fld>
             <a:endParaRPr lang="en-US"/>
           </a:p>
@@ -835,7 +837,7 @@
           <a:p>
             <a:fld id="{AE358F06-F08A-4581-9382-C6FEB46FADBD}" type="datetimeFigureOut">
               <a:rPr lang="en-US" smtClean="0"/>
-              <a:t>6/6/2014</a:t>
+              <a:t>6/13/2014</a:t>
             </a:fld>
             <a:endParaRPr lang="en-US"/>
           </a:p>
@@ -1081,7 +1083,7 @@
           <a:p>
             <a:fld id="{AE358F06-F08A-4581-9382-C6FEB46FADBD}" type="datetimeFigureOut">
               <a:rPr lang="en-US" smtClean="0"/>
-              <a:t>6/6/2014</a:t>
+              <a:t>6/13/2014</a:t>
             </a:fld>
             <a:endParaRPr lang="en-US"/>
           </a:p>
@@ -1369,7 +1371,7 @@
           <a:p>
             <a:fld id="{AE358F06-F08A-4581-9382-C6FEB46FADBD}" type="datetimeFigureOut">
               <a:rPr lang="en-US" smtClean="0"/>
-              <a:t>6/6/2014</a:t>
+              <a:t>6/13/2014</a:t>
             </a:fld>
             <a:endParaRPr lang="en-US"/>
           </a:p>
@@ -1791,7 +1793,7 @@
           <a:p>
             <a:fld id="{AE358F06-F08A-4581-9382-C6FEB46FADBD}" type="datetimeFigureOut">
               <a:rPr lang="en-US" smtClean="0"/>
-              <a:t>6/6/2014</a:t>
+              <a:t>6/13/2014</a:t>
             </a:fld>
             <a:endParaRPr lang="en-US"/>
           </a:p>
@@ -1909,7 +1911,7 @@
           <a:p>
             <a:fld id="{AE358F06-F08A-4581-9382-C6FEB46FADBD}" type="datetimeFigureOut">
               <a:rPr lang="en-US" smtClean="0"/>
-              <a:t>6/6/2014</a:t>
+              <a:t>6/13/2014</a:t>
             </a:fld>
             <a:endParaRPr lang="en-US"/>
           </a:p>
@@ -2004,7 +2006,7 @@
           <a:p>
             <a:fld id="{AE358F06-F08A-4581-9382-C6FEB46FADBD}" type="datetimeFigureOut">
               <a:rPr lang="en-US" smtClean="0"/>
-              <a:t>6/6/2014</a:t>
+              <a:t>6/13/2014</a:t>
             </a:fld>
             <a:endParaRPr lang="en-US"/>
           </a:p>
@@ -2281,7 +2283,7 @@
           <a:p>
             <a:fld id="{AE358F06-F08A-4581-9382-C6FEB46FADBD}" type="datetimeFigureOut">
               <a:rPr lang="en-US" smtClean="0"/>
-              <a:t>6/6/2014</a:t>
+              <a:t>6/13/2014</a:t>
             </a:fld>
             <a:endParaRPr lang="en-US"/>
           </a:p>
@@ -2534,7 +2536,7 @@
           <a:p>
             <a:fld id="{AE358F06-F08A-4581-9382-C6FEB46FADBD}" type="datetimeFigureOut">
               <a:rPr lang="en-US" smtClean="0"/>
-              <a:t>6/6/2014</a:t>
+              <a:t>6/13/2014</a:t>
             </a:fld>
             <a:endParaRPr lang="en-US"/>
           </a:p>
@@ -2747,7 +2749,7 @@
           <a:p>
             <a:fld id="{AE358F06-F08A-4581-9382-C6FEB46FADBD}" type="datetimeFigureOut">
               <a:rPr lang="en-US" smtClean="0"/>
-              <a:t>6/6/2014</a:t>
+              <a:t>6/13/2014</a:t>
             </a:fld>
             <a:endParaRPr lang="en-US"/>
           </a:p>
@@ -3129,7 +3131,7 @@
             <a:spLocks noGrp="1"/>
           </p:cNvSpPr>
           <p:nvPr>
-            <p:ph type="title"/>
+            <p:ph type="ctrTitle"/>
           </p:nvPr>
         </p:nvSpPr>
         <p:spPr/>
@@ -3139,7 +3141,7 @@
           <a:p>
             <a:r>
               <a:rPr lang="en-US" dirty="0" smtClean="0"/>
-              <a:t>Clinical Quality Language</a:t>
+              <a:t>Clinical Quality Language (CQL)</a:t>
             </a:r>
             <a:endParaRPr lang="en-US" dirty="0"/>
           </a:p>
@@ -3147,83 +3149,56 @@
       </p:sp>
       <p:sp>
         <p:nvSpPr>
-          <p:cNvPr id="3" name="Content Placeholder 2"/>
-          <p:cNvSpPr>
-            <a:spLocks noGrp="1"/>
-          </p:cNvSpPr>
-          <p:nvPr>
-            <p:ph idx="1"/>
+          <p:cNvPr id="3" name="Subtitle 2"/>
+          <p:cNvSpPr>
+            <a:spLocks noGrp="1"/>
+          </p:cNvSpPr>
+          <p:nvPr>
+            <p:ph type="subTitle" idx="1"/>
           </p:nvPr>
         </p:nvSpPr>
         <p:spPr/>
         <p:txBody>
-          <a:bodyPr>
-            <a:normAutofit lnSpcReduction="10000"/>
-          </a:bodyPr>
+          <a:bodyPr/>
           <a:lstStyle/>
           <a:p>
             <a:r>
               <a:rPr lang="en-US" dirty="0" smtClean="0"/>
-              <a:t>Builds on functional requirements defined in: </a:t>
-            </a:r>
-          </a:p>
-          <a:p>
-            <a:pPr lvl="1"/>
+              <a:t>Bryn Rhodes</a:t>
+            </a:r>
+          </a:p>
+          <a:p>
             <a:r>
               <a:rPr lang="en-US" dirty="0" smtClean="0"/>
-              <a:t>Harmonization of Health Quality Artifact Reasoning and Expression Logic</a:t>
+              <a:t>Chris Moesel</a:t>
             </a:r>
           </a:p>
           <a:p>
             <a:r>
               <a:rPr lang="en-US" dirty="0" smtClean="0"/>
-              <a:t>Leverages</a:t>
-            </a:r>
-          </a:p>
-          <a:p>
-            <a:pPr lvl="1"/>
-            <a:r>
-              <a:rPr lang="en-US" dirty="0" smtClean="0"/>
-              <a:t>Computability achieved by </a:t>
-            </a:r>
-            <a:r>
-              <a:rPr lang="en-US" dirty="0" err="1" smtClean="0"/>
-              <a:t>HeD</a:t>
-            </a:r>
-            <a:endParaRPr lang="en-US" dirty="0" smtClean="0"/>
-          </a:p>
-          <a:p>
-            <a:pPr lvl="1"/>
-            <a:r>
-              <a:rPr lang="en-US" dirty="0" smtClean="0"/>
-              <a:t>Measure Author understanding (QDM Heritage)</a:t>
-            </a:r>
-          </a:p>
-          <a:p>
-            <a:r>
-              <a:rPr lang="en-US" dirty="0" smtClean="0"/>
-              <a:t>Focus of the high-level syntax is on authoring</a:t>
-            </a:r>
-          </a:p>
-          <a:p>
-            <a:pPr lvl="1"/>
-            <a:r>
-              <a:rPr lang="en-US" dirty="0" smtClean="0"/>
-              <a:t>While providing a clear/automatic path to computable logic</a:t>
-            </a:r>
+              <a:t>Mark Kramer</a:t>
+            </a:r>
+            <a:endParaRPr lang="en-US" dirty="0"/>
           </a:p>
         </p:txBody>
       </p:sp>
     </p:spTree>
     <p:extLst>
       <p:ext uri="{BB962C8B-B14F-4D97-AF65-F5344CB8AC3E}">
-        <p14:creationId xmlns:p14="http://schemas.microsoft.com/office/powerpoint/2010/main" val="1735069156"/>
+        <p14:creationId xmlns:p14="http://schemas.microsoft.com/office/powerpoint/2010/main" val="2205328455"/>
       </p:ext>
     </p:extLst>
   </p:cSld>
   <p:clrMapOvr>
     <a:masterClrMapping/>
   </p:clrMapOvr>
+  <p:timing>
+    <p:tnLst>
+      <p:par>
+        <p:cTn id="1" dur="indefinite" restart="never" nodeType="tmRoot"/>
+      </p:par>
+    </p:tnLst>
+  </p:timing>
 </p:sld>
 </file>
 
@@ -3261,7 +3236,7 @@
           <a:p>
             <a:r>
               <a:rPr lang="en-US" dirty="0" smtClean="0"/>
-              <a:t>Chlamydia Screening, CQM 2</a:t>
+              <a:t>Chlamydia Screening, CDS</a:t>
             </a:r>
             <a:endParaRPr lang="en-US" dirty="0"/>
           </a:p>
@@ -3283,8 +3258,8 @@
         </p:blipFill>
         <p:spPr>
           <a:xfrm>
-            <a:off x="195837" y="1417638"/>
-            <a:ext cx="8752325" cy="4876800"/>
+            <a:off x="609600" y="1409170"/>
+            <a:ext cx="7478638" cy="5067829"/>
           </a:xfrm>
           <a:prstGeom prst="rect">
             <a:avLst/>
@@ -3294,13 +3269,20 @@
     </p:spTree>
     <p:extLst>
       <p:ext uri="{BB962C8B-B14F-4D97-AF65-F5344CB8AC3E}">
-        <p14:creationId xmlns:p14="http://schemas.microsoft.com/office/powerpoint/2010/main" val="2761132467"/>
+        <p14:creationId xmlns:p14="http://schemas.microsoft.com/office/powerpoint/2010/main" val="2898711464"/>
       </p:ext>
     </p:extLst>
   </p:cSld>
   <p:clrMapOvr>
     <a:masterClrMapping/>
   </p:clrMapOvr>
+  <p:timing>
+    <p:tnLst>
+      <p:par>
+        <p:cTn id="1" dur="indefinite" restart="never" nodeType="tmRoot"/>
+      </p:par>
+    </p:tnLst>
+  </p:timing>
 </p:sld>
 </file>
 
@@ -3338,6 +3320,167 @@
           <a:p>
             <a:r>
               <a:rPr lang="en-US" dirty="0" smtClean="0"/>
+              <a:t>Chlamydia Screening, Common</a:t>
+            </a:r>
+            <a:endParaRPr lang="en-US" dirty="0"/>
+          </a:p>
+        </p:txBody>
+      </p:sp>
+      <p:pic>
+        <p:nvPicPr>
+          <p:cNvPr id="3" name="Picture 2"/>
+          <p:cNvPicPr>
+            <a:picLocks noChangeAspect="1"/>
+          </p:cNvPicPr>
+          <p:nvPr/>
+        </p:nvPicPr>
+        <p:blipFill>
+          <a:blip r:embed="rId2"/>
+          <a:stretch>
+            <a:fillRect/>
+          </a:stretch>
+        </p:blipFill>
+        <p:spPr>
+          <a:xfrm>
+            <a:off x="1843087" y="1600200"/>
+            <a:ext cx="5457825" cy="4791075"/>
+          </a:xfrm>
+          <a:prstGeom prst="rect">
+            <a:avLst/>
+          </a:prstGeom>
+        </p:spPr>
+      </p:pic>
+    </p:spTree>
+    <p:extLst>
+      <p:ext uri="{BB962C8B-B14F-4D97-AF65-F5344CB8AC3E}">
+        <p14:creationId xmlns:p14="http://schemas.microsoft.com/office/powerpoint/2010/main" val="2016723784"/>
+      </p:ext>
+    </p:extLst>
+  </p:cSld>
+  <p:clrMapOvr>
+    <a:masterClrMapping/>
+  </p:clrMapOvr>
+  <p:timing>
+    <p:tnLst>
+      <p:par>
+        <p:cTn id="1" dur="indefinite" restart="never" nodeType="tmRoot"/>
+      </p:par>
+    </p:tnLst>
+  </p:timing>
+</p:sld>
+</file>
+
+<file path=ppt/slides/slide12.xml><?xml version="1.0" encoding="utf-8"?>
+<p:sld xmlns:a="http://schemas.openxmlformats.org/drawingml/2006/main" xmlns:r="http://schemas.openxmlformats.org/officeDocument/2006/relationships" xmlns:p="http://schemas.openxmlformats.org/presentationml/2006/main">
+  <p:cSld>
+    <p:spTree>
+      <p:nvGrpSpPr>
+        <p:cNvPr id="1" name=""/>
+        <p:cNvGrpSpPr/>
+        <p:nvPr/>
+      </p:nvGrpSpPr>
+      <p:grpSpPr>
+        <a:xfrm>
+          <a:off x="0" y="0"/>
+          <a:ext cx="0" cy="0"/>
+          <a:chOff x="0" y="0"/>
+          <a:chExt cx="0" cy="0"/>
+        </a:xfrm>
+      </p:grpSpPr>
+      <p:sp>
+        <p:nvSpPr>
+          <p:cNvPr id="2" name="Title 1"/>
+          <p:cNvSpPr>
+            <a:spLocks noGrp="1"/>
+          </p:cNvSpPr>
+          <p:nvPr>
+            <p:ph type="title"/>
+          </p:nvPr>
+        </p:nvSpPr>
+        <p:spPr/>
+        <p:txBody>
+          <a:bodyPr/>
+          <a:lstStyle/>
+          <a:p>
+            <a:r>
+              <a:rPr lang="en-US" dirty="0" smtClean="0"/>
+              <a:t>Chlamydia Screening, CQM 2</a:t>
+            </a:r>
+            <a:endParaRPr lang="en-US" dirty="0"/>
+          </a:p>
+        </p:txBody>
+      </p:sp>
+      <p:pic>
+        <p:nvPicPr>
+          <p:cNvPr id="4" name="Picture 3"/>
+          <p:cNvPicPr>
+            <a:picLocks noChangeAspect="1"/>
+          </p:cNvPicPr>
+          <p:nvPr/>
+        </p:nvPicPr>
+        <p:blipFill>
+          <a:blip r:embed="rId2"/>
+          <a:stretch>
+            <a:fillRect/>
+          </a:stretch>
+        </p:blipFill>
+        <p:spPr>
+          <a:xfrm>
+            <a:off x="195837" y="1417638"/>
+            <a:ext cx="8752325" cy="4876800"/>
+          </a:xfrm>
+          <a:prstGeom prst="rect">
+            <a:avLst/>
+          </a:prstGeom>
+        </p:spPr>
+      </p:pic>
+    </p:spTree>
+    <p:extLst>
+      <p:ext uri="{BB962C8B-B14F-4D97-AF65-F5344CB8AC3E}">
+        <p14:creationId xmlns:p14="http://schemas.microsoft.com/office/powerpoint/2010/main" val="2761132467"/>
+      </p:ext>
+    </p:extLst>
+  </p:cSld>
+  <p:clrMapOvr>
+    <a:masterClrMapping/>
+  </p:clrMapOvr>
+</p:sld>
+</file>
+
+<file path=ppt/slides/slide13.xml><?xml version="1.0" encoding="utf-8"?>
+<p:sld xmlns:a="http://schemas.openxmlformats.org/drawingml/2006/main" xmlns:r="http://schemas.openxmlformats.org/officeDocument/2006/relationships" xmlns:p="http://schemas.openxmlformats.org/presentationml/2006/main">
+  <p:cSld>
+    <p:spTree>
+      <p:nvGrpSpPr>
+        <p:cNvPr id="1" name=""/>
+        <p:cNvGrpSpPr/>
+        <p:nvPr/>
+      </p:nvGrpSpPr>
+      <p:grpSpPr>
+        <a:xfrm>
+          <a:off x="0" y="0"/>
+          <a:ext cx="0" cy="0"/>
+          <a:chOff x="0" y="0"/>
+          <a:chExt cx="0" cy="0"/>
+        </a:xfrm>
+      </p:grpSpPr>
+      <p:sp>
+        <p:nvSpPr>
+          <p:cNvPr id="2" name="Title 1"/>
+          <p:cNvSpPr>
+            <a:spLocks noGrp="1"/>
+          </p:cNvSpPr>
+          <p:nvPr>
+            <p:ph type="title"/>
+          </p:nvPr>
+        </p:nvSpPr>
+        <p:spPr/>
+        <p:txBody>
+          <a:bodyPr/>
+          <a:lstStyle/>
+          <a:p>
+            <a:r>
+              <a:rPr lang="en-US" dirty="0" smtClean="0"/>
               <a:t>Chlamydia Screening, CDS 2</a:t>
             </a:r>
             <a:endParaRPr lang="en-US" dirty="0"/>
@@ -3381,7 +3524,7 @@
 </p:sld>
 </file>
 
-<file path=ppt/slides/slide12.xml><?xml version="1.0" encoding="utf-8"?>
+<file path=ppt/slides/slide14.xml><?xml version="1.0" encoding="utf-8"?>
 <p:sld xmlns:a="http://schemas.openxmlformats.org/drawingml/2006/main" xmlns:r="http://schemas.openxmlformats.org/officeDocument/2006/relationships" xmlns:p="http://schemas.openxmlformats.org/presentationml/2006/main">
   <p:cSld>
     <p:spTree>
@@ -3572,43 +3715,22 @@
       </p:grpSpPr>
       <p:sp>
         <p:nvSpPr>
-          <p:cNvPr id="4" name="Rectangle 3"/>
-          <p:cNvSpPr/>
-          <p:nvPr/>
-        </p:nvSpPr>
-        <p:spPr>
-          <a:xfrm>
-            <a:off x="5338316" y="1665905"/>
-            <a:ext cx="1600200" cy="762000"/>
-          </a:xfrm>
-          <a:prstGeom prst="rect">
-            <a:avLst/>
-          </a:prstGeom>
-        </p:spPr>
-        <p:style>
-          <a:lnRef idx="2">
-            <a:schemeClr val="accent1">
-              <a:shade val="50000"/>
-            </a:schemeClr>
-          </a:lnRef>
-          <a:fillRef idx="1">
-            <a:schemeClr val="accent1"/>
-          </a:fillRef>
-          <a:effectRef idx="0">
-            <a:schemeClr val="accent1"/>
-          </a:effectRef>
-          <a:fontRef idx="minor">
-            <a:schemeClr val="lt1"/>
-          </a:fontRef>
-        </p:style>
-        <p:txBody>
-          <a:bodyPr rtlCol="0" anchor="ctr"/>
-          <a:lstStyle/>
-          <a:p>
-            <a:pPr algn="ctr"/>
-            <a:r>
-              <a:rPr lang="en-US" smtClean="0"/>
-              <a:t>Sexually Active</a:t>
+          <p:cNvPr id="2" name="Title 1"/>
+          <p:cNvSpPr>
+            <a:spLocks noGrp="1"/>
+          </p:cNvSpPr>
+          <p:nvPr>
+            <p:ph type="title"/>
+          </p:nvPr>
+        </p:nvSpPr>
+        <p:spPr/>
+        <p:txBody>
+          <a:bodyPr/>
+          <a:lstStyle/>
+          <a:p>
+            <a:r>
+              <a:rPr lang="en-US" smtClean="0"/>
+              <a:t>CQL Background</a:t>
             </a:r>
             <a:endParaRPr lang="en-US"/>
           </a:p>
@@ -3616,1788 +3738,77 @@
       </p:sp>
       <p:sp>
         <p:nvSpPr>
-          <p:cNvPr id="5" name="Rectangle 4"/>
-          <p:cNvSpPr/>
-          <p:nvPr/>
-        </p:nvSpPr>
-        <p:spPr>
-          <a:xfrm>
-            <a:off x="2436110" y="533400"/>
-            <a:ext cx="1600200" cy="750332"/>
-          </a:xfrm>
-          <a:prstGeom prst="rect">
-            <a:avLst/>
-          </a:prstGeom>
-        </p:spPr>
-        <p:style>
-          <a:lnRef idx="2">
-            <a:schemeClr val="accent1">
-              <a:shade val="50000"/>
-            </a:schemeClr>
-          </a:lnRef>
-          <a:fillRef idx="1">
-            <a:schemeClr val="accent1"/>
-          </a:fillRef>
-          <a:effectRef idx="0">
-            <a:schemeClr val="accent1"/>
-          </a:effectRef>
-          <a:fontRef idx="minor">
-            <a:schemeClr val="lt1"/>
-          </a:fontRef>
-        </p:style>
-        <p:txBody>
-          <a:bodyPr rtlCol="0" anchor="ctr"/>
-          <a:lstStyle/>
-          <a:p>
-            <a:pPr algn="ctr"/>
-            <a:r>
-              <a:rPr lang="en-US" sz="1600" smtClean="0"/>
-              <a:t>Some Population Definition</a:t>
-            </a:r>
-            <a:endParaRPr lang="en-US" sz="1600"/>
-          </a:p>
-        </p:txBody>
-      </p:sp>
-      <p:sp>
-        <p:nvSpPr>
-          <p:cNvPr id="7" name="Rectangle 6"/>
-          <p:cNvSpPr/>
-          <p:nvPr/>
-        </p:nvSpPr>
-        <p:spPr>
-          <a:xfrm>
-            <a:off x="2286000" y="2820135"/>
-            <a:ext cx="1600200" cy="762000"/>
-          </a:xfrm>
-          <a:prstGeom prst="rect">
-            <a:avLst/>
-          </a:prstGeom>
-        </p:spPr>
-        <p:style>
-          <a:lnRef idx="2">
-            <a:schemeClr val="accent1">
-              <a:shade val="50000"/>
-            </a:schemeClr>
-          </a:lnRef>
-          <a:fillRef idx="1">
-            <a:schemeClr val="accent1"/>
-          </a:fillRef>
-          <a:effectRef idx="0">
-            <a:schemeClr val="accent1"/>
-          </a:effectRef>
-          <a:fontRef idx="minor">
-            <a:schemeClr val="lt1"/>
-          </a:fontRef>
-        </p:style>
-        <p:txBody>
-          <a:bodyPr rtlCol="0" anchor="ctr"/>
-          <a:lstStyle/>
-          <a:p>
-            <a:pPr algn="ctr"/>
-            <a:r>
-              <a:rPr lang="en-US" smtClean="0"/>
-              <a:t>Condition</a:t>
-            </a:r>
+          <p:cNvPr id="3" name="Content Placeholder 2"/>
+          <p:cNvSpPr>
+            <a:spLocks noGrp="1"/>
+          </p:cNvSpPr>
+          <p:nvPr>
+            <p:ph idx="1"/>
+          </p:nvPr>
+        </p:nvSpPr>
+        <p:spPr/>
+        <p:txBody>
+          <a:bodyPr>
+            <a:normAutofit fontScale="92500" lnSpcReduction="10000"/>
+          </a:bodyPr>
+          <a:lstStyle/>
+          <a:p>
+            <a:r>
+              <a:rPr lang="en-US"/>
+              <a:t>Part of CQM-CDS harmonization </a:t>
+            </a:r>
+            <a:r>
+              <a:rPr lang="en-US" smtClean="0"/>
+              <a:t>project</a:t>
+            </a:r>
+          </a:p>
+          <a:p>
+            <a:r>
+              <a:rPr lang="en-US" smtClean="0"/>
+              <a:t>Objective is to define an author-friendly and human-readable language to define quality measures and decision support rules (QDM heritage)</a:t>
+            </a:r>
+          </a:p>
+          <a:p>
+            <a:r>
+              <a:rPr lang="en-US" smtClean="0"/>
+              <a:t>Must be computable and implementable (HeD heritage)</a:t>
+            </a:r>
+          </a:p>
+          <a:p>
+            <a:r>
+              <a:rPr lang="en-US" smtClean="0"/>
+              <a:t>Functional requirements </a:t>
+            </a:r>
+            <a:r>
+              <a:rPr lang="en-US"/>
+              <a:t>defined in “Harmonization of Health Quality Artifact Reasoning and Expression Logic”</a:t>
+            </a:r>
+          </a:p>
+          <a:p>
+            <a:endParaRPr lang="en-US" smtClean="0"/>
+          </a:p>
+          <a:p>
             <a:endParaRPr lang="en-US"/>
           </a:p>
         </p:txBody>
       </p:sp>
-      <p:sp>
-        <p:nvSpPr>
-          <p:cNvPr id="8" name="Rectangle 7"/>
-          <p:cNvSpPr/>
-          <p:nvPr/>
-        </p:nvSpPr>
-        <p:spPr>
-          <a:xfrm>
-            <a:off x="4143703" y="2820135"/>
-            <a:ext cx="1224545" cy="762000"/>
-          </a:xfrm>
-          <a:prstGeom prst="rect">
-            <a:avLst/>
-          </a:prstGeom>
-        </p:spPr>
-        <p:style>
-          <a:lnRef idx="2">
-            <a:schemeClr val="accent1">
-              <a:shade val="50000"/>
-            </a:schemeClr>
-          </a:lnRef>
-          <a:fillRef idx="1">
-            <a:schemeClr val="accent1"/>
-          </a:fillRef>
-          <a:effectRef idx="0">
-            <a:schemeClr val="accent1"/>
-          </a:effectRef>
-          <a:fontRef idx="minor">
-            <a:schemeClr val="lt1"/>
-          </a:fontRef>
-        </p:style>
-        <p:txBody>
-          <a:bodyPr rtlCol="0" anchor="ctr"/>
-          <a:lstStyle/>
-          <a:p>
-            <a:pPr algn="ctr"/>
-            <a:r>
-              <a:rPr lang="en-US" sz="1600" smtClean="0"/>
-              <a:t>Procedure</a:t>
-            </a:r>
-            <a:endParaRPr lang="en-US" sz="1600"/>
-          </a:p>
-        </p:txBody>
-      </p:sp>
-      <p:sp>
-        <p:nvSpPr>
-          <p:cNvPr id="9" name="Rectangle 8"/>
-          <p:cNvSpPr/>
-          <p:nvPr/>
-        </p:nvSpPr>
-        <p:spPr>
-          <a:xfrm>
-            <a:off x="2027451" y="4486692"/>
-            <a:ext cx="1226608" cy="762000"/>
-          </a:xfrm>
-          <a:prstGeom prst="rect">
-            <a:avLst/>
-          </a:prstGeom>
-          <a:solidFill>
-            <a:srgbClr val="00CC99"/>
-          </a:solidFill>
-        </p:spPr>
-        <p:style>
-          <a:lnRef idx="2">
-            <a:schemeClr val="accent1">
-              <a:shade val="50000"/>
-            </a:schemeClr>
-          </a:lnRef>
-          <a:fillRef idx="1">
-            <a:schemeClr val="accent1"/>
-          </a:fillRef>
-          <a:effectRef idx="0">
-            <a:schemeClr val="accent1"/>
-          </a:effectRef>
-          <a:fontRef idx="minor">
-            <a:schemeClr val="lt1"/>
-          </a:fontRef>
-        </p:style>
-        <p:txBody>
-          <a:bodyPr rtlCol="0" anchor="ctr"/>
-          <a:lstStyle/>
-          <a:p>
-            <a:pPr algn="ctr"/>
-            <a:r>
-              <a:rPr lang="en-US" smtClean="0"/>
-              <a:t>FHIR Logic</a:t>
-            </a:r>
-            <a:endParaRPr lang="en-US"/>
-          </a:p>
-        </p:txBody>
-      </p:sp>
-      <p:sp>
-        <p:nvSpPr>
-          <p:cNvPr id="11" name="Rectangle 10"/>
-          <p:cNvSpPr/>
-          <p:nvPr/>
-        </p:nvSpPr>
-        <p:spPr>
-          <a:xfrm>
-            <a:off x="5637753" y="4557635"/>
-            <a:ext cx="1226608" cy="762000"/>
-          </a:xfrm>
-          <a:prstGeom prst="rect">
-            <a:avLst/>
-          </a:prstGeom>
-          <a:solidFill>
-            <a:srgbClr val="00CC99"/>
-          </a:solidFill>
-        </p:spPr>
-        <p:style>
-          <a:lnRef idx="2">
-            <a:schemeClr val="accent1">
-              <a:shade val="50000"/>
-            </a:schemeClr>
-          </a:lnRef>
-          <a:fillRef idx="1">
-            <a:schemeClr val="accent1"/>
-          </a:fillRef>
-          <a:effectRef idx="0">
-            <a:schemeClr val="accent1"/>
-          </a:effectRef>
-          <a:fontRef idx="minor">
-            <a:schemeClr val="lt1"/>
-          </a:fontRef>
-        </p:style>
-        <p:txBody>
-          <a:bodyPr rtlCol="0" anchor="ctr"/>
-          <a:lstStyle/>
-          <a:p>
-            <a:pPr algn="ctr"/>
-            <a:r>
-              <a:rPr lang="en-US" smtClean="0"/>
-              <a:t>CCDA Logic</a:t>
-            </a:r>
-            <a:endParaRPr lang="en-US"/>
-          </a:p>
-        </p:txBody>
-      </p:sp>
-      <p:sp>
-        <p:nvSpPr>
-          <p:cNvPr id="12" name="Rectangle 11"/>
-          <p:cNvSpPr/>
-          <p:nvPr/>
-        </p:nvSpPr>
-        <p:spPr>
-          <a:xfrm>
-            <a:off x="2067237" y="5553590"/>
-            <a:ext cx="1173482" cy="526081"/>
-          </a:xfrm>
-          <a:prstGeom prst="rect">
-            <a:avLst/>
-          </a:prstGeom>
-          <a:solidFill>
-            <a:schemeClr val="accent3">
-              <a:lumMod val="75000"/>
-            </a:schemeClr>
-          </a:solidFill>
-        </p:spPr>
-        <p:style>
-          <a:lnRef idx="2">
-            <a:schemeClr val="accent1">
-              <a:shade val="50000"/>
-            </a:schemeClr>
-          </a:lnRef>
-          <a:fillRef idx="1">
-            <a:schemeClr val="accent1"/>
-          </a:fillRef>
-          <a:effectRef idx="0">
-            <a:schemeClr val="accent1"/>
-          </a:effectRef>
-          <a:fontRef idx="minor">
-            <a:schemeClr val="lt1"/>
-          </a:fontRef>
-        </p:style>
-        <p:txBody>
-          <a:bodyPr rtlCol="0" anchor="ctr"/>
-          <a:lstStyle/>
-          <a:p>
-            <a:pPr algn="ctr"/>
-            <a:r>
-              <a:rPr lang="en-US" sz="1600" smtClean="0"/>
-              <a:t>FHIR API</a:t>
-            </a:r>
-            <a:endParaRPr lang="en-US" sz="1600"/>
-          </a:p>
-        </p:txBody>
-      </p:sp>
-      <p:sp>
-        <p:nvSpPr>
-          <p:cNvPr id="14" name="Rectangle 13"/>
-          <p:cNvSpPr/>
-          <p:nvPr/>
-        </p:nvSpPr>
-        <p:spPr>
-          <a:xfrm>
-            <a:off x="5682984" y="5646119"/>
-            <a:ext cx="1173482" cy="526081"/>
-          </a:xfrm>
-          <a:prstGeom prst="rect">
-            <a:avLst/>
-          </a:prstGeom>
-          <a:solidFill>
-            <a:schemeClr val="accent3">
-              <a:lumMod val="75000"/>
-            </a:schemeClr>
-          </a:solidFill>
-        </p:spPr>
-        <p:style>
-          <a:lnRef idx="2">
-            <a:schemeClr val="accent1">
-              <a:shade val="50000"/>
-            </a:schemeClr>
-          </a:lnRef>
-          <a:fillRef idx="1">
-            <a:schemeClr val="accent1"/>
-          </a:fillRef>
-          <a:effectRef idx="0">
-            <a:schemeClr val="accent1"/>
-          </a:effectRef>
-          <a:fontRef idx="minor">
-            <a:schemeClr val="lt1"/>
-          </a:fontRef>
-        </p:style>
-        <p:txBody>
-          <a:bodyPr rtlCol="0" anchor="ctr"/>
-          <a:lstStyle/>
-          <a:p>
-            <a:pPr algn="ctr"/>
-            <a:endParaRPr lang="en-US" sz="1600"/>
-          </a:p>
-        </p:txBody>
-      </p:sp>
-      <p:sp>
-        <p:nvSpPr>
-          <p:cNvPr id="15" name="Flowchart: Magnetic Disk 14"/>
-          <p:cNvSpPr/>
-          <p:nvPr/>
-        </p:nvSpPr>
-        <p:spPr>
-          <a:xfrm>
-            <a:off x="2254976" y="6079671"/>
-            <a:ext cx="819190" cy="418067"/>
-          </a:xfrm>
-          <a:prstGeom prst="flowChartMagneticDisk">
-            <a:avLst/>
-          </a:prstGeom>
-          <a:solidFill>
-            <a:schemeClr val="accent3">
-              <a:lumMod val="75000"/>
-            </a:schemeClr>
-          </a:solidFill>
-        </p:spPr>
-        <p:style>
-          <a:lnRef idx="2">
-            <a:schemeClr val="accent1">
-              <a:shade val="50000"/>
-            </a:schemeClr>
-          </a:lnRef>
-          <a:fillRef idx="1">
-            <a:schemeClr val="accent1"/>
-          </a:fillRef>
-          <a:effectRef idx="0">
-            <a:schemeClr val="accent1"/>
-          </a:effectRef>
-          <a:fontRef idx="minor">
-            <a:schemeClr val="lt1"/>
-          </a:fontRef>
-        </p:style>
-        <p:txBody>
-          <a:bodyPr rtlCol="0" anchor="ctr"/>
-          <a:lstStyle/>
-          <a:p>
-            <a:pPr algn="ctr"/>
-            <a:endParaRPr lang="en-US"/>
-          </a:p>
-        </p:txBody>
-      </p:sp>
-      <p:sp>
-        <p:nvSpPr>
-          <p:cNvPr id="18" name="Rectangle 17"/>
-          <p:cNvSpPr/>
-          <p:nvPr/>
-        </p:nvSpPr>
-        <p:spPr>
-          <a:xfrm>
-            <a:off x="492398" y="2590800"/>
-            <a:ext cx="6924596" cy="1219200"/>
-          </a:xfrm>
-          <a:prstGeom prst="rect">
-            <a:avLst/>
-          </a:prstGeom>
-          <a:noFill/>
-        </p:spPr>
-        <p:style>
-          <a:lnRef idx="2">
-            <a:schemeClr val="accent1">
-              <a:shade val="50000"/>
-            </a:schemeClr>
-          </a:lnRef>
-          <a:fillRef idx="1">
-            <a:schemeClr val="accent1"/>
-          </a:fillRef>
-          <a:effectRef idx="0">
-            <a:schemeClr val="accent1"/>
-          </a:effectRef>
-          <a:fontRef idx="minor">
-            <a:schemeClr val="lt1"/>
-          </a:fontRef>
-        </p:style>
-        <p:txBody>
-          <a:bodyPr rtlCol="0" anchor="ctr"/>
-          <a:lstStyle/>
-          <a:p>
-            <a:pPr algn="ctr"/>
-            <a:endParaRPr lang="en-US"/>
-          </a:p>
-        </p:txBody>
-      </p:sp>
-      <p:sp>
-        <p:nvSpPr>
-          <p:cNvPr id="20" name="TextBox 19"/>
-          <p:cNvSpPr txBox="1"/>
-          <p:nvPr/>
-        </p:nvSpPr>
-        <p:spPr>
-          <a:xfrm>
-            <a:off x="7137690" y="4131674"/>
-            <a:ext cx="1858093" cy="1384995"/>
-          </a:xfrm>
-          <a:prstGeom prst="rect">
-            <a:avLst/>
-          </a:prstGeom>
-          <a:noFill/>
-        </p:spPr>
-        <p:txBody>
-          <a:bodyPr wrap="square" rtlCol="0">
-            <a:spAutoFit/>
-          </a:bodyPr>
-          <a:lstStyle/>
-          <a:p>
-            <a:r>
-              <a:rPr lang="en-US" sz="1400" dirty="0" smtClean="0"/>
-              <a:t>As well as Data Format Specific concepts that implement a common “data provider” interface in terms of the logical model</a:t>
-            </a:r>
-            <a:endParaRPr lang="en-US" sz="1400" dirty="0"/>
-          </a:p>
-        </p:txBody>
-      </p:sp>
-      <p:sp>
-        <p:nvSpPr>
-          <p:cNvPr id="21" name="Rectangle 20"/>
-          <p:cNvSpPr/>
-          <p:nvPr/>
-        </p:nvSpPr>
-        <p:spPr>
-          <a:xfrm>
-            <a:off x="5667703" y="2820135"/>
-            <a:ext cx="1278010" cy="762000"/>
-          </a:xfrm>
-          <a:prstGeom prst="rect">
-            <a:avLst/>
-          </a:prstGeom>
-        </p:spPr>
-        <p:style>
-          <a:lnRef idx="2">
-            <a:schemeClr val="accent1">
-              <a:shade val="50000"/>
-            </a:schemeClr>
-          </a:lnRef>
-          <a:fillRef idx="1">
-            <a:schemeClr val="accent1"/>
-          </a:fillRef>
-          <a:effectRef idx="0">
-            <a:schemeClr val="accent1"/>
-          </a:effectRef>
-          <a:fontRef idx="minor">
-            <a:schemeClr val="lt1"/>
-          </a:fontRef>
-        </p:style>
-        <p:txBody>
-          <a:bodyPr rtlCol="0" anchor="ctr"/>
-          <a:lstStyle/>
-          <a:p>
-            <a:pPr algn="ctr"/>
-            <a:r>
-              <a:rPr lang="en-US" sz="1600" smtClean="0"/>
-              <a:t>Medication</a:t>
-            </a:r>
-            <a:endParaRPr lang="en-US" sz="1600"/>
-          </a:p>
-        </p:txBody>
-      </p:sp>
-      <p:cxnSp>
-        <p:nvCxnSpPr>
-          <p:cNvPr id="23" name="Straight Arrow Connector 22"/>
-          <p:cNvCxnSpPr>
-            <a:stCxn id="9" idx="2"/>
-            <a:endCxn id="12" idx="0"/>
-          </p:cNvCxnSpPr>
-          <p:nvPr/>
-        </p:nvCxnSpPr>
-        <p:spPr>
-          <a:xfrm>
-            <a:off x="2640755" y="5248692"/>
-            <a:ext cx="13223" cy="304898"/>
-          </a:xfrm>
-          <a:prstGeom prst="straightConnector1">
-            <a:avLst/>
-          </a:prstGeom>
-          <a:ln w="28575">
-            <a:solidFill>
-              <a:schemeClr val="accent1">
-                <a:lumMod val="75000"/>
-              </a:schemeClr>
-            </a:solidFill>
-            <a:headEnd type="arrow"/>
-            <a:tailEnd type="arrow"/>
-          </a:ln>
-        </p:spPr>
-        <p:style>
-          <a:lnRef idx="1">
-            <a:schemeClr val="accent1"/>
-          </a:lnRef>
-          <a:fillRef idx="0">
-            <a:schemeClr val="accent1"/>
-          </a:fillRef>
-          <a:effectRef idx="0">
-            <a:schemeClr val="accent1"/>
-          </a:effectRef>
-          <a:fontRef idx="minor">
-            <a:schemeClr val="tx1"/>
-          </a:fontRef>
-        </p:style>
-      </p:cxnSp>
-      <p:cxnSp>
-        <p:nvCxnSpPr>
-          <p:cNvPr id="27" name="Straight Arrow Connector 26"/>
-          <p:cNvCxnSpPr>
-            <a:stCxn id="11" idx="2"/>
-            <a:endCxn id="14" idx="0"/>
-          </p:cNvCxnSpPr>
-          <p:nvPr/>
-        </p:nvCxnSpPr>
-        <p:spPr>
-          <a:xfrm>
-            <a:off x="6251057" y="5319635"/>
-            <a:ext cx="18668" cy="326484"/>
-          </a:xfrm>
-          <a:prstGeom prst="straightConnector1">
-            <a:avLst/>
-          </a:prstGeom>
-          <a:ln w="28575">
-            <a:solidFill>
-              <a:schemeClr val="accent1">
-                <a:lumMod val="75000"/>
-              </a:schemeClr>
-            </a:solidFill>
-            <a:headEnd type="arrow"/>
-            <a:tailEnd type="arrow"/>
-          </a:ln>
-        </p:spPr>
-        <p:style>
-          <a:lnRef idx="1">
-            <a:schemeClr val="accent1"/>
-          </a:lnRef>
-          <a:fillRef idx="0">
-            <a:schemeClr val="accent1"/>
-          </a:fillRef>
-          <a:effectRef idx="0">
-            <a:schemeClr val="accent1"/>
-          </a:effectRef>
-          <a:fontRef idx="minor">
-            <a:schemeClr val="tx1"/>
-          </a:fontRef>
-        </p:style>
-      </p:cxnSp>
-      <p:cxnSp>
-        <p:nvCxnSpPr>
-          <p:cNvPr id="33" name="Straight Arrow Connector 32"/>
-          <p:cNvCxnSpPr>
-            <a:stCxn id="9" idx="0"/>
-            <a:endCxn id="7" idx="2"/>
-          </p:cNvCxnSpPr>
-          <p:nvPr/>
-        </p:nvCxnSpPr>
-        <p:spPr>
-          <a:xfrm flipV="1">
-            <a:off x="2640755" y="3582135"/>
-            <a:ext cx="445345" cy="904557"/>
-          </a:xfrm>
-          <a:prstGeom prst="straightConnector1">
-            <a:avLst/>
-          </a:prstGeom>
-          <a:ln w="28575">
-            <a:solidFill>
-              <a:schemeClr val="accent1">
-                <a:lumMod val="75000"/>
-              </a:schemeClr>
-            </a:solidFill>
-            <a:headEnd type="arrow"/>
-            <a:tailEnd type="arrow"/>
-          </a:ln>
-        </p:spPr>
-        <p:style>
-          <a:lnRef idx="1">
-            <a:schemeClr val="accent1"/>
-          </a:lnRef>
-          <a:fillRef idx="0">
-            <a:schemeClr val="accent1"/>
-          </a:fillRef>
-          <a:effectRef idx="0">
-            <a:schemeClr val="accent1"/>
-          </a:effectRef>
-          <a:fontRef idx="minor">
-            <a:schemeClr val="tx1"/>
-          </a:fontRef>
-        </p:style>
-      </p:cxnSp>
-      <p:cxnSp>
-        <p:nvCxnSpPr>
-          <p:cNvPr id="41" name="Straight Arrow Connector 40"/>
-          <p:cNvCxnSpPr>
-            <a:stCxn id="11" idx="0"/>
-            <a:endCxn id="7" idx="2"/>
-          </p:cNvCxnSpPr>
-          <p:nvPr/>
-        </p:nvCxnSpPr>
-        <p:spPr>
-          <a:xfrm flipH="1" flipV="1">
-            <a:off x="3086100" y="3582135"/>
-            <a:ext cx="3164957" cy="975500"/>
-          </a:xfrm>
-          <a:prstGeom prst="straightConnector1">
-            <a:avLst/>
-          </a:prstGeom>
-          <a:ln w="28575">
-            <a:solidFill>
-              <a:schemeClr val="accent1">
-                <a:lumMod val="75000"/>
-              </a:schemeClr>
-            </a:solidFill>
-            <a:headEnd type="arrow"/>
-            <a:tailEnd type="arrow"/>
-          </a:ln>
-        </p:spPr>
-        <p:style>
-          <a:lnRef idx="1">
-            <a:schemeClr val="accent1"/>
-          </a:lnRef>
-          <a:fillRef idx="0">
-            <a:schemeClr val="accent1"/>
-          </a:fillRef>
-          <a:effectRef idx="0">
-            <a:schemeClr val="accent1"/>
-          </a:effectRef>
-          <a:fontRef idx="minor">
-            <a:schemeClr val="tx1"/>
-          </a:fontRef>
-        </p:style>
-      </p:cxnSp>
-      <p:sp>
-        <p:nvSpPr>
-          <p:cNvPr id="57" name="Rectangle 56"/>
-          <p:cNvSpPr/>
-          <p:nvPr/>
-        </p:nvSpPr>
-        <p:spPr>
-          <a:xfrm>
-            <a:off x="4414214" y="533400"/>
-            <a:ext cx="1496033" cy="762000"/>
-          </a:xfrm>
-          <a:prstGeom prst="rect">
-            <a:avLst/>
-          </a:prstGeom>
-        </p:spPr>
-        <p:style>
-          <a:lnRef idx="2">
-            <a:schemeClr val="accent1">
-              <a:shade val="50000"/>
-            </a:schemeClr>
-          </a:lnRef>
-          <a:fillRef idx="1">
-            <a:schemeClr val="accent1"/>
-          </a:fillRef>
-          <a:effectRef idx="0">
-            <a:schemeClr val="accent1"/>
-          </a:effectRef>
-          <a:fontRef idx="minor">
-            <a:schemeClr val="lt1"/>
-          </a:fontRef>
-        </p:style>
-        <p:txBody>
-          <a:bodyPr rtlCol="0" anchor="ctr"/>
-          <a:lstStyle/>
-          <a:p>
-            <a:pPr algn="ctr"/>
-            <a:r>
-              <a:rPr lang="en-US" sz="1600" smtClean="0"/>
-              <a:t>Chlamydia  Test Recommended</a:t>
-            </a:r>
-            <a:endParaRPr lang="en-US" sz="1600"/>
-          </a:p>
-        </p:txBody>
-      </p:sp>
-      <p:sp>
-        <p:nvSpPr>
-          <p:cNvPr id="71" name="TextBox 70"/>
-          <p:cNvSpPr txBox="1"/>
-          <p:nvPr/>
-        </p:nvSpPr>
-        <p:spPr>
-          <a:xfrm>
-            <a:off x="7128712" y="1468534"/>
-            <a:ext cx="1671655" cy="954107"/>
-          </a:xfrm>
-          <a:prstGeom prst="rect">
-            <a:avLst/>
-          </a:prstGeom>
-          <a:noFill/>
-        </p:spPr>
-        <p:txBody>
-          <a:bodyPr wrap="square" rtlCol="0">
-            <a:spAutoFit/>
-          </a:bodyPr>
-          <a:lstStyle/>
-          <a:p>
-            <a:r>
-              <a:rPr lang="en-US" sz="1400" dirty="0" smtClean="0"/>
-              <a:t>In the same way that lower-level concepts can be referenced</a:t>
-            </a:r>
-            <a:endParaRPr lang="en-US" sz="1400" dirty="0"/>
-          </a:p>
-        </p:txBody>
-      </p:sp>
-      <p:sp>
-        <p:nvSpPr>
-          <p:cNvPr id="73" name="Rectangle 72"/>
-          <p:cNvSpPr/>
-          <p:nvPr/>
-        </p:nvSpPr>
-        <p:spPr>
-          <a:xfrm>
-            <a:off x="1201730" y="1573234"/>
-            <a:ext cx="1301357" cy="762000"/>
-          </a:xfrm>
-          <a:prstGeom prst="rect">
-            <a:avLst/>
-          </a:prstGeom>
-          <a:ln>
-            <a:solidFill>
-              <a:schemeClr val="accent1">
-                <a:lumMod val="75000"/>
-              </a:schemeClr>
-            </a:solidFill>
-          </a:ln>
-        </p:spPr>
-        <p:style>
-          <a:lnRef idx="2">
-            <a:schemeClr val="accent1">
-              <a:shade val="50000"/>
-            </a:schemeClr>
-          </a:lnRef>
-          <a:fillRef idx="1">
-            <a:schemeClr val="accent1"/>
-          </a:fillRef>
-          <a:effectRef idx="0">
-            <a:schemeClr val="accent1"/>
-          </a:effectRef>
-          <a:fontRef idx="minor">
-            <a:schemeClr val="lt1"/>
-          </a:fontRef>
-        </p:style>
-        <p:txBody>
-          <a:bodyPr rtlCol="0" anchor="ctr"/>
-          <a:lstStyle/>
-          <a:p>
-            <a:pPr algn="ctr"/>
-            <a:r>
-              <a:rPr lang="en-US" sz="1600" smtClean="0"/>
-              <a:t>Uses  Device</a:t>
-            </a:r>
-            <a:endParaRPr lang="en-US" sz="1600"/>
-          </a:p>
-        </p:txBody>
-      </p:sp>
-      <p:cxnSp>
-        <p:nvCxnSpPr>
-          <p:cNvPr id="74" name="Straight Arrow Connector 73"/>
-          <p:cNvCxnSpPr>
-            <a:stCxn id="7" idx="0"/>
-            <a:endCxn id="57" idx="2"/>
-          </p:cNvCxnSpPr>
-          <p:nvPr/>
-        </p:nvCxnSpPr>
-        <p:spPr>
-          <a:xfrm flipV="1">
-            <a:off x="3086100" y="1295400"/>
-            <a:ext cx="2076131" cy="1524735"/>
-          </a:xfrm>
-          <a:prstGeom prst="straightConnector1">
-            <a:avLst/>
-          </a:prstGeom>
-          <a:ln w="28575">
-            <a:solidFill>
-              <a:schemeClr val="accent1">
-                <a:lumMod val="75000"/>
-              </a:schemeClr>
-            </a:solidFill>
-            <a:headEnd type="arrow"/>
-            <a:tailEnd type="arrow"/>
-          </a:ln>
-        </p:spPr>
-        <p:style>
-          <a:lnRef idx="1">
-            <a:schemeClr val="accent1"/>
-          </a:lnRef>
-          <a:fillRef idx="0">
-            <a:schemeClr val="accent1"/>
-          </a:fillRef>
-          <a:effectRef idx="0">
-            <a:schemeClr val="accent1"/>
-          </a:effectRef>
-          <a:fontRef idx="minor">
-            <a:schemeClr val="tx1"/>
-          </a:fontRef>
-        </p:style>
-      </p:cxnSp>
-      <p:cxnSp>
-        <p:nvCxnSpPr>
-          <p:cNvPr id="77" name="Straight Arrow Connector 76"/>
-          <p:cNvCxnSpPr>
-            <a:stCxn id="4" idx="0"/>
-            <a:endCxn id="57" idx="2"/>
-          </p:cNvCxnSpPr>
-          <p:nvPr/>
-        </p:nvCxnSpPr>
-        <p:spPr>
-          <a:xfrm flipH="1" flipV="1">
-            <a:off x="5162231" y="1295400"/>
-            <a:ext cx="976185" cy="370505"/>
-          </a:xfrm>
-          <a:prstGeom prst="straightConnector1">
-            <a:avLst/>
-          </a:prstGeom>
-          <a:ln w="28575">
-            <a:solidFill>
-              <a:schemeClr val="accent1">
-                <a:lumMod val="75000"/>
-              </a:schemeClr>
-            </a:solidFill>
-            <a:headEnd type="arrow"/>
-            <a:tailEnd type="arrow"/>
-          </a:ln>
-        </p:spPr>
-        <p:style>
-          <a:lnRef idx="1">
-            <a:schemeClr val="accent1"/>
-          </a:lnRef>
-          <a:fillRef idx="0">
-            <a:schemeClr val="accent1"/>
-          </a:fillRef>
-          <a:effectRef idx="0">
-            <a:schemeClr val="accent1"/>
-          </a:effectRef>
-          <a:fontRef idx="minor">
-            <a:schemeClr val="tx1"/>
-          </a:fontRef>
-        </p:style>
-      </p:cxnSp>
-      <p:cxnSp>
-        <p:nvCxnSpPr>
-          <p:cNvPr id="80" name="Straight Arrow Connector 79"/>
-          <p:cNvCxnSpPr>
-            <a:stCxn id="73" idx="0"/>
-            <a:endCxn id="5" idx="2"/>
-          </p:cNvCxnSpPr>
-          <p:nvPr/>
-        </p:nvCxnSpPr>
-        <p:spPr>
-          <a:xfrm flipV="1">
-            <a:off x="1852409" y="1283732"/>
-            <a:ext cx="1383801" cy="289502"/>
-          </a:xfrm>
-          <a:prstGeom prst="straightConnector1">
-            <a:avLst/>
-          </a:prstGeom>
-          <a:ln w="28575">
-            <a:solidFill>
-              <a:schemeClr val="accent1">
-                <a:lumMod val="75000"/>
-              </a:schemeClr>
-            </a:solidFill>
-            <a:headEnd type="arrow"/>
-            <a:tailEnd type="arrow"/>
-          </a:ln>
-        </p:spPr>
-        <p:style>
-          <a:lnRef idx="1">
-            <a:schemeClr val="accent1"/>
-          </a:lnRef>
-          <a:fillRef idx="0">
-            <a:schemeClr val="accent1"/>
-          </a:fillRef>
-          <a:effectRef idx="0">
-            <a:schemeClr val="accent1"/>
-          </a:effectRef>
-          <a:fontRef idx="minor">
-            <a:schemeClr val="tx1"/>
-          </a:fontRef>
-        </p:style>
-      </p:cxnSp>
-      <p:sp>
-        <p:nvSpPr>
-          <p:cNvPr id="87" name="TextBox 86"/>
-          <p:cNvSpPr txBox="1"/>
-          <p:nvPr/>
-        </p:nvSpPr>
-        <p:spPr>
-          <a:xfrm>
-            <a:off x="3237292" y="4442482"/>
-            <a:ext cx="503664" cy="646331"/>
-          </a:xfrm>
-          <a:prstGeom prst="rect">
-            <a:avLst/>
-          </a:prstGeom>
-          <a:noFill/>
-        </p:spPr>
-        <p:txBody>
-          <a:bodyPr wrap="none" rtlCol="0">
-            <a:spAutoFit/>
-          </a:bodyPr>
-          <a:lstStyle/>
-          <a:p>
-            <a:r>
-              <a:rPr lang="en-US" sz="3600" smtClean="0"/>
-              <a:t>…</a:t>
-            </a:r>
-            <a:endParaRPr lang="en-US" sz="3600"/>
-          </a:p>
-        </p:txBody>
-      </p:sp>
-      <p:sp>
-        <p:nvSpPr>
-          <p:cNvPr id="103" name="Flowchart: Magnetic Disk 102"/>
-          <p:cNvSpPr/>
-          <p:nvPr/>
-        </p:nvSpPr>
-        <p:spPr>
-          <a:xfrm>
-            <a:off x="3981621" y="5564197"/>
-            <a:ext cx="1051514" cy="611336"/>
-          </a:xfrm>
-          <a:prstGeom prst="flowChartMagneticDisk">
-            <a:avLst/>
-          </a:prstGeom>
-          <a:solidFill>
-            <a:schemeClr val="accent3">
-              <a:lumMod val="75000"/>
-            </a:schemeClr>
-          </a:solidFill>
-        </p:spPr>
-        <p:style>
-          <a:lnRef idx="2">
-            <a:schemeClr val="accent1">
-              <a:shade val="50000"/>
-            </a:schemeClr>
-          </a:lnRef>
-          <a:fillRef idx="1">
-            <a:schemeClr val="accent1"/>
-          </a:fillRef>
-          <a:effectRef idx="0">
-            <a:schemeClr val="accent1"/>
-          </a:effectRef>
-          <a:fontRef idx="minor">
-            <a:schemeClr val="lt1"/>
-          </a:fontRef>
-        </p:style>
-        <p:txBody>
-          <a:bodyPr rtlCol="0" anchor="ctr"/>
-          <a:lstStyle/>
-          <a:p>
-            <a:pPr algn="ctr"/>
-            <a:r>
-              <a:rPr lang="en-US" smtClean="0"/>
-              <a:t>EHR</a:t>
-            </a:r>
-            <a:endParaRPr lang="en-US"/>
-          </a:p>
-        </p:txBody>
-      </p:sp>
-      <p:sp>
-        <p:nvSpPr>
-          <p:cNvPr id="109" name="Rectangle 108"/>
-          <p:cNvSpPr/>
-          <p:nvPr/>
-        </p:nvSpPr>
-        <p:spPr>
-          <a:xfrm>
-            <a:off x="3877745" y="4500209"/>
-            <a:ext cx="1226608" cy="762000"/>
-          </a:xfrm>
-          <a:prstGeom prst="rect">
-            <a:avLst/>
-          </a:prstGeom>
-          <a:solidFill>
-            <a:srgbClr val="00CC99"/>
-          </a:solidFill>
-        </p:spPr>
-        <p:style>
-          <a:lnRef idx="2">
-            <a:schemeClr val="accent1">
-              <a:shade val="50000"/>
-            </a:schemeClr>
-          </a:lnRef>
-          <a:fillRef idx="1">
-            <a:schemeClr val="accent1"/>
-          </a:fillRef>
-          <a:effectRef idx="0">
-            <a:schemeClr val="accent1"/>
-          </a:effectRef>
-          <a:fontRef idx="minor">
-            <a:schemeClr val="lt1"/>
-          </a:fontRef>
-        </p:style>
-        <p:txBody>
-          <a:bodyPr rtlCol="0" anchor="ctr"/>
-          <a:lstStyle/>
-          <a:p>
-            <a:pPr algn="ctr"/>
-            <a:r>
-              <a:rPr lang="en-US" sz="1600" smtClean="0"/>
-              <a:t>Custom EHR Logic</a:t>
-            </a:r>
-            <a:endParaRPr lang="en-US" sz="1600"/>
-          </a:p>
-        </p:txBody>
-      </p:sp>
-      <p:cxnSp>
-        <p:nvCxnSpPr>
-          <p:cNvPr id="110" name="Straight Arrow Connector 109"/>
-          <p:cNvCxnSpPr>
-            <a:stCxn id="109" idx="0"/>
-            <a:endCxn id="7" idx="2"/>
-          </p:cNvCxnSpPr>
-          <p:nvPr/>
-        </p:nvCxnSpPr>
-        <p:spPr>
-          <a:xfrm flipH="1" flipV="1">
-            <a:off x="3086100" y="3582135"/>
-            <a:ext cx="1404949" cy="918074"/>
-          </a:xfrm>
-          <a:prstGeom prst="straightConnector1">
-            <a:avLst/>
-          </a:prstGeom>
-          <a:ln w="28575">
-            <a:solidFill>
-              <a:schemeClr val="accent1">
-                <a:lumMod val="75000"/>
-              </a:schemeClr>
-            </a:solidFill>
-            <a:headEnd type="arrow"/>
-            <a:tailEnd type="arrow"/>
-          </a:ln>
-        </p:spPr>
-        <p:style>
-          <a:lnRef idx="1">
-            <a:schemeClr val="accent1"/>
-          </a:lnRef>
-          <a:fillRef idx="0">
-            <a:schemeClr val="accent1"/>
-          </a:fillRef>
-          <a:effectRef idx="0">
-            <a:schemeClr val="accent1"/>
-          </a:effectRef>
-          <a:fontRef idx="minor">
-            <a:schemeClr val="tx1"/>
-          </a:fontRef>
-        </p:style>
-      </p:cxnSp>
-      <p:cxnSp>
-        <p:nvCxnSpPr>
-          <p:cNvPr id="113" name="Straight Arrow Connector 112"/>
-          <p:cNvCxnSpPr>
-            <a:stCxn id="109" idx="2"/>
-            <a:endCxn id="103" idx="1"/>
-          </p:cNvCxnSpPr>
-          <p:nvPr/>
-        </p:nvCxnSpPr>
-        <p:spPr>
-          <a:xfrm>
-            <a:off x="4491049" y="5262209"/>
-            <a:ext cx="16329" cy="301988"/>
-          </a:xfrm>
-          <a:prstGeom prst="straightConnector1">
-            <a:avLst/>
-          </a:prstGeom>
-          <a:ln w="28575">
-            <a:solidFill>
-              <a:schemeClr val="accent1">
-                <a:lumMod val="75000"/>
-              </a:schemeClr>
-            </a:solidFill>
-            <a:headEnd type="arrow"/>
-            <a:tailEnd type="arrow"/>
-          </a:ln>
-        </p:spPr>
-        <p:style>
-          <a:lnRef idx="1">
-            <a:schemeClr val="accent1"/>
-          </a:lnRef>
-          <a:fillRef idx="0">
-            <a:schemeClr val="accent1"/>
-          </a:fillRef>
-          <a:effectRef idx="0">
-            <a:schemeClr val="accent1"/>
-          </a:effectRef>
-          <a:fontRef idx="minor">
-            <a:schemeClr val="tx1"/>
-          </a:fontRef>
-        </p:style>
-      </p:cxnSp>
-      <p:cxnSp>
-        <p:nvCxnSpPr>
-          <p:cNvPr id="147" name="Straight Arrow Connector 146"/>
-          <p:cNvCxnSpPr>
-            <a:stCxn id="21" idx="0"/>
-            <a:endCxn id="4" idx="2"/>
-          </p:cNvCxnSpPr>
-          <p:nvPr/>
-        </p:nvCxnSpPr>
-        <p:spPr>
-          <a:xfrm flipH="1" flipV="1">
-            <a:off x="6138416" y="2427905"/>
-            <a:ext cx="168292" cy="392230"/>
-          </a:xfrm>
-          <a:prstGeom prst="straightConnector1">
-            <a:avLst/>
-          </a:prstGeom>
-          <a:ln w="28575">
-            <a:solidFill>
-              <a:schemeClr val="accent1">
-                <a:lumMod val="75000"/>
-              </a:schemeClr>
-            </a:solidFill>
-            <a:headEnd type="arrow"/>
-            <a:tailEnd type="arrow"/>
-          </a:ln>
-        </p:spPr>
-        <p:style>
-          <a:lnRef idx="1">
-            <a:schemeClr val="accent1"/>
-          </a:lnRef>
-          <a:fillRef idx="0">
-            <a:schemeClr val="accent1"/>
-          </a:fillRef>
-          <a:effectRef idx="0">
-            <a:schemeClr val="accent1"/>
-          </a:effectRef>
-          <a:fontRef idx="minor">
-            <a:schemeClr val="tx1"/>
-          </a:fontRef>
-        </p:style>
-      </p:cxnSp>
-      <p:cxnSp>
-        <p:nvCxnSpPr>
-          <p:cNvPr id="150" name="Straight Arrow Connector 149"/>
-          <p:cNvCxnSpPr>
-            <a:stCxn id="7" idx="0"/>
-            <a:endCxn id="4" idx="2"/>
-          </p:cNvCxnSpPr>
-          <p:nvPr/>
-        </p:nvCxnSpPr>
-        <p:spPr>
-          <a:xfrm flipV="1">
-            <a:off x="3086100" y="2427905"/>
-            <a:ext cx="3052316" cy="392230"/>
-          </a:xfrm>
-          <a:prstGeom prst="straightConnector1">
-            <a:avLst/>
-          </a:prstGeom>
-          <a:ln w="28575">
-            <a:solidFill>
-              <a:schemeClr val="accent1">
-                <a:lumMod val="75000"/>
-              </a:schemeClr>
-            </a:solidFill>
-            <a:headEnd type="arrow"/>
-            <a:tailEnd type="arrow"/>
-          </a:ln>
-        </p:spPr>
-        <p:style>
-          <a:lnRef idx="1">
-            <a:schemeClr val="accent1"/>
-          </a:lnRef>
-          <a:fillRef idx="0">
-            <a:schemeClr val="accent1"/>
-          </a:fillRef>
-          <a:effectRef idx="0">
-            <a:schemeClr val="accent1"/>
-          </a:effectRef>
-          <a:fontRef idx="minor">
-            <a:schemeClr val="tx1"/>
-          </a:fontRef>
-        </p:style>
-      </p:cxnSp>
-      <p:cxnSp>
-        <p:nvCxnSpPr>
-          <p:cNvPr id="153" name="Straight Arrow Connector 152"/>
-          <p:cNvCxnSpPr>
-            <a:stCxn id="7" idx="0"/>
-            <a:endCxn id="5" idx="2"/>
-          </p:cNvCxnSpPr>
-          <p:nvPr/>
-        </p:nvCxnSpPr>
-        <p:spPr>
-          <a:xfrm flipV="1">
-            <a:off x="3086100" y="1283732"/>
-            <a:ext cx="150110" cy="1536403"/>
-          </a:xfrm>
-          <a:prstGeom prst="straightConnector1">
-            <a:avLst/>
-          </a:prstGeom>
-          <a:ln w="28575">
-            <a:solidFill>
-              <a:schemeClr val="accent1">
-                <a:lumMod val="75000"/>
-              </a:schemeClr>
-            </a:solidFill>
-            <a:headEnd type="arrow"/>
-            <a:tailEnd type="arrow"/>
-          </a:ln>
-        </p:spPr>
-        <p:style>
-          <a:lnRef idx="1">
-            <a:schemeClr val="accent1"/>
-          </a:lnRef>
-          <a:fillRef idx="0">
-            <a:schemeClr val="accent1"/>
-          </a:fillRef>
-          <a:effectRef idx="0">
-            <a:schemeClr val="accent1"/>
-          </a:effectRef>
-          <a:fontRef idx="minor">
-            <a:schemeClr val="tx1"/>
-          </a:fontRef>
-        </p:style>
-      </p:cxnSp>
-      <p:sp>
-        <p:nvSpPr>
-          <p:cNvPr id="157" name="TextBox 156"/>
-          <p:cNvSpPr txBox="1"/>
-          <p:nvPr/>
-        </p:nvSpPr>
-        <p:spPr>
-          <a:xfrm>
-            <a:off x="457200" y="4419600"/>
-            <a:ext cx="1086032" cy="1169551"/>
-          </a:xfrm>
-          <a:prstGeom prst="rect">
-            <a:avLst/>
-          </a:prstGeom>
-          <a:noFill/>
-        </p:spPr>
-        <p:txBody>
-          <a:bodyPr wrap="square" rtlCol="0">
-            <a:spAutoFit/>
-          </a:bodyPr>
-          <a:lstStyle/>
-          <a:p>
-            <a:r>
-              <a:rPr lang="en-US" sz="1400" smtClean="0"/>
-              <a:t>We implement at least this </a:t>
-            </a:r>
-          </a:p>
-          <a:p>
-            <a:r>
-              <a:rPr lang="en-US" sz="1400" smtClean="0"/>
-              <a:t>e.g. as Java library</a:t>
-            </a:r>
-            <a:endParaRPr lang="en-US" sz="1400"/>
-          </a:p>
-        </p:txBody>
-      </p:sp>
-      <p:sp>
-        <p:nvSpPr>
-          <p:cNvPr id="158" name="TextBox 157"/>
-          <p:cNvSpPr txBox="1"/>
-          <p:nvPr/>
-        </p:nvSpPr>
-        <p:spPr>
-          <a:xfrm>
-            <a:off x="7515746" y="2640449"/>
-            <a:ext cx="1498407" cy="1169551"/>
-          </a:xfrm>
-          <a:prstGeom prst="rect">
-            <a:avLst/>
-          </a:prstGeom>
-          <a:noFill/>
-        </p:spPr>
-        <p:txBody>
-          <a:bodyPr wrap="square" rtlCol="0">
-            <a:spAutoFit/>
-          </a:bodyPr>
-          <a:lstStyle/>
-          <a:p>
-            <a:r>
-              <a:rPr lang="en-US" sz="1400" dirty="0" smtClean="0"/>
-              <a:t>Including the concepts explicitly defined in the “logical model”</a:t>
-            </a:r>
-            <a:endParaRPr lang="en-US" sz="1400" dirty="0"/>
-          </a:p>
-        </p:txBody>
-      </p:sp>
-      <p:cxnSp>
-        <p:nvCxnSpPr>
-          <p:cNvPr id="160" name="Straight Arrow Connector 159"/>
-          <p:cNvCxnSpPr>
-            <a:stCxn id="157" idx="3"/>
-            <a:endCxn id="9" idx="1"/>
-          </p:cNvCxnSpPr>
-          <p:nvPr/>
-        </p:nvCxnSpPr>
-        <p:spPr>
-          <a:xfrm flipV="1">
-            <a:off x="1543232" y="4867692"/>
-            <a:ext cx="484219" cy="136684"/>
-          </a:xfrm>
-          <a:prstGeom prst="straightConnector1">
-            <a:avLst/>
-          </a:prstGeom>
-          <a:ln>
-            <a:tailEnd type="arrow"/>
-          </a:ln>
-        </p:spPr>
-        <p:style>
-          <a:lnRef idx="1">
-            <a:schemeClr val="accent1"/>
-          </a:lnRef>
-          <a:fillRef idx="0">
-            <a:schemeClr val="accent1"/>
-          </a:fillRef>
-          <a:effectRef idx="0">
-            <a:schemeClr val="accent1"/>
-          </a:effectRef>
-          <a:fontRef idx="minor">
-            <a:schemeClr val="tx1"/>
-          </a:fontRef>
-        </p:style>
-      </p:cxnSp>
-      <p:sp>
-        <p:nvSpPr>
-          <p:cNvPr id="162" name="TextBox 161"/>
-          <p:cNvSpPr txBox="1"/>
-          <p:nvPr/>
-        </p:nvSpPr>
-        <p:spPr>
-          <a:xfrm>
-            <a:off x="5142292" y="4419600"/>
-            <a:ext cx="503664" cy="646331"/>
-          </a:xfrm>
-          <a:prstGeom prst="rect">
-            <a:avLst/>
-          </a:prstGeom>
-          <a:noFill/>
-        </p:spPr>
-        <p:txBody>
-          <a:bodyPr wrap="none" rtlCol="0">
-            <a:spAutoFit/>
-          </a:bodyPr>
-          <a:lstStyle/>
-          <a:p>
-            <a:r>
-              <a:rPr lang="en-US" sz="3600" smtClean="0"/>
-              <a:t>…</a:t>
-            </a:r>
-            <a:endParaRPr lang="en-US" sz="3600"/>
-          </a:p>
-        </p:txBody>
-      </p:sp>
-      <p:cxnSp>
-        <p:nvCxnSpPr>
-          <p:cNvPr id="168" name="Straight Arrow Connector 167"/>
-          <p:cNvCxnSpPr>
-            <a:stCxn id="20" idx="1"/>
-            <a:endCxn id="11" idx="3"/>
-          </p:cNvCxnSpPr>
-          <p:nvPr/>
-        </p:nvCxnSpPr>
-        <p:spPr>
-          <a:xfrm flipH="1">
-            <a:off x="6864361" y="4824172"/>
-            <a:ext cx="273329" cy="114463"/>
-          </a:xfrm>
-          <a:prstGeom prst="straightConnector1">
-            <a:avLst/>
-          </a:prstGeom>
-          <a:ln>
-            <a:tailEnd type="arrow"/>
-          </a:ln>
-        </p:spPr>
-        <p:style>
-          <a:lnRef idx="1">
-            <a:schemeClr val="accent1"/>
-          </a:lnRef>
-          <a:fillRef idx="0">
-            <a:schemeClr val="accent1"/>
-          </a:fillRef>
-          <a:effectRef idx="0">
-            <a:schemeClr val="accent1"/>
-          </a:effectRef>
-          <a:fontRef idx="minor">
-            <a:schemeClr val="tx1"/>
-          </a:fontRef>
-        </p:style>
-      </p:cxnSp>
-      <p:sp>
-        <p:nvSpPr>
-          <p:cNvPr id="179" name="TextBox 178"/>
-          <p:cNvSpPr txBox="1"/>
-          <p:nvPr/>
-        </p:nvSpPr>
-        <p:spPr>
-          <a:xfrm>
-            <a:off x="124936" y="475635"/>
-            <a:ext cx="1086032" cy="1200329"/>
-          </a:xfrm>
-          <a:prstGeom prst="rect">
-            <a:avLst/>
-          </a:prstGeom>
-          <a:noFill/>
-        </p:spPr>
-        <p:txBody>
-          <a:bodyPr wrap="square" rtlCol="0">
-            <a:spAutoFit/>
-          </a:bodyPr>
-          <a:lstStyle/>
-          <a:p>
-            <a:r>
-              <a:rPr lang="en-US" sz="1200" smtClean="0"/>
-              <a:t>There are ways device use could be inferred - if not, return “unknown”</a:t>
-            </a:r>
-            <a:endParaRPr lang="en-US" sz="1200"/>
-          </a:p>
-        </p:txBody>
-      </p:sp>
-      <p:cxnSp>
-        <p:nvCxnSpPr>
-          <p:cNvPr id="182" name="Straight Arrow Connector 181"/>
-          <p:cNvCxnSpPr>
-            <a:stCxn id="7" idx="0"/>
-            <a:endCxn id="73" idx="2"/>
-          </p:cNvCxnSpPr>
-          <p:nvPr/>
-        </p:nvCxnSpPr>
-        <p:spPr>
-          <a:xfrm flipH="1" flipV="1">
-            <a:off x="1852409" y="2335234"/>
-            <a:ext cx="1233691" cy="484901"/>
-          </a:xfrm>
-          <a:prstGeom prst="straightConnector1">
-            <a:avLst/>
-          </a:prstGeom>
-          <a:ln w="28575">
-            <a:solidFill>
-              <a:schemeClr val="accent1">
-                <a:lumMod val="75000"/>
-              </a:schemeClr>
-            </a:solidFill>
-            <a:prstDash val="dash"/>
-            <a:headEnd type="arrow"/>
-            <a:tailEnd type="arrow"/>
-          </a:ln>
-        </p:spPr>
-        <p:style>
-          <a:lnRef idx="1">
-            <a:schemeClr val="accent1"/>
-          </a:lnRef>
-          <a:fillRef idx="0">
-            <a:schemeClr val="accent1"/>
-          </a:fillRef>
-          <a:effectRef idx="0">
-            <a:schemeClr val="accent1"/>
-          </a:effectRef>
-          <a:fontRef idx="minor">
-            <a:schemeClr val="tx1"/>
-          </a:fontRef>
-        </p:style>
-      </p:cxnSp>
-      <p:sp>
-        <p:nvSpPr>
-          <p:cNvPr id="187" name="TextBox 186"/>
-          <p:cNvSpPr txBox="1"/>
-          <p:nvPr/>
-        </p:nvSpPr>
-        <p:spPr>
-          <a:xfrm>
-            <a:off x="1906043" y="3968940"/>
-            <a:ext cx="4919169" cy="338554"/>
-          </a:xfrm>
-          <a:prstGeom prst="rect">
-            <a:avLst/>
-          </a:prstGeom>
-          <a:solidFill>
-            <a:schemeClr val="bg1"/>
-          </a:solidFill>
-        </p:spPr>
-        <p:txBody>
-          <a:bodyPr wrap="square" rtlCol="0">
-            <a:spAutoFit/>
-          </a:bodyPr>
-          <a:lstStyle/>
-          <a:p>
-            <a:r>
-              <a:rPr lang="en-US" sz="1600" i="1" smtClean="0"/>
-              <a:t>e.g. Condition.evaluate (DataSource, Occurrence, Filter)</a:t>
-            </a:r>
-            <a:endParaRPr lang="en-US" sz="1600" i="1"/>
-          </a:p>
-        </p:txBody>
-      </p:sp>
-      <p:sp>
-        <p:nvSpPr>
-          <p:cNvPr id="188" name="TextBox 187"/>
-          <p:cNvSpPr txBox="1"/>
-          <p:nvPr/>
-        </p:nvSpPr>
-        <p:spPr>
-          <a:xfrm>
-            <a:off x="6367699" y="16329"/>
-            <a:ext cx="2601290" cy="369332"/>
-          </a:xfrm>
-          <a:prstGeom prst="rect">
-            <a:avLst/>
-          </a:prstGeom>
-          <a:noFill/>
-        </p:spPr>
-        <p:txBody>
-          <a:bodyPr wrap="none" rtlCol="0">
-            <a:spAutoFit/>
-          </a:bodyPr>
-          <a:lstStyle/>
-          <a:p>
-            <a:r>
-              <a:rPr lang="en-US" dirty="0" smtClean="0"/>
-              <a:t>BLUE = available concepts</a:t>
-            </a:r>
-            <a:endParaRPr lang="en-US" dirty="0"/>
-          </a:p>
-        </p:txBody>
-      </p:sp>
-      <p:sp>
-        <p:nvSpPr>
-          <p:cNvPr id="193" name="TextBox 192"/>
-          <p:cNvSpPr txBox="1"/>
-          <p:nvPr/>
-        </p:nvSpPr>
-        <p:spPr>
-          <a:xfrm>
-            <a:off x="6087970" y="556736"/>
-            <a:ext cx="2149660" cy="738664"/>
-          </a:xfrm>
-          <a:prstGeom prst="rect">
-            <a:avLst/>
-          </a:prstGeom>
-          <a:noFill/>
-        </p:spPr>
-        <p:txBody>
-          <a:bodyPr wrap="square" rtlCol="0">
-            <a:spAutoFit/>
-          </a:bodyPr>
-          <a:lstStyle/>
-          <a:p>
-            <a:r>
-              <a:rPr lang="en-US" sz="1400" dirty="0" smtClean="0"/>
-              <a:t>DSL can reference high-level concept of “</a:t>
-            </a:r>
-            <a:r>
-              <a:rPr lang="en-US" sz="1400" dirty="0" err="1" smtClean="0"/>
-              <a:t>ChlamydiaTest</a:t>
-            </a:r>
-            <a:r>
-              <a:rPr lang="en-US" sz="1400" dirty="0" smtClean="0"/>
-              <a:t>”</a:t>
-            </a:r>
-            <a:endParaRPr lang="en-US" sz="1400" dirty="0"/>
-          </a:p>
-        </p:txBody>
-      </p:sp>
-      <p:cxnSp>
-        <p:nvCxnSpPr>
-          <p:cNvPr id="200" name="Straight Arrow Connector 199"/>
-          <p:cNvCxnSpPr>
-            <a:stCxn id="179" idx="2"/>
-            <a:endCxn id="73" idx="1"/>
-          </p:cNvCxnSpPr>
-          <p:nvPr/>
-        </p:nvCxnSpPr>
-        <p:spPr>
-          <a:xfrm>
-            <a:off x="667952" y="1675964"/>
-            <a:ext cx="533778" cy="278270"/>
-          </a:xfrm>
-          <a:prstGeom prst="straightConnector1">
-            <a:avLst/>
-          </a:prstGeom>
-          <a:ln>
-            <a:tailEnd type="arrow"/>
-          </a:ln>
-        </p:spPr>
-        <p:style>
-          <a:lnRef idx="1">
-            <a:schemeClr val="accent1"/>
-          </a:lnRef>
-          <a:fillRef idx="0">
-            <a:schemeClr val="accent1"/>
-          </a:fillRef>
-          <a:effectRef idx="0">
-            <a:schemeClr val="accent1"/>
-          </a:effectRef>
-          <a:fontRef idx="minor">
-            <a:schemeClr val="tx1"/>
-          </a:fontRef>
-        </p:style>
-      </p:cxnSp>
-      <p:sp>
-        <p:nvSpPr>
-          <p:cNvPr id="202" name="TextBox 201"/>
-          <p:cNvSpPr txBox="1"/>
-          <p:nvPr/>
-        </p:nvSpPr>
-        <p:spPr>
-          <a:xfrm>
-            <a:off x="2711043" y="5245814"/>
-            <a:ext cx="1029913" cy="276999"/>
-          </a:xfrm>
-          <a:prstGeom prst="rect">
-            <a:avLst/>
-          </a:prstGeom>
-          <a:noFill/>
-        </p:spPr>
-        <p:txBody>
-          <a:bodyPr wrap="square" rtlCol="0">
-            <a:spAutoFit/>
-          </a:bodyPr>
-          <a:lstStyle/>
-          <a:p>
-            <a:r>
-              <a:rPr lang="en-US" sz="1200" smtClean="0"/>
-              <a:t>REST API</a:t>
-            </a:r>
-            <a:endParaRPr lang="en-US" sz="1200"/>
-          </a:p>
-        </p:txBody>
-      </p:sp>
-      <p:sp>
-        <p:nvSpPr>
-          <p:cNvPr id="203" name="TextBox 202"/>
-          <p:cNvSpPr txBox="1"/>
-          <p:nvPr/>
-        </p:nvSpPr>
-        <p:spPr>
-          <a:xfrm>
-            <a:off x="4594769" y="5285601"/>
-            <a:ext cx="743548" cy="276999"/>
-          </a:xfrm>
-          <a:prstGeom prst="rect">
-            <a:avLst/>
-          </a:prstGeom>
-          <a:noFill/>
-        </p:spPr>
-        <p:txBody>
-          <a:bodyPr wrap="square" rtlCol="0">
-            <a:spAutoFit/>
-          </a:bodyPr>
-          <a:lstStyle/>
-          <a:p>
-            <a:r>
-              <a:rPr lang="en-US" sz="1200" smtClean="0"/>
-              <a:t>e.g. SQL</a:t>
-            </a:r>
-            <a:endParaRPr lang="en-US" sz="1200"/>
-          </a:p>
-        </p:txBody>
-      </p:sp>
-      <p:sp>
-        <p:nvSpPr>
-          <p:cNvPr id="206" name="TextBox 205"/>
-          <p:cNvSpPr txBox="1"/>
-          <p:nvPr/>
-        </p:nvSpPr>
-        <p:spPr>
-          <a:xfrm>
-            <a:off x="-55766" y="16329"/>
-            <a:ext cx="5449890" cy="369332"/>
-          </a:xfrm>
-          <a:prstGeom prst="rect">
-            <a:avLst/>
-          </a:prstGeom>
-          <a:noFill/>
-        </p:spPr>
-        <p:txBody>
-          <a:bodyPr wrap="none" rtlCol="0">
-            <a:spAutoFit/>
-          </a:bodyPr>
-          <a:lstStyle/>
-          <a:p>
-            <a:r>
-              <a:rPr lang="en-US" smtClean="0"/>
-              <a:t>Underlying Language and Data Source are both variable </a:t>
-            </a:r>
-            <a:endParaRPr lang="en-US"/>
-          </a:p>
-        </p:txBody>
-      </p:sp>
-      <p:sp>
-        <p:nvSpPr>
-          <p:cNvPr id="210" name="TextBox 209"/>
-          <p:cNvSpPr txBox="1"/>
-          <p:nvPr/>
-        </p:nvSpPr>
-        <p:spPr>
-          <a:xfrm>
-            <a:off x="7189069" y="5819253"/>
-            <a:ext cx="1423619" cy="523220"/>
-          </a:xfrm>
-          <a:prstGeom prst="rect">
-            <a:avLst/>
-          </a:prstGeom>
-          <a:noFill/>
-        </p:spPr>
-        <p:txBody>
-          <a:bodyPr wrap="square" rtlCol="0">
-            <a:spAutoFit/>
-          </a:bodyPr>
-          <a:lstStyle/>
-          <a:p>
-            <a:r>
-              <a:rPr lang="en-US" sz="1400" smtClean="0"/>
-              <a:t>Back end data stores</a:t>
-            </a:r>
-            <a:endParaRPr lang="en-US" sz="1400"/>
-          </a:p>
-        </p:txBody>
-      </p:sp>
-      <p:cxnSp>
-        <p:nvCxnSpPr>
-          <p:cNvPr id="49" name="Straight Arrow Connector 48"/>
-          <p:cNvCxnSpPr>
-            <a:endCxn id="73" idx="2"/>
-          </p:cNvCxnSpPr>
-          <p:nvPr/>
-        </p:nvCxnSpPr>
-        <p:spPr>
-          <a:xfrm flipH="1" flipV="1">
-            <a:off x="1852409" y="2335234"/>
-            <a:ext cx="325339" cy="2164975"/>
-          </a:xfrm>
-          <a:prstGeom prst="straightConnector1">
-            <a:avLst/>
-          </a:prstGeom>
-          <a:ln w="28575">
-            <a:solidFill>
-              <a:schemeClr val="accent1">
-                <a:lumMod val="75000"/>
-              </a:schemeClr>
-            </a:solidFill>
-            <a:prstDash val="dash"/>
-            <a:headEnd type="arrow"/>
-            <a:tailEnd type="arrow"/>
-          </a:ln>
-        </p:spPr>
-        <p:style>
-          <a:lnRef idx="1">
-            <a:schemeClr val="accent1"/>
-          </a:lnRef>
-          <a:fillRef idx="0">
-            <a:schemeClr val="accent1"/>
-          </a:fillRef>
-          <a:effectRef idx="0">
-            <a:schemeClr val="accent1"/>
-          </a:effectRef>
-          <a:fontRef idx="minor">
-            <a:schemeClr val="tx1"/>
-          </a:fontRef>
-        </p:style>
-      </p:cxnSp>
     </p:spTree>
     <p:extLst>
       <p:ext uri="{BB962C8B-B14F-4D97-AF65-F5344CB8AC3E}">
-        <p14:creationId xmlns:p14="http://schemas.microsoft.com/office/powerpoint/2010/main" val="4055918205"/>
+        <p14:creationId xmlns:p14="http://schemas.microsoft.com/office/powerpoint/2010/main" val="1273924781"/>
       </p:ext>
     </p:extLst>
   </p:cSld>
   <p:clrMapOvr>
     <a:masterClrMapping/>
   </p:clrMapOvr>
+  <p:timing>
+    <p:tnLst>
+      <p:par>
+        <p:cTn id="1" dur="indefinite" restart="never" nodeType="tmRoot"/>
+      </p:par>
+    </p:tnLst>
+  </p:timing>
 </p:sld>
 </file>
 
@@ -5420,22 +3831,1057 @@
       </p:grpSpPr>
       <p:sp>
         <p:nvSpPr>
-          <p:cNvPr id="2" name="Title 1"/>
-          <p:cNvSpPr>
-            <a:spLocks noGrp="1"/>
-          </p:cNvSpPr>
-          <p:nvPr>
-            <p:ph type="title"/>
-          </p:nvPr>
-        </p:nvSpPr>
-        <p:spPr/>
-        <p:txBody>
-          <a:bodyPr/>
-          <a:lstStyle/>
-          <a:p>
-            <a:r>
-              <a:rPr lang="en-US" dirty="0" smtClean="0"/>
-              <a:t>Anatomy of a Library</a:t>
+          <p:cNvPr id="4" name="Rectangle 3"/>
+          <p:cNvSpPr/>
+          <p:nvPr/>
+        </p:nvSpPr>
+        <p:spPr>
+          <a:xfrm>
+            <a:off x="5664327" y="2028814"/>
+            <a:ext cx="1422273" cy="688532"/>
+          </a:xfrm>
+          <a:prstGeom prst="rect">
+            <a:avLst/>
+          </a:prstGeom>
+        </p:spPr>
+        <p:style>
+          <a:lnRef idx="1">
+            <a:schemeClr val="accent2"/>
+          </a:lnRef>
+          <a:fillRef idx="2">
+            <a:schemeClr val="accent2"/>
+          </a:fillRef>
+          <a:effectRef idx="1">
+            <a:schemeClr val="accent2"/>
+          </a:effectRef>
+          <a:fontRef idx="minor">
+            <a:schemeClr val="dk1"/>
+          </a:fontRef>
+        </p:style>
+        <p:txBody>
+          <a:bodyPr rtlCol="0" anchor="ctr"/>
+          <a:lstStyle/>
+          <a:p>
+            <a:pPr algn="ctr"/>
+            <a:r>
+              <a:rPr lang="en-US" sz="1400" smtClean="0"/>
+              <a:t>Probably Sexually Active</a:t>
+            </a:r>
+            <a:endParaRPr lang="en-US" sz="1400"/>
+          </a:p>
+        </p:txBody>
+      </p:sp>
+      <p:sp>
+        <p:nvSpPr>
+          <p:cNvPr id="5" name="Rectangle 4"/>
+          <p:cNvSpPr/>
+          <p:nvPr/>
+        </p:nvSpPr>
+        <p:spPr>
+          <a:xfrm>
+            <a:off x="2845077" y="912621"/>
+            <a:ext cx="1600200" cy="750332"/>
+          </a:xfrm>
+          <a:prstGeom prst="rect">
+            <a:avLst/>
+          </a:prstGeom>
+        </p:spPr>
+        <p:style>
+          <a:lnRef idx="1">
+            <a:schemeClr val="accent2"/>
+          </a:lnRef>
+          <a:fillRef idx="2">
+            <a:schemeClr val="accent2"/>
+          </a:fillRef>
+          <a:effectRef idx="1">
+            <a:schemeClr val="accent2"/>
+          </a:effectRef>
+          <a:fontRef idx="minor">
+            <a:schemeClr val="dk1"/>
+          </a:fontRef>
+        </p:style>
+        <p:txBody>
+          <a:bodyPr rtlCol="0" anchor="ctr"/>
+          <a:lstStyle/>
+          <a:p>
+            <a:pPr algn="ctr"/>
+            <a:r>
+              <a:rPr lang="en-US" sz="1600" smtClean="0"/>
+              <a:t>Initial Population Definition</a:t>
+            </a:r>
+            <a:endParaRPr lang="en-US" sz="1600"/>
+          </a:p>
+        </p:txBody>
+      </p:sp>
+      <p:sp>
+        <p:nvSpPr>
+          <p:cNvPr id="7" name="Rectangle 6"/>
+          <p:cNvSpPr/>
+          <p:nvPr/>
+        </p:nvSpPr>
+        <p:spPr>
+          <a:xfrm>
+            <a:off x="2932210" y="3109577"/>
+            <a:ext cx="1334989" cy="762000"/>
+          </a:xfrm>
+          <a:prstGeom prst="rect">
+            <a:avLst/>
+          </a:prstGeom>
+        </p:spPr>
+        <p:style>
+          <a:lnRef idx="1">
+            <a:schemeClr val="accent1"/>
+          </a:lnRef>
+          <a:fillRef idx="2">
+            <a:schemeClr val="accent1"/>
+          </a:fillRef>
+          <a:effectRef idx="1">
+            <a:schemeClr val="accent1"/>
+          </a:effectRef>
+          <a:fontRef idx="minor">
+            <a:schemeClr val="dk1"/>
+          </a:fontRef>
+        </p:style>
+        <p:txBody>
+          <a:bodyPr rtlCol="0" anchor="ctr"/>
+          <a:lstStyle/>
+          <a:p>
+            <a:pPr algn="ctr"/>
+            <a:r>
+              <a:rPr lang="en-US" sz="1600" smtClean="0"/>
+              <a:t>Condition, Occurrence</a:t>
+            </a:r>
+            <a:endParaRPr lang="en-US" sz="1600"/>
+          </a:p>
+        </p:txBody>
+      </p:sp>
+      <p:sp>
+        <p:nvSpPr>
+          <p:cNvPr id="8" name="Rectangle 7"/>
+          <p:cNvSpPr/>
+          <p:nvPr/>
+        </p:nvSpPr>
+        <p:spPr>
+          <a:xfrm>
+            <a:off x="4524703" y="3109577"/>
+            <a:ext cx="1224545" cy="762000"/>
+          </a:xfrm>
+          <a:prstGeom prst="rect">
+            <a:avLst/>
+          </a:prstGeom>
+        </p:spPr>
+        <p:style>
+          <a:lnRef idx="1">
+            <a:schemeClr val="accent1"/>
+          </a:lnRef>
+          <a:fillRef idx="2">
+            <a:schemeClr val="accent1"/>
+          </a:fillRef>
+          <a:effectRef idx="1">
+            <a:schemeClr val="accent1"/>
+          </a:effectRef>
+          <a:fontRef idx="minor">
+            <a:schemeClr val="dk1"/>
+          </a:fontRef>
+        </p:style>
+        <p:txBody>
+          <a:bodyPr rtlCol="0" anchor="ctr"/>
+          <a:lstStyle/>
+          <a:p>
+            <a:pPr algn="ctr"/>
+            <a:r>
+              <a:rPr lang="en-US" sz="1600" smtClean="0"/>
+              <a:t>Patient</a:t>
+            </a:r>
+            <a:endParaRPr lang="en-US" sz="1600"/>
+          </a:p>
+        </p:txBody>
+      </p:sp>
+      <p:sp>
+        <p:nvSpPr>
+          <p:cNvPr id="9" name="Rectangle 8"/>
+          <p:cNvSpPr/>
+          <p:nvPr/>
+        </p:nvSpPr>
+        <p:spPr>
+          <a:xfrm>
+            <a:off x="2706890" y="4419600"/>
+            <a:ext cx="1226608" cy="762000"/>
+          </a:xfrm>
+          <a:prstGeom prst="rect">
+            <a:avLst/>
+          </a:prstGeom>
+        </p:spPr>
+        <p:style>
+          <a:lnRef idx="1">
+            <a:schemeClr val="accent6"/>
+          </a:lnRef>
+          <a:fillRef idx="2">
+            <a:schemeClr val="accent6"/>
+          </a:fillRef>
+          <a:effectRef idx="1">
+            <a:schemeClr val="accent6"/>
+          </a:effectRef>
+          <a:fontRef idx="minor">
+            <a:schemeClr val="dk1"/>
+          </a:fontRef>
+        </p:style>
+        <p:txBody>
+          <a:bodyPr rtlCol="0" anchor="ctr"/>
+          <a:lstStyle/>
+          <a:p>
+            <a:pPr algn="ctr"/>
+            <a:r>
+              <a:rPr lang="en-US" smtClean="0"/>
+              <a:t>FHIR Logic</a:t>
+            </a:r>
+            <a:endParaRPr lang="en-US"/>
+          </a:p>
+        </p:txBody>
+      </p:sp>
+      <p:sp>
+        <p:nvSpPr>
+          <p:cNvPr id="11" name="Rectangle 10"/>
+          <p:cNvSpPr/>
+          <p:nvPr/>
+        </p:nvSpPr>
+        <p:spPr>
+          <a:xfrm>
+            <a:off x="6317192" y="4419600"/>
+            <a:ext cx="1226608" cy="762000"/>
+          </a:xfrm>
+          <a:prstGeom prst="rect">
+            <a:avLst/>
+          </a:prstGeom>
+        </p:spPr>
+        <p:style>
+          <a:lnRef idx="1">
+            <a:schemeClr val="accent6"/>
+          </a:lnRef>
+          <a:fillRef idx="2">
+            <a:schemeClr val="accent6"/>
+          </a:fillRef>
+          <a:effectRef idx="1">
+            <a:schemeClr val="accent6"/>
+          </a:effectRef>
+          <a:fontRef idx="minor">
+            <a:schemeClr val="dk1"/>
+          </a:fontRef>
+        </p:style>
+        <p:txBody>
+          <a:bodyPr rtlCol="0" anchor="ctr"/>
+          <a:lstStyle/>
+          <a:p>
+            <a:pPr algn="ctr"/>
+            <a:r>
+              <a:rPr lang="en-US" smtClean="0"/>
+              <a:t>CCDA Logic</a:t>
+            </a:r>
+            <a:endParaRPr lang="en-US"/>
+          </a:p>
+        </p:txBody>
+      </p:sp>
+      <p:sp>
+        <p:nvSpPr>
+          <p:cNvPr id="12" name="Rectangle 11"/>
+          <p:cNvSpPr/>
+          <p:nvPr/>
+        </p:nvSpPr>
+        <p:spPr>
+          <a:xfrm>
+            <a:off x="2746676" y="5608704"/>
+            <a:ext cx="1173482" cy="526081"/>
+          </a:xfrm>
+          <a:prstGeom prst="rect">
+            <a:avLst/>
+          </a:prstGeom>
+        </p:spPr>
+        <p:style>
+          <a:lnRef idx="2">
+            <a:schemeClr val="accent3">
+              <a:shade val="50000"/>
+            </a:schemeClr>
+          </a:lnRef>
+          <a:fillRef idx="1">
+            <a:schemeClr val="accent3"/>
+          </a:fillRef>
+          <a:effectRef idx="0">
+            <a:schemeClr val="accent3"/>
+          </a:effectRef>
+          <a:fontRef idx="minor">
+            <a:schemeClr val="lt1"/>
+          </a:fontRef>
+        </p:style>
+        <p:txBody>
+          <a:bodyPr rtlCol="0" anchor="ctr"/>
+          <a:lstStyle/>
+          <a:p>
+            <a:pPr algn="ctr"/>
+            <a:r>
+              <a:rPr lang="en-US" sz="1600" smtClean="0"/>
+              <a:t>FHIR API</a:t>
+            </a:r>
+            <a:endParaRPr lang="en-US" sz="1600"/>
+          </a:p>
+        </p:txBody>
+      </p:sp>
+      <p:sp>
+        <p:nvSpPr>
+          <p:cNvPr id="14" name="Rectangle 13"/>
+          <p:cNvSpPr/>
+          <p:nvPr/>
+        </p:nvSpPr>
+        <p:spPr>
+          <a:xfrm>
+            <a:off x="6362423" y="5608704"/>
+            <a:ext cx="1173482" cy="526081"/>
+          </a:xfrm>
+          <a:prstGeom prst="rect">
+            <a:avLst/>
+          </a:prstGeom>
+        </p:spPr>
+        <p:style>
+          <a:lnRef idx="2">
+            <a:schemeClr val="accent3">
+              <a:shade val="50000"/>
+            </a:schemeClr>
+          </a:lnRef>
+          <a:fillRef idx="1">
+            <a:schemeClr val="accent3"/>
+          </a:fillRef>
+          <a:effectRef idx="0">
+            <a:schemeClr val="accent3"/>
+          </a:effectRef>
+          <a:fontRef idx="minor">
+            <a:schemeClr val="lt1"/>
+          </a:fontRef>
+        </p:style>
+        <p:txBody>
+          <a:bodyPr rtlCol="0" anchor="ctr"/>
+          <a:lstStyle/>
+          <a:p>
+            <a:pPr algn="ctr"/>
+            <a:r>
+              <a:rPr lang="en-US" sz="1600" smtClean="0"/>
+              <a:t>CCDA Generator</a:t>
+            </a:r>
+            <a:endParaRPr lang="en-US" sz="1600"/>
+          </a:p>
+        </p:txBody>
+      </p:sp>
+      <p:sp>
+        <p:nvSpPr>
+          <p:cNvPr id="15" name="Flowchart: Magnetic Disk 14"/>
+          <p:cNvSpPr/>
+          <p:nvPr/>
+        </p:nvSpPr>
+        <p:spPr>
+          <a:xfrm>
+            <a:off x="2934415" y="6239254"/>
+            <a:ext cx="819190" cy="418067"/>
+          </a:xfrm>
+          <a:prstGeom prst="flowChartMagneticDisk">
+            <a:avLst/>
+          </a:prstGeom>
+        </p:spPr>
+        <p:style>
+          <a:lnRef idx="2">
+            <a:schemeClr val="accent3">
+              <a:shade val="50000"/>
+            </a:schemeClr>
+          </a:lnRef>
+          <a:fillRef idx="1">
+            <a:schemeClr val="accent3"/>
+          </a:fillRef>
+          <a:effectRef idx="0">
+            <a:schemeClr val="accent3"/>
+          </a:effectRef>
+          <a:fontRef idx="minor">
+            <a:schemeClr val="lt1"/>
+          </a:fontRef>
+        </p:style>
+        <p:txBody>
+          <a:bodyPr rtlCol="0" anchor="ctr"/>
+          <a:lstStyle/>
+          <a:p>
+            <a:pPr algn="ctr"/>
+            <a:r>
+              <a:rPr lang="en-US" smtClean="0"/>
+              <a:t>EHR</a:t>
+            </a:r>
+            <a:endParaRPr lang="en-US"/>
+          </a:p>
+        </p:txBody>
+      </p:sp>
+      <p:sp>
+        <p:nvSpPr>
+          <p:cNvPr id="21" name="Rectangle 20"/>
+          <p:cNvSpPr/>
+          <p:nvPr/>
+        </p:nvSpPr>
+        <p:spPr>
+          <a:xfrm>
+            <a:off x="6048703" y="3109577"/>
+            <a:ext cx="1278010" cy="762000"/>
+          </a:xfrm>
+          <a:prstGeom prst="rect">
+            <a:avLst/>
+          </a:prstGeom>
+        </p:spPr>
+        <p:style>
+          <a:lnRef idx="1">
+            <a:schemeClr val="accent1"/>
+          </a:lnRef>
+          <a:fillRef idx="2">
+            <a:schemeClr val="accent1"/>
+          </a:fillRef>
+          <a:effectRef idx="1">
+            <a:schemeClr val="accent1"/>
+          </a:effectRef>
+          <a:fontRef idx="minor">
+            <a:schemeClr val="dk1"/>
+          </a:fontRef>
+        </p:style>
+        <p:txBody>
+          <a:bodyPr rtlCol="0" anchor="ctr"/>
+          <a:lstStyle/>
+          <a:p>
+            <a:pPr algn="ctr"/>
+            <a:r>
+              <a:rPr lang="en-US" sz="1600" smtClean="0"/>
+              <a:t>Medication Treatment, Ordered</a:t>
+            </a:r>
+            <a:endParaRPr lang="en-US" sz="1600"/>
+          </a:p>
+        </p:txBody>
+      </p:sp>
+      <p:cxnSp>
+        <p:nvCxnSpPr>
+          <p:cNvPr id="23" name="Straight Arrow Connector 22"/>
+          <p:cNvCxnSpPr>
+            <a:stCxn id="9" idx="2"/>
+            <a:endCxn id="12" idx="0"/>
+          </p:cNvCxnSpPr>
+          <p:nvPr/>
+        </p:nvCxnSpPr>
+        <p:spPr>
+          <a:xfrm>
+            <a:off x="3320194" y="5181600"/>
+            <a:ext cx="13223" cy="427104"/>
+          </a:xfrm>
+          <a:prstGeom prst="straightConnector1">
+            <a:avLst/>
+          </a:prstGeom>
+          <a:ln>
+            <a:headEnd type="arrow"/>
+            <a:tailEnd type="arrow"/>
+          </a:ln>
+        </p:spPr>
+        <p:style>
+          <a:lnRef idx="2">
+            <a:schemeClr val="accent3">
+              <a:shade val="50000"/>
+            </a:schemeClr>
+          </a:lnRef>
+          <a:fillRef idx="1">
+            <a:schemeClr val="accent3"/>
+          </a:fillRef>
+          <a:effectRef idx="0">
+            <a:schemeClr val="accent3"/>
+          </a:effectRef>
+          <a:fontRef idx="minor">
+            <a:schemeClr val="lt1"/>
+          </a:fontRef>
+        </p:style>
+      </p:cxnSp>
+      <p:cxnSp>
+        <p:nvCxnSpPr>
+          <p:cNvPr id="27" name="Straight Arrow Connector 26"/>
+          <p:cNvCxnSpPr>
+            <a:stCxn id="11" idx="2"/>
+            <a:endCxn id="14" idx="0"/>
+          </p:cNvCxnSpPr>
+          <p:nvPr/>
+        </p:nvCxnSpPr>
+        <p:spPr>
+          <a:xfrm>
+            <a:off x="6930496" y="5181600"/>
+            <a:ext cx="18668" cy="427104"/>
+          </a:xfrm>
+          <a:prstGeom prst="straightConnector1">
+            <a:avLst/>
+          </a:prstGeom>
+          <a:ln>
+            <a:headEnd type="arrow"/>
+            <a:tailEnd type="arrow"/>
+          </a:ln>
+        </p:spPr>
+        <p:style>
+          <a:lnRef idx="2">
+            <a:schemeClr val="accent3">
+              <a:shade val="50000"/>
+            </a:schemeClr>
+          </a:lnRef>
+          <a:fillRef idx="1">
+            <a:schemeClr val="accent3"/>
+          </a:fillRef>
+          <a:effectRef idx="0">
+            <a:schemeClr val="accent3"/>
+          </a:effectRef>
+          <a:fontRef idx="minor">
+            <a:schemeClr val="lt1"/>
+          </a:fontRef>
+        </p:style>
+      </p:cxnSp>
+      <p:cxnSp>
+        <p:nvCxnSpPr>
+          <p:cNvPr id="33" name="Straight Arrow Connector 32"/>
+          <p:cNvCxnSpPr>
+            <a:stCxn id="9" idx="0"/>
+            <a:endCxn id="7" idx="2"/>
+          </p:cNvCxnSpPr>
+          <p:nvPr/>
+        </p:nvCxnSpPr>
+        <p:spPr>
+          <a:xfrm flipV="1">
+            <a:off x="3320194" y="3871577"/>
+            <a:ext cx="279511" cy="548023"/>
+          </a:xfrm>
+          <a:prstGeom prst="straightConnector1">
+            <a:avLst/>
+          </a:prstGeom>
+          <a:ln>
+            <a:headEnd type="arrow"/>
+            <a:tailEnd type="arrow"/>
+          </a:ln>
+        </p:spPr>
+        <p:style>
+          <a:lnRef idx="1">
+            <a:schemeClr val="accent1"/>
+          </a:lnRef>
+          <a:fillRef idx="2">
+            <a:schemeClr val="accent1"/>
+          </a:fillRef>
+          <a:effectRef idx="1">
+            <a:schemeClr val="accent1"/>
+          </a:effectRef>
+          <a:fontRef idx="minor">
+            <a:schemeClr val="dk1"/>
+          </a:fontRef>
+        </p:style>
+      </p:cxnSp>
+      <p:cxnSp>
+        <p:nvCxnSpPr>
+          <p:cNvPr id="41" name="Straight Arrow Connector 40"/>
+          <p:cNvCxnSpPr>
+            <a:stCxn id="11" idx="0"/>
+            <a:endCxn id="7" idx="2"/>
+          </p:cNvCxnSpPr>
+          <p:nvPr/>
+        </p:nvCxnSpPr>
+        <p:spPr>
+          <a:xfrm flipH="1" flipV="1">
+            <a:off x="3599705" y="3871577"/>
+            <a:ext cx="3330791" cy="548023"/>
+          </a:xfrm>
+          <a:prstGeom prst="straightConnector1">
+            <a:avLst/>
+          </a:prstGeom>
+          <a:ln>
+            <a:headEnd type="arrow"/>
+            <a:tailEnd type="arrow"/>
+          </a:ln>
+        </p:spPr>
+        <p:style>
+          <a:lnRef idx="1">
+            <a:schemeClr val="accent1"/>
+          </a:lnRef>
+          <a:fillRef idx="2">
+            <a:schemeClr val="accent1"/>
+          </a:fillRef>
+          <a:effectRef idx="1">
+            <a:schemeClr val="accent1"/>
+          </a:effectRef>
+          <a:fontRef idx="minor">
+            <a:schemeClr val="dk1"/>
+          </a:fontRef>
+        </p:style>
+      </p:cxnSp>
+      <p:sp>
+        <p:nvSpPr>
+          <p:cNvPr id="57" name="Rectangle 56"/>
+          <p:cNvSpPr/>
+          <p:nvPr/>
+        </p:nvSpPr>
+        <p:spPr>
+          <a:xfrm>
+            <a:off x="4676167" y="914400"/>
+            <a:ext cx="1496033" cy="762000"/>
+          </a:xfrm>
+          <a:prstGeom prst="rect">
+            <a:avLst/>
+          </a:prstGeom>
+        </p:spPr>
+        <p:style>
+          <a:lnRef idx="1">
+            <a:schemeClr val="accent2"/>
+          </a:lnRef>
+          <a:fillRef idx="2">
+            <a:schemeClr val="accent2"/>
+          </a:fillRef>
+          <a:effectRef idx="1">
+            <a:schemeClr val="accent2"/>
+          </a:effectRef>
+          <a:fontRef idx="minor">
+            <a:schemeClr val="dk1"/>
+          </a:fontRef>
+        </p:style>
+        <p:txBody>
+          <a:bodyPr rtlCol="0" anchor="ctr"/>
+          <a:lstStyle/>
+          <a:p>
+            <a:pPr algn="ctr"/>
+            <a:r>
+              <a:rPr lang="en-US" sz="1600" smtClean="0"/>
+              <a:t>Chlamydia  Test Recommended</a:t>
+            </a:r>
+            <a:endParaRPr lang="en-US" sz="1600"/>
+          </a:p>
+        </p:txBody>
+      </p:sp>
+      <p:cxnSp>
+        <p:nvCxnSpPr>
+          <p:cNvPr id="74" name="Straight Arrow Connector 73"/>
+          <p:cNvCxnSpPr>
+            <a:stCxn id="7" idx="0"/>
+            <a:endCxn id="57" idx="2"/>
+          </p:cNvCxnSpPr>
+          <p:nvPr/>
+        </p:nvCxnSpPr>
+        <p:spPr>
+          <a:xfrm flipV="1">
+            <a:off x="3599705" y="1676400"/>
+            <a:ext cx="1824479" cy="1433177"/>
+          </a:xfrm>
+          <a:prstGeom prst="straightConnector1">
+            <a:avLst/>
+          </a:prstGeom>
+          <a:ln>
+            <a:headEnd type="arrow"/>
+            <a:tailEnd type="arrow"/>
+          </a:ln>
+        </p:spPr>
+        <p:style>
+          <a:lnRef idx="1">
+            <a:schemeClr val="accent2"/>
+          </a:lnRef>
+          <a:fillRef idx="2">
+            <a:schemeClr val="accent2"/>
+          </a:fillRef>
+          <a:effectRef idx="1">
+            <a:schemeClr val="accent2"/>
+          </a:effectRef>
+          <a:fontRef idx="minor">
+            <a:schemeClr val="dk1"/>
+          </a:fontRef>
+        </p:style>
+      </p:cxnSp>
+      <p:cxnSp>
+        <p:nvCxnSpPr>
+          <p:cNvPr id="77" name="Straight Arrow Connector 76"/>
+          <p:cNvCxnSpPr>
+            <a:stCxn id="4" idx="0"/>
+            <a:endCxn id="57" idx="2"/>
+          </p:cNvCxnSpPr>
+          <p:nvPr/>
+        </p:nvCxnSpPr>
+        <p:spPr>
+          <a:xfrm flipH="1" flipV="1">
+            <a:off x="5424184" y="1676400"/>
+            <a:ext cx="951280" cy="352414"/>
+          </a:xfrm>
+          <a:prstGeom prst="straightConnector1">
+            <a:avLst/>
+          </a:prstGeom>
+          <a:ln>
+            <a:headEnd type="arrow"/>
+            <a:tailEnd type="arrow"/>
+          </a:ln>
+        </p:spPr>
+        <p:style>
+          <a:lnRef idx="1">
+            <a:schemeClr val="accent2"/>
+          </a:lnRef>
+          <a:fillRef idx="2">
+            <a:schemeClr val="accent2"/>
+          </a:fillRef>
+          <a:effectRef idx="1">
+            <a:schemeClr val="accent2"/>
+          </a:effectRef>
+          <a:fontRef idx="minor">
+            <a:schemeClr val="dk1"/>
+          </a:fontRef>
+        </p:style>
+      </p:cxnSp>
+      <p:sp>
+        <p:nvSpPr>
+          <p:cNvPr id="87" name="TextBox 86"/>
+          <p:cNvSpPr txBox="1"/>
+          <p:nvPr/>
+        </p:nvSpPr>
+        <p:spPr>
+          <a:xfrm>
+            <a:off x="3916731" y="4477435"/>
+            <a:ext cx="503664" cy="646331"/>
+          </a:xfrm>
+          <a:prstGeom prst="rect">
+            <a:avLst/>
+          </a:prstGeom>
+          <a:noFill/>
+        </p:spPr>
+        <p:txBody>
+          <a:bodyPr wrap="none" rtlCol="0">
+            <a:spAutoFit/>
+          </a:bodyPr>
+          <a:lstStyle/>
+          <a:p>
+            <a:r>
+              <a:rPr lang="en-US" sz="3600" smtClean="0"/>
+              <a:t>…</a:t>
+            </a:r>
+            <a:endParaRPr lang="en-US" sz="3600"/>
+          </a:p>
+        </p:txBody>
+      </p:sp>
+      <p:sp>
+        <p:nvSpPr>
+          <p:cNvPr id="103" name="Flowchart: Magnetic Disk 102"/>
+          <p:cNvSpPr/>
+          <p:nvPr/>
+        </p:nvSpPr>
+        <p:spPr>
+          <a:xfrm>
+            <a:off x="4661060" y="5566076"/>
+            <a:ext cx="1051514" cy="611336"/>
+          </a:xfrm>
+          <a:prstGeom prst="flowChartMagneticDisk">
+            <a:avLst/>
+          </a:prstGeom>
+        </p:spPr>
+        <p:style>
+          <a:lnRef idx="2">
+            <a:schemeClr val="accent3">
+              <a:shade val="50000"/>
+            </a:schemeClr>
+          </a:lnRef>
+          <a:fillRef idx="1">
+            <a:schemeClr val="accent3"/>
+          </a:fillRef>
+          <a:effectRef idx="0">
+            <a:schemeClr val="accent3"/>
+          </a:effectRef>
+          <a:fontRef idx="minor">
+            <a:schemeClr val="lt1"/>
+          </a:fontRef>
+        </p:style>
+        <p:txBody>
+          <a:bodyPr rtlCol="0" anchor="ctr"/>
+          <a:lstStyle/>
+          <a:p>
+            <a:pPr algn="ctr"/>
+            <a:r>
+              <a:rPr lang="en-US" smtClean="0"/>
+              <a:t>EHR</a:t>
+            </a:r>
+            <a:endParaRPr lang="en-US"/>
+          </a:p>
+        </p:txBody>
+      </p:sp>
+      <p:sp>
+        <p:nvSpPr>
+          <p:cNvPr id="109" name="Rectangle 108"/>
+          <p:cNvSpPr/>
+          <p:nvPr/>
+        </p:nvSpPr>
+        <p:spPr>
+          <a:xfrm>
+            <a:off x="4557184" y="4419600"/>
+            <a:ext cx="1226608" cy="762000"/>
+          </a:xfrm>
+          <a:prstGeom prst="rect">
+            <a:avLst/>
+          </a:prstGeom>
+        </p:spPr>
+        <p:style>
+          <a:lnRef idx="1">
+            <a:schemeClr val="accent6"/>
+          </a:lnRef>
+          <a:fillRef idx="2">
+            <a:schemeClr val="accent6"/>
+          </a:fillRef>
+          <a:effectRef idx="1">
+            <a:schemeClr val="accent6"/>
+          </a:effectRef>
+          <a:fontRef idx="minor">
+            <a:schemeClr val="dk1"/>
+          </a:fontRef>
+        </p:style>
+        <p:txBody>
+          <a:bodyPr rtlCol="0" anchor="ctr"/>
+          <a:lstStyle/>
+          <a:p>
+            <a:pPr algn="ctr"/>
+            <a:r>
+              <a:rPr lang="en-US" sz="1600" smtClean="0"/>
+              <a:t>Custom EHR Logic</a:t>
+            </a:r>
+            <a:endParaRPr lang="en-US" sz="1600"/>
+          </a:p>
+        </p:txBody>
+      </p:sp>
+      <p:cxnSp>
+        <p:nvCxnSpPr>
+          <p:cNvPr id="110" name="Straight Arrow Connector 109"/>
+          <p:cNvCxnSpPr>
+            <a:stCxn id="109" idx="0"/>
+            <a:endCxn id="7" idx="2"/>
+          </p:cNvCxnSpPr>
+          <p:nvPr/>
+        </p:nvCxnSpPr>
+        <p:spPr>
+          <a:xfrm flipH="1" flipV="1">
+            <a:off x="3599705" y="3871577"/>
+            <a:ext cx="1570783" cy="548023"/>
+          </a:xfrm>
+          <a:prstGeom prst="straightConnector1">
+            <a:avLst/>
+          </a:prstGeom>
+          <a:ln>
+            <a:headEnd type="arrow"/>
+            <a:tailEnd type="arrow"/>
+          </a:ln>
+        </p:spPr>
+        <p:style>
+          <a:lnRef idx="1">
+            <a:schemeClr val="accent1"/>
+          </a:lnRef>
+          <a:fillRef idx="2">
+            <a:schemeClr val="accent1"/>
+          </a:fillRef>
+          <a:effectRef idx="1">
+            <a:schemeClr val="accent1"/>
+          </a:effectRef>
+          <a:fontRef idx="minor">
+            <a:schemeClr val="dk1"/>
+          </a:fontRef>
+        </p:style>
+      </p:cxnSp>
+      <p:cxnSp>
+        <p:nvCxnSpPr>
+          <p:cNvPr id="113" name="Straight Arrow Connector 112"/>
+          <p:cNvCxnSpPr>
+            <a:stCxn id="109" idx="2"/>
+            <a:endCxn id="103" idx="1"/>
+          </p:cNvCxnSpPr>
+          <p:nvPr/>
+        </p:nvCxnSpPr>
+        <p:spPr>
+          <a:xfrm>
+            <a:off x="5170488" y="5181600"/>
+            <a:ext cx="16329" cy="384476"/>
+          </a:xfrm>
+          <a:prstGeom prst="straightConnector1">
+            <a:avLst/>
+          </a:prstGeom>
+          <a:ln>
+            <a:headEnd type="arrow"/>
+            <a:tailEnd type="arrow"/>
+          </a:ln>
+        </p:spPr>
+        <p:style>
+          <a:lnRef idx="2">
+            <a:schemeClr val="accent3">
+              <a:shade val="50000"/>
+            </a:schemeClr>
+          </a:lnRef>
+          <a:fillRef idx="1">
+            <a:schemeClr val="accent3"/>
+          </a:fillRef>
+          <a:effectRef idx="0">
+            <a:schemeClr val="accent3"/>
+          </a:effectRef>
+          <a:fontRef idx="minor">
+            <a:schemeClr val="lt1"/>
+          </a:fontRef>
+        </p:style>
+      </p:cxnSp>
+      <p:cxnSp>
+        <p:nvCxnSpPr>
+          <p:cNvPr id="147" name="Straight Arrow Connector 146"/>
+          <p:cNvCxnSpPr>
+            <a:stCxn id="21" idx="0"/>
+            <a:endCxn id="4" idx="2"/>
+          </p:cNvCxnSpPr>
+          <p:nvPr/>
+        </p:nvCxnSpPr>
+        <p:spPr>
+          <a:xfrm flipH="1" flipV="1">
+            <a:off x="6375464" y="2717346"/>
+            <a:ext cx="312244" cy="392231"/>
+          </a:xfrm>
+          <a:prstGeom prst="straightConnector1">
+            <a:avLst/>
+          </a:prstGeom>
+          <a:ln>
+            <a:headEnd type="arrow"/>
+            <a:tailEnd type="arrow"/>
+          </a:ln>
+        </p:spPr>
+        <p:style>
+          <a:lnRef idx="1">
+            <a:schemeClr val="accent2"/>
+          </a:lnRef>
+          <a:fillRef idx="2">
+            <a:schemeClr val="accent2"/>
+          </a:fillRef>
+          <a:effectRef idx="1">
+            <a:schemeClr val="accent2"/>
+          </a:effectRef>
+          <a:fontRef idx="minor">
+            <a:schemeClr val="dk1"/>
+          </a:fontRef>
+        </p:style>
+      </p:cxnSp>
+      <p:cxnSp>
+        <p:nvCxnSpPr>
+          <p:cNvPr id="150" name="Straight Arrow Connector 149"/>
+          <p:cNvCxnSpPr>
+            <a:stCxn id="7" idx="0"/>
+            <a:endCxn id="4" idx="2"/>
+          </p:cNvCxnSpPr>
+          <p:nvPr/>
+        </p:nvCxnSpPr>
+        <p:spPr>
+          <a:xfrm flipV="1">
+            <a:off x="3599705" y="2717346"/>
+            <a:ext cx="2775759" cy="392231"/>
+          </a:xfrm>
+          <a:prstGeom prst="straightConnector1">
+            <a:avLst/>
+          </a:prstGeom>
+          <a:ln>
+            <a:headEnd type="arrow"/>
+            <a:tailEnd type="arrow"/>
+          </a:ln>
+        </p:spPr>
+        <p:style>
+          <a:lnRef idx="1">
+            <a:schemeClr val="accent2"/>
+          </a:lnRef>
+          <a:fillRef idx="2">
+            <a:schemeClr val="accent2"/>
+          </a:fillRef>
+          <a:effectRef idx="1">
+            <a:schemeClr val="accent2"/>
+          </a:effectRef>
+          <a:fontRef idx="minor">
+            <a:schemeClr val="dk1"/>
+          </a:fontRef>
+        </p:style>
+      </p:cxnSp>
+      <p:cxnSp>
+        <p:nvCxnSpPr>
+          <p:cNvPr id="153" name="Straight Arrow Connector 152"/>
+          <p:cNvCxnSpPr>
+            <a:stCxn id="7" idx="0"/>
+            <a:endCxn id="5" idx="2"/>
+          </p:cNvCxnSpPr>
+          <p:nvPr/>
+        </p:nvCxnSpPr>
+        <p:spPr>
+          <a:xfrm flipV="1">
+            <a:off x="3599705" y="1662953"/>
+            <a:ext cx="45472" cy="1446624"/>
+          </a:xfrm>
+          <a:prstGeom prst="straightConnector1">
+            <a:avLst/>
+          </a:prstGeom>
+          <a:ln>
+            <a:headEnd type="arrow"/>
+            <a:tailEnd type="arrow"/>
+          </a:ln>
+        </p:spPr>
+        <p:style>
+          <a:lnRef idx="1">
+            <a:schemeClr val="accent2"/>
+          </a:lnRef>
+          <a:fillRef idx="2">
+            <a:schemeClr val="accent2"/>
+          </a:fillRef>
+          <a:effectRef idx="1">
+            <a:schemeClr val="accent2"/>
+          </a:effectRef>
+          <a:fontRef idx="minor">
+            <a:schemeClr val="dk1"/>
+          </a:fontRef>
+        </p:style>
+      </p:cxnSp>
+      <p:sp>
+        <p:nvSpPr>
+          <p:cNvPr id="162" name="TextBox 161"/>
+          <p:cNvSpPr txBox="1"/>
+          <p:nvPr/>
+        </p:nvSpPr>
+        <p:spPr>
+          <a:xfrm>
+            <a:off x="5821731" y="4477435"/>
+            <a:ext cx="503664" cy="646331"/>
+          </a:xfrm>
+          <a:prstGeom prst="rect">
+            <a:avLst/>
+          </a:prstGeom>
+          <a:noFill/>
+        </p:spPr>
+        <p:txBody>
+          <a:bodyPr wrap="none" rtlCol="0">
+            <a:spAutoFit/>
+          </a:bodyPr>
+          <a:lstStyle/>
+          <a:p>
+            <a:r>
+              <a:rPr lang="en-US" sz="3600" smtClean="0"/>
+              <a:t>…</a:t>
+            </a:r>
+            <a:endParaRPr lang="en-US" sz="3600"/>
+          </a:p>
+        </p:txBody>
+      </p:sp>
+      <p:sp>
+        <p:nvSpPr>
+          <p:cNvPr id="193" name="TextBox 192"/>
+          <p:cNvSpPr txBox="1"/>
+          <p:nvPr/>
+        </p:nvSpPr>
+        <p:spPr>
+          <a:xfrm>
+            <a:off x="274442" y="1384218"/>
+            <a:ext cx="1955879" cy="923330"/>
+          </a:xfrm>
+          <a:prstGeom prst="rect">
+            <a:avLst/>
+          </a:prstGeom>
+          <a:noFill/>
+        </p:spPr>
+        <p:txBody>
+          <a:bodyPr wrap="square" rtlCol="0">
+            <a:spAutoFit/>
+          </a:bodyPr>
+          <a:lstStyle/>
+          <a:p>
+            <a:pPr algn="ctr"/>
+            <a:r>
+              <a:rPr lang="en-US" smtClean="0"/>
+              <a:t>Defined by Rule/Measure authors using CQL</a:t>
             </a:r>
             <a:endParaRPr lang="en-US" dirty="0"/>
           </a:p>
@@ -5443,137 +4889,747 @@
       </p:sp>
       <p:sp>
         <p:nvSpPr>
-          <p:cNvPr id="3" name="Content Placeholder 2"/>
-          <p:cNvSpPr>
-            <a:spLocks noGrp="1"/>
-          </p:cNvSpPr>
-          <p:nvPr>
-            <p:ph idx="1"/>
-          </p:nvPr>
-        </p:nvSpPr>
-        <p:spPr/>
-        <p:txBody>
-          <a:bodyPr>
-            <a:normAutofit fontScale="62500" lnSpcReduction="20000"/>
+          <p:cNvPr id="202" name="TextBox 201"/>
+          <p:cNvSpPr txBox="1"/>
+          <p:nvPr/>
+        </p:nvSpPr>
+        <p:spPr>
+          <a:xfrm>
+            <a:off x="3390482" y="5176797"/>
+            <a:ext cx="1029913" cy="276999"/>
+          </a:xfrm>
+          <a:prstGeom prst="rect">
+            <a:avLst/>
+          </a:prstGeom>
+          <a:noFill/>
+        </p:spPr>
+        <p:txBody>
+          <a:bodyPr wrap="square" rtlCol="0">
+            <a:spAutoFit/>
           </a:bodyPr>
           <a:lstStyle/>
           <a:p>
             <a:r>
-              <a:rPr lang="en-US" dirty="0" smtClean="0"/>
-              <a:t>using statements</a:t>
-            </a:r>
-          </a:p>
-          <a:p>
-            <a:pPr lvl="1"/>
-            <a:r>
-              <a:rPr lang="en-US" dirty="0" smtClean="0"/>
-              <a:t>Define the data model(s) in use by the library</a:t>
-            </a:r>
-          </a:p>
-          <a:p>
-            <a:r>
-              <a:rPr lang="en-US" dirty="0" smtClean="0"/>
-              <a:t>include statements</a:t>
-            </a:r>
-          </a:p>
-          <a:p>
-            <a:pPr lvl="1"/>
-            <a:r>
-              <a:rPr lang="en-US" dirty="0" smtClean="0"/>
-              <a:t>Define other libraries referenced by the library</a:t>
-            </a:r>
-          </a:p>
-          <a:p>
-            <a:r>
-              <a:rPr lang="en-US" dirty="0" smtClean="0"/>
-              <a:t>context definition</a:t>
-            </a:r>
-          </a:p>
-          <a:p>
-            <a:pPr lvl="1"/>
-            <a:r>
-              <a:rPr lang="en-US" dirty="0" smtClean="0"/>
-              <a:t>Define the overall context for the library (e.g. PATIENT or ENCOUNTER)</a:t>
-            </a:r>
-          </a:p>
-          <a:p>
-            <a:pPr lvl="1"/>
-            <a:r>
-              <a:rPr lang="en-US" dirty="0" smtClean="0"/>
-              <a:t>system-understood</a:t>
-            </a:r>
-          </a:p>
-          <a:p>
-            <a:pPr lvl="1"/>
-            <a:r>
-              <a:rPr lang="en-US" dirty="0" smtClean="0"/>
-              <a:t>in terms of the model</a:t>
-            </a:r>
-          </a:p>
-          <a:p>
-            <a:r>
-              <a:rPr lang="en-US" dirty="0" smtClean="0"/>
-              <a:t>parameter definitions</a:t>
-            </a:r>
-          </a:p>
-          <a:p>
-            <a:pPr lvl="1"/>
-            <a:r>
-              <a:rPr lang="en-US" dirty="0" smtClean="0"/>
-              <a:t>Define available “inputs”</a:t>
-            </a:r>
-          </a:p>
-          <a:p>
-            <a:r>
-              <a:rPr lang="en-US" dirty="0" err="1" smtClean="0"/>
-              <a:t>valueset</a:t>
-            </a:r>
-            <a:r>
-              <a:rPr lang="en-US" dirty="0" smtClean="0"/>
-              <a:t> definitions</a:t>
-            </a:r>
-            <a:endParaRPr lang="en-US" dirty="0" smtClean="0"/>
-          </a:p>
-          <a:p>
-            <a:pPr lvl="1"/>
-            <a:r>
-              <a:rPr lang="en-US" dirty="0" smtClean="0"/>
-              <a:t>Define user-friendly labels for value sets within the library</a:t>
-            </a:r>
-          </a:p>
-          <a:p>
-            <a:r>
-              <a:rPr lang="en-US" dirty="0" smtClean="0"/>
-              <a:t>let statements</a:t>
-            </a:r>
-          </a:p>
-          <a:p>
-            <a:pPr lvl="1"/>
-            <a:r>
-              <a:rPr lang="en-US" dirty="0" smtClean="0"/>
-              <a:t>Define the expressions that are available within the library</a:t>
-            </a:r>
-          </a:p>
-          <a:p>
-            <a:pPr lvl="1"/>
-            <a:r>
-              <a:rPr lang="en-US" dirty="0" smtClean="0"/>
-              <a:t>Can be used by the containing artifact or other referencing libraries</a:t>
+              <a:rPr lang="en-US" sz="1200" smtClean="0"/>
+              <a:t>REST API</a:t>
+            </a:r>
+            <a:endParaRPr lang="en-US" sz="1200"/>
+          </a:p>
+        </p:txBody>
+      </p:sp>
+      <p:sp>
+        <p:nvSpPr>
+          <p:cNvPr id="203" name="TextBox 202"/>
+          <p:cNvSpPr txBox="1"/>
+          <p:nvPr/>
+        </p:nvSpPr>
+        <p:spPr>
+          <a:xfrm>
+            <a:off x="5274208" y="5159188"/>
+            <a:ext cx="743548" cy="276999"/>
+          </a:xfrm>
+          <a:prstGeom prst="rect">
+            <a:avLst/>
+          </a:prstGeom>
+          <a:noFill/>
+        </p:spPr>
+        <p:txBody>
+          <a:bodyPr wrap="square" rtlCol="0">
+            <a:spAutoFit/>
+          </a:bodyPr>
+          <a:lstStyle/>
+          <a:p>
+            <a:r>
+              <a:rPr lang="en-US" sz="1200" smtClean="0"/>
+              <a:t>e.g. SQL</a:t>
+            </a:r>
+            <a:endParaRPr lang="en-US" sz="1200"/>
+          </a:p>
+        </p:txBody>
+      </p:sp>
+      <p:sp>
+        <p:nvSpPr>
+          <p:cNvPr id="206" name="TextBox 205"/>
+          <p:cNvSpPr txBox="1"/>
+          <p:nvPr/>
+        </p:nvSpPr>
+        <p:spPr>
+          <a:xfrm>
+            <a:off x="1472701" y="162580"/>
+            <a:ext cx="6223499" cy="523220"/>
+          </a:xfrm>
+          <a:prstGeom prst="rect">
+            <a:avLst/>
+          </a:prstGeom>
+          <a:noFill/>
+        </p:spPr>
+        <p:txBody>
+          <a:bodyPr wrap="none" rtlCol="0">
+            <a:spAutoFit/>
+          </a:bodyPr>
+          <a:lstStyle/>
+          <a:p>
+            <a:r>
+              <a:rPr lang="en-US" sz="2800" smtClean="0"/>
+              <a:t>Overview of CQL Conceptual Architecture</a:t>
+            </a:r>
+            <a:endParaRPr lang="en-US" sz="2800"/>
+          </a:p>
+        </p:txBody>
+      </p:sp>
+      <p:sp>
+        <p:nvSpPr>
+          <p:cNvPr id="210" name="TextBox 209"/>
+          <p:cNvSpPr txBox="1"/>
+          <p:nvPr/>
+        </p:nvSpPr>
+        <p:spPr>
+          <a:xfrm>
+            <a:off x="557581" y="5505271"/>
+            <a:ext cx="1423619" cy="1200329"/>
+          </a:xfrm>
+          <a:prstGeom prst="rect">
+            <a:avLst/>
+          </a:prstGeom>
+          <a:noFill/>
+        </p:spPr>
+        <p:txBody>
+          <a:bodyPr wrap="square" rtlCol="0">
+            <a:spAutoFit/>
+          </a:bodyPr>
+          <a:lstStyle/>
+          <a:p>
+            <a:pPr algn="ctr"/>
+            <a:r>
+              <a:rPr lang="en-US" smtClean="0"/>
+              <a:t>Integration with back-end data stores</a:t>
+            </a:r>
+            <a:endParaRPr lang="en-US"/>
+          </a:p>
+        </p:txBody>
+      </p:sp>
+      <p:sp>
+        <p:nvSpPr>
+          <p:cNvPr id="59" name="TextBox 58"/>
+          <p:cNvSpPr txBox="1"/>
+          <p:nvPr/>
+        </p:nvSpPr>
+        <p:spPr>
+          <a:xfrm>
+            <a:off x="309454" y="3124200"/>
+            <a:ext cx="1885855" cy="923330"/>
+          </a:xfrm>
+          <a:prstGeom prst="rect">
+            <a:avLst/>
+          </a:prstGeom>
+          <a:noFill/>
+        </p:spPr>
+        <p:txBody>
+          <a:bodyPr wrap="square" rtlCol="0">
+            <a:spAutoFit/>
+          </a:bodyPr>
+          <a:lstStyle/>
+          <a:p>
+            <a:pPr algn="ctr"/>
+            <a:r>
+              <a:rPr lang="en-US" smtClean="0"/>
+              <a:t>Concepts defined in Quality Logical Model</a:t>
             </a:r>
             <a:endParaRPr lang="en-US" dirty="0"/>
           </a:p>
         </p:txBody>
       </p:sp>
+      <p:cxnSp>
+        <p:nvCxnSpPr>
+          <p:cNvPr id="69" name="Straight Arrow Connector 68"/>
+          <p:cNvCxnSpPr>
+            <a:stCxn id="8" idx="0"/>
+            <a:endCxn id="5" idx="2"/>
+          </p:cNvCxnSpPr>
+          <p:nvPr/>
+        </p:nvCxnSpPr>
+        <p:spPr>
+          <a:xfrm flipH="1" flipV="1">
+            <a:off x="3645177" y="1662953"/>
+            <a:ext cx="1491799" cy="1446624"/>
+          </a:xfrm>
+          <a:prstGeom prst="straightConnector1">
+            <a:avLst/>
+          </a:prstGeom>
+          <a:ln>
+            <a:headEnd type="arrow"/>
+            <a:tailEnd type="arrow"/>
+          </a:ln>
+        </p:spPr>
+        <p:style>
+          <a:lnRef idx="1">
+            <a:schemeClr val="accent2"/>
+          </a:lnRef>
+          <a:fillRef idx="2">
+            <a:schemeClr val="accent2"/>
+          </a:fillRef>
+          <a:effectRef idx="1">
+            <a:schemeClr val="accent2"/>
+          </a:effectRef>
+          <a:fontRef idx="minor">
+            <a:schemeClr val="dk1"/>
+          </a:fontRef>
+        </p:style>
+      </p:cxnSp>
+      <p:cxnSp>
+        <p:nvCxnSpPr>
+          <p:cNvPr id="72" name="Straight Arrow Connector 71"/>
+          <p:cNvCxnSpPr>
+            <a:stCxn id="8" idx="0"/>
+            <a:endCxn id="57" idx="2"/>
+          </p:cNvCxnSpPr>
+          <p:nvPr/>
+        </p:nvCxnSpPr>
+        <p:spPr>
+          <a:xfrm flipV="1">
+            <a:off x="5136976" y="1676400"/>
+            <a:ext cx="287208" cy="1433177"/>
+          </a:xfrm>
+          <a:prstGeom prst="straightConnector1">
+            <a:avLst/>
+          </a:prstGeom>
+          <a:ln>
+            <a:headEnd type="arrow"/>
+            <a:tailEnd type="arrow"/>
+          </a:ln>
+        </p:spPr>
+        <p:style>
+          <a:lnRef idx="1">
+            <a:schemeClr val="accent2"/>
+          </a:lnRef>
+          <a:fillRef idx="2">
+            <a:schemeClr val="accent2"/>
+          </a:fillRef>
+          <a:effectRef idx="1">
+            <a:schemeClr val="accent2"/>
+          </a:effectRef>
+          <a:fontRef idx="minor">
+            <a:schemeClr val="dk1"/>
+          </a:fontRef>
+        </p:style>
+      </p:cxnSp>
+      <p:cxnSp>
+        <p:nvCxnSpPr>
+          <p:cNvPr id="79" name="Straight Arrow Connector 78"/>
+          <p:cNvCxnSpPr>
+            <a:stCxn id="4" idx="0"/>
+            <a:endCxn id="5" idx="2"/>
+          </p:cNvCxnSpPr>
+          <p:nvPr/>
+        </p:nvCxnSpPr>
+        <p:spPr>
+          <a:xfrm flipH="1" flipV="1">
+            <a:off x="3645177" y="1662953"/>
+            <a:ext cx="2730287" cy="365861"/>
+          </a:xfrm>
+          <a:prstGeom prst="straightConnector1">
+            <a:avLst/>
+          </a:prstGeom>
+          <a:ln>
+            <a:headEnd type="arrow"/>
+            <a:tailEnd type="arrow"/>
+          </a:ln>
+        </p:spPr>
+        <p:style>
+          <a:lnRef idx="1">
+            <a:schemeClr val="accent2"/>
+          </a:lnRef>
+          <a:fillRef idx="2">
+            <a:schemeClr val="accent2"/>
+          </a:fillRef>
+          <a:effectRef idx="1">
+            <a:schemeClr val="accent2"/>
+          </a:effectRef>
+          <a:fontRef idx="minor">
+            <a:schemeClr val="dk1"/>
+          </a:fontRef>
+        </p:style>
+      </p:cxnSp>
+      <p:sp>
+        <p:nvSpPr>
+          <p:cNvPr id="63" name="TextBox 62"/>
+          <p:cNvSpPr txBox="1"/>
+          <p:nvPr/>
+        </p:nvSpPr>
+        <p:spPr>
+          <a:xfrm>
+            <a:off x="7548282" y="2111470"/>
+            <a:ext cx="1223791" cy="523220"/>
+          </a:xfrm>
+          <a:prstGeom prst="rect">
+            <a:avLst/>
+          </a:prstGeom>
+          <a:noFill/>
+        </p:spPr>
+        <p:txBody>
+          <a:bodyPr wrap="square" rtlCol="0">
+            <a:spAutoFit/>
+          </a:bodyPr>
+          <a:lstStyle/>
+          <a:p>
+            <a:pPr algn="ctr"/>
+            <a:r>
+              <a:rPr lang="en-US" sz="1400" smtClean="0"/>
+              <a:t>Intermediate inference</a:t>
+            </a:r>
+            <a:endParaRPr lang="en-US" sz="1400"/>
+          </a:p>
+        </p:txBody>
+      </p:sp>
+      <p:cxnSp>
+        <p:nvCxnSpPr>
+          <p:cNvPr id="65" name="Straight Arrow Connector 64"/>
+          <p:cNvCxnSpPr>
+            <a:stCxn id="63" idx="1"/>
+            <a:endCxn id="4" idx="3"/>
+          </p:cNvCxnSpPr>
+          <p:nvPr/>
+        </p:nvCxnSpPr>
+        <p:spPr>
+          <a:xfrm flipH="1">
+            <a:off x="7086600" y="2373080"/>
+            <a:ext cx="461682" cy="0"/>
+          </a:xfrm>
+          <a:prstGeom prst="straightConnector1">
+            <a:avLst/>
+          </a:prstGeom>
+          <a:ln>
+            <a:tailEnd type="arrow"/>
+          </a:ln>
+        </p:spPr>
+        <p:style>
+          <a:lnRef idx="1">
+            <a:schemeClr val="accent2"/>
+          </a:lnRef>
+          <a:fillRef idx="2">
+            <a:schemeClr val="accent2"/>
+          </a:fillRef>
+          <a:effectRef idx="1">
+            <a:schemeClr val="accent2"/>
+          </a:effectRef>
+          <a:fontRef idx="minor">
+            <a:schemeClr val="dk1"/>
+          </a:fontRef>
+        </p:style>
+      </p:cxnSp>
+      <p:sp>
+        <p:nvSpPr>
+          <p:cNvPr id="107" name="TextBox 106"/>
+          <p:cNvSpPr txBox="1"/>
+          <p:nvPr/>
+        </p:nvSpPr>
+        <p:spPr>
+          <a:xfrm>
+            <a:off x="294963" y="4267200"/>
+            <a:ext cx="2067237" cy="1077218"/>
+          </a:xfrm>
+          <a:prstGeom prst="rect">
+            <a:avLst/>
+          </a:prstGeom>
+          <a:noFill/>
+        </p:spPr>
+        <p:txBody>
+          <a:bodyPr wrap="square" rtlCol="0">
+            <a:spAutoFit/>
+          </a:bodyPr>
+          <a:lstStyle/>
+          <a:p>
+            <a:pPr algn="ctr"/>
+            <a:r>
+              <a:rPr lang="en-US" sz="1600" smtClean="0"/>
+              <a:t>Mappings from quality logical model to underlying data models</a:t>
+            </a:r>
+            <a:endParaRPr lang="en-US" sz="1600" dirty="0"/>
+          </a:p>
+        </p:txBody>
+      </p:sp>
+      <p:sp>
+        <p:nvSpPr>
+          <p:cNvPr id="111" name="Flowchart: Magnetic Disk 110"/>
+          <p:cNvSpPr/>
+          <p:nvPr/>
+        </p:nvSpPr>
+        <p:spPr>
+          <a:xfrm>
+            <a:off x="6551746" y="6225807"/>
+            <a:ext cx="819190" cy="418067"/>
+          </a:xfrm>
+          <a:prstGeom prst="flowChartMagneticDisk">
+            <a:avLst/>
+          </a:prstGeom>
+        </p:spPr>
+        <p:style>
+          <a:lnRef idx="2">
+            <a:schemeClr val="accent3">
+              <a:shade val="50000"/>
+            </a:schemeClr>
+          </a:lnRef>
+          <a:fillRef idx="1">
+            <a:schemeClr val="accent3"/>
+          </a:fillRef>
+          <a:effectRef idx="0">
+            <a:schemeClr val="accent3"/>
+          </a:effectRef>
+          <a:fontRef idx="minor">
+            <a:schemeClr val="lt1"/>
+          </a:fontRef>
+        </p:style>
+        <p:txBody>
+          <a:bodyPr rtlCol="0" anchor="ctr"/>
+          <a:lstStyle/>
+          <a:p>
+            <a:pPr algn="ctr"/>
+            <a:r>
+              <a:rPr lang="en-US" smtClean="0"/>
+              <a:t>EHR</a:t>
+            </a:r>
+            <a:endParaRPr lang="en-US"/>
+          </a:p>
+        </p:txBody>
+      </p:sp>
+      <p:cxnSp>
+        <p:nvCxnSpPr>
+          <p:cNvPr id="112" name="Straight Arrow Connector 111"/>
+          <p:cNvCxnSpPr>
+            <a:stCxn id="21" idx="2"/>
+            <a:endCxn id="9" idx="0"/>
+          </p:cNvCxnSpPr>
+          <p:nvPr/>
+        </p:nvCxnSpPr>
+        <p:spPr>
+          <a:xfrm flipH="1">
+            <a:off x="3320194" y="3871577"/>
+            <a:ext cx="3367514" cy="548023"/>
+          </a:xfrm>
+          <a:prstGeom prst="straightConnector1">
+            <a:avLst/>
+          </a:prstGeom>
+          <a:ln>
+            <a:headEnd type="arrow"/>
+            <a:tailEnd type="arrow"/>
+          </a:ln>
+        </p:spPr>
+        <p:style>
+          <a:lnRef idx="1">
+            <a:schemeClr val="accent1"/>
+          </a:lnRef>
+          <a:fillRef idx="2">
+            <a:schemeClr val="accent1"/>
+          </a:fillRef>
+          <a:effectRef idx="1">
+            <a:schemeClr val="accent1"/>
+          </a:effectRef>
+          <a:fontRef idx="minor">
+            <a:schemeClr val="dk1"/>
+          </a:fontRef>
+        </p:style>
+      </p:cxnSp>
+      <p:cxnSp>
+        <p:nvCxnSpPr>
+          <p:cNvPr id="115" name="Straight Arrow Connector 114"/>
+          <p:cNvCxnSpPr>
+            <a:stCxn id="8" idx="2"/>
+            <a:endCxn id="109" idx="0"/>
+          </p:cNvCxnSpPr>
+          <p:nvPr/>
+        </p:nvCxnSpPr>
+        <p:spPr>
+          <a:xfrm>
+            <a:off x="5136976" y="3871577"/>
+            <a:ext cx="33512" cy="548023"/>
+          </a:xfrm>
+          <a:prstGeom prst="straightConnector1">
+            <a:avLst/>
+          </a:prstGeom>
+          <a:ln>
+            <a:headEnd type="arrow"/>
+            <a:tailEnd type="arrow"/>
+          </a:ln>
+        </p:spPr>
+        <p:style>
+          <a:lnRef idx="1">
+            <a:schemeClr val="accent1"/>
+          </a:lnRef>
+          <a:fillRef idx="2">
+            <a:schemeClr val="accent1"/>
+          </a:fillRef>
+          <a:effectRef idx="1">
+            <a:schemeClr val="accent1"/>
+          </a:effectRef>
+          <a:fontRef idx="minor">
+            <a:schemeClr val="dk1"/>
+          </a:fontRef>
+        </p:style>
+      </p:cxnSp>
+      <p:cxnSp>
+        <p:nvCxnSpPr>
+          <p:cNvPr id="118" name="Straight Arrow Connector 117"/>
+          <p:cNvCxnSpPr>
+            <a:stCxn id="8" idx="2"/>
+            <a:endCxn id="11" idx="0"/>
+          </p:cNvCxnSpPr>
+          <p:nvPr/>
+        </p:nvCxnSpPr>
+        <p:spPr>
+          <a:xfrm>
+            <a:off x="5136976" y="3871577"/>
+            <a:ext cx="1793520" cy="548023"/>
+          </a:xfrm>
+          <a:prstGeom prst="straightConnector1">
+            <a:avLst/>
+          </a:prstGeom>
+          <a:ln>
+            <a:headEnd type="arrow"/>
+            <a:tailEnd type="arrow"/>
+          </a:ln>
+        </p:spPr>
+        <p:style>
+          <a:lnRef idx="1">
+            <a:schemeClr val="accent1"/>
+          </a:lnRef>
+          <a:fillRef idx="2">
+            <a:schemeClr val="accent1"/>
+          </a:fillRef>
+          <a:effectRef idx="1">
+            <a:schemeClr val="accent1"/>
+          </a:effectRef>
+          <a:fontRef idx="minor">
+            <a:schemeClr val="dk1"/>
+          </a:fontRef>
+        </p:style>
+      </p:cxnSp>
+      <p:cxnSp>
+        <p:nvCxnSpPr>
+          <p:cNvPr id="121" name="Straight Arrow Connector 120"/>
+          <p:cNvCxnSpPr>
+            <a:stCxn id="21" idx="2"/>
+            <a:endCxn id="11" idx="0"/>
+          </p:cNvCxnSpPr>
+          <p:nvPr/>
+        </p:nvCxnSpPr>
+        <p:spPr>
+          <a:xfrm>
+            <a:off x="6687708" y="3871577"/>
+            <a:ext cx="242788" cy="548023"/>
+          </a:xfrm>
+          <a:prstGeom prst="straightConnector1">
+            <a:avLst/>
+          </a:prstGeom>
+          <a:ln>
+            <a:headEnd type="arrow"/>
+            <a:tailEnd type="arrow"/>
+          </a:ln>
+        </p:spPr>
+        <p:style>
+          <a:lnRef idx="1">
+            <a:schemeClr val="accent1"/>
+          </a:lnRef>
+          <a:fillRef idx="2">
+            <a:schemeClr val="accent1"/>
+          </a:fillRef>
+          <a:effectRef idx="1">
+            <a:schemeClr val="accent1"/>
+          </a:effectRef>
+          <a:fontRef idx="minor">
+            <a:schemeClr val="dk1"/>
+          </a:fontRef>
+        </p:style>
+      </p:cxnSp>
+      <p:cxnSp>
+        <p:nvCxnSpPr>
+          <p:cNvPr id="124" name="Straight Arrow Connector 123"/>
+          <p:cNvCxnSpPr>
+            <a:stCxn id="8" idx="2"/>
+            <a:endCxn id="9" idx="0"/>
+          </p:cNvCxnSpPr>
+          <p:nvPr/>
+        </p:nvCxnSpPr>
+        <p:spPr>
+          <a:xfrm flipH="1">
+            <a:off x="3320194" y="3871577"/>
+            <a:ext cx="1816782" cy="548023"/>
+          </a:xfrm>
+          <a:prstGeom prst="straightConnector1">
+            <a:avLst/>
+          </a:prstGeom>
+          <a:ln>
+            <a:headEnd type="arrow"/>
+            <a:tailEnd type="arrow"/>
+          </a:ln>
+        </p:spPr>
+        <p:style>
+          <a:lnRef idx="1">
+            <a:schemeClr val="accent1"/>
+          </a:lnRef>
+          <a:fillRef idx="2">
+            <a:schemeClr val="accent1"/>
+          </a:fillRef>
+          <a:effectRef idx="1">
+            <a:schemeClr val="accent1"/>
+          </a:effectRef>
+          <a:fontRef idx="minor">
+            <a:schemeClr val="dk1"/>
+          </a:fontRef>
+        </p:style>
+      </p:cxnSp>
+      <p:cxnSp>
+        <p:nvCxnSpPr>
+          <p:cNvPr id="127" name="Straight Arrow Connector 126"/>
+          <p:cNvCxnSpPr>
+            <a:stCxn id="21" idx="2"/>
+            <a:endCxn id="109" idx="0"/>
+          </p:cNvCxnSpPr>
+          <p:nvPr/>
+        </p:nvCxnSpPr>
+        <p:spPr>
+          <a:xfrm flipH="1">
+            <a:off x="5170488" y="3871577"/>
+            <a:ext cx="1517220" cy="548023"/>
+          </a:xfrm>
+          <a:prstGeom prst="straightConnector1">
+            <a:avLst/>
+          </a:prstGeom>
+          <a:ln>
+            <a:headEnd type="arrow"/>
+            <a:tailEnd type="arrow"/>
+          </a:ln>
+        </p:spPr>
+        <p:style>
+          <a:lnRef idx="1">
+            <a:schemeClr val="accent1"/>
+          </a:lnRef>
+          <a:fillRef idx="2">
+            <a:schemeClr val="accent1"/>
+          </a:fillRef>
+          <a:effectRef idx="1">
+            <a:schemeClr val="accent1"/>
+          </a:effectRef>
+          <a:fontRef idx="minor">
+            <a:schemeClr val="dk1"/>
+          </a:fontRef>
+        </p:style>
+      </p:cxnSp>
+      <p:cxnSp>
+        <p:nvCxnSpPr>
+          <p:cNvPr id="116" name="Straight Connector 115"/>
+          <p:cNvCxnSpPr/>
+          <p:nvPr/>
+        </p:nvCxnSpPr>
+        <p:spPr>
+          <a:xfrm flipH="1">
+            <a:off x="540572" y="2913461"/>
+            <a:ext cx="7917628" cy="0"/>
+          </a:xfrm>
+          <a:prstGeom prst="line">
+            <a:avLst/>
+          </a:prstGeom>
+          <a:ln>
+            <a:prstDash val="lgDash"/>
+          </a:ln>
+        </p:spPr>
+        <p:style>
+          <a:lnRef idx="1">
+            <a:schemeClr val="accent1"/>
+          </a:lnRef>
+          <a:fillRef idx="0">
+            <a:schemeClr val="accent1"/>
+          </a:fillRef>
+          <a:effectRef idx="0">
+            <a:schemeClr val="accent1"/>
+          </a:effectRef>
+          <a:fontRef idx="minor">
+            <a:schemeClr val="tx1"/>
+          </a:fontRef>
+        </p:style>
+      </p:cxnSp>
+      <p:cxnSp>
+        <p:nvCxnSpPr>
+          <p:cNvPr id="139" name="Straight Connector 138"/>
+          <p:cNvCxnSpPr/>
+          <p:nvPr/>
+        </p:nvCxnSpPr>
+        <p:spPr>
+          <a:xfrm flipH="1">
+            <a:off x="533400" y="4191000"/>
+            <a:ext cx="7917628" cy="0"/>
+          </a:xfrm>
+          <a:prstGeom prst="line">
+            <a:avLst/>
+          </a:prstGeom>
+          <a:ln>
+            <a:prstDash val="lgDash"/>
+          </a:ln>
+        </p:spPr>
+        <p:style>
+          <a:lnRef idx="1">
+            <a:schemeClr val="accent1"/>
+          </a:lnRef>
+          <a:fillRef idx="0">
+            <a:schemeClr val="accent1"/>
+          </a:fillRef>
+          <a:effectRef idx="0">
+            <a:schemeClr val="accent1"/>
+          </a:effectRef>
+          <a:fontRef idx="minor">
+            <a:schemeClr val="tx1"/>
+          </a:fontRef>
+        </p:style>
+      </p:cxnSp>
+      <p:cxnSp>
+        <p:nvCxnSpPr>
+          <p:cNvPr id="141" name="Straight Connector 140"/>
+          <p:cNvCxnSpPr/>
+          <p:nvPr/>
+        </p:nvCxnSpPr>
+        <p:spPr>
+          <a:xfrm flipH="1">
+            <a:off x="533400" y="5410200"/>
+            <a:ext cx="7917628" cy="0"/>
+          </a:xfrm>
+          <a:prstGeom prst="line">
+            <a:avLst/>
+          </a:prstGeom>
+          <a:ln>
+            <a:prstDash val="lgDash"/>
+          </a:ln>
+        </p:spPr>
+        <p:style>
+          <a:lnRef idx="1">
+            <a:schemeClr val="accent1"/>
+          </a:lnRef>
+          <a:fillRef idx="0">
+            <a:schemeClr val="accent1"/>
+          </a:fillRef>
+          <a:effectRef idx="0">
+            <a:schemeClr val="accent1"/>
+          </a:effectRef>
+          <a:fontRef idx="minor">
+            <a:schemeClr val="tx1"/>
+          </a:fontRef>
+        </p:style>
+      </p:cxnSp>
     </p:spTree>
     <p:extLst>
       <p:ext uri="{BB962C8B-B14F-4D97-AF65-F5344CB8AC3E}">
-        <p14:creationId xmlns:p14="http://schemas.microsoft.com/office/powerpoint/2010/main" val="1227611336"/>
+        <p14:creationId xmlns:p14="http://schemas.microsoft.com/office/powerpoint/2010/main" val="3300152810"/>
       </p:ext>
     </p:extLst>
   </p:cSld>
   <p:clrMapOvr>
     <a:masterClrMapping/>
   </p:clrMapOvr>
+  <p:timing>
+    <p:tnLst>
+      <p:par>
+        <p:cTn id="1" dur="indefinite" restart="never" nodeType="tmRoot"/>
+      </p:par>
+    </p:tnLst>
+  </p:timing>
 </p:sld>
 </file>
 
@@ -5610,47 +5666,496 @@
           <a:lstStyle/>
           <a:p>
             <a:r>
-              <a:rPr lang="en-US" dirty="0" smtClean="0"/>
-              <a:t>Simple Example</a:t>
-            </a:r>
-            <a:endParaRPr lang="en-US" dirty="0"/>
-          </a:p>
-        </p:txBody>
-      </p:sp>
-      <p:pic>
-        <p:nvPicPr>
-          <p:cNvPr id="3" name="Picture 2"/>
-          <p:cNvPicPr>
-            <a:picLocks noChangeAspect="1"/>
-          </p:cNvPicPr>
+              <a:rPr lang="en-US" smtClean="0"/>
+              <a:t>CQL File Structure</a:t>
+            </a:r>
+            <a:endParaRPr lang="en-US"/>
+          </a:p>
+        </p:txBody>
+      </p:sp>
+      <p:sp>
+        <p:nvSpPr>
+          <p:cNvPr id="9" name="Content Placeholder 8"/>
+          <p:cNvSpPr>
+            <a:spLocks noGrp="1"/>
+          </p:cNvSpPr>
+          <p:nvPr>
+            <p:ph idx="1"/>
+          </p:nvPr>
+        </p:nvSpPr>
+        <p:spPr>
+          <a:xfrm>
+            <a:off x="457200" y="1371600"/>
+            <a:ext cx="8229600" cy="4525963"/>
+          </a:xfrm>
+        </p:spPr>
+        <p:txBody>
+          <a:bodyPr>
+            <a:normAutofit/>
+          </a:bodyPr>
+          <a:lstStyle/>
+          <a:p>
+            <a:r>
+              <a:rPr lang="en-US" sz="2400" dirty="0" smtClean="0"/>
+              <a:t>Each rule or measure is readable, plain text file</a:t>
+            </a:r>
+          </a:p>
+          <a:p>
+            <a:r>
+              <a:rPr lang="en-US" sz="2400" dirty="0" smtClean="0"/>
+              <a:t>May include other files by reference</a:t>
+            </a:r>
+          </a:p>
+          <a:p>
+            <a:r>
+              <a:rPr lang="en-US" sz="2400" dirty="0" smtClean="0"/>
+              <a:t>Logic in each file is a potentially reusable</a:t>
+            </a:r>
+            <a:r>
+              <a:rPr lang="en-US" sz="2400" dirty="0"/>
+              <a:t> </a:t>
+            </a:r>
+            <a:r>
+              <a:rPr lang="en-US" sz="2400" dirty="0" smtClean="0"/>
+              <a:t>“</a:t>
+            </a:r>
+            <a:r>
+              <a:rPr lang="en-US" sz="2400" dirty="0"/>
+              <a:t>library</a:t>
+            </a:r>
+            <a:r>
+              <a:rPr lang="en-US" sz="2400" dirty="0" smtClean="0"/>
+              <a:t>” </a:t>
+            </a:r>
+          </a:p>
+        </p:txBody>
+      </p:sp>
+      <p:grpSp>
+        <p:nvGrpSpPr>
+          <p:cNvPr id="18" name="Group 17"/>
+          <p:cNvGrpSpPr/>
           <p:nvPr/>
-        </p:nvPicPr>
-        <p:blipFill>
-          <a:blip r:embed="rId2"/>
-          <a:stretch>
-            <a:fillRect/>
-          </a:stretch>
-        </p:blipFill>
-        <p:spPr>
+        </p:nvGrpSpPr>
+        <p:grpSpPr>
           <a:xfrm>
-            <a:off x="165279" y="1828800"/>
-            <a:ext cx="8813442" cy="3459162"/>
+            <a:off x="3200403" y="3632656"/>
+            <a:ext cx="2667000" cy="2057398"/>
+            <a:chOff x="2971800" y="3352801"/>
+            <a:chExt cx="2667000" cy="2734234"/>
+          </a:xfrm>
+        </p:grpSpPr>
+        <p:sp>
+          <p:nvSpPr>
+            <p:cNvPr id="4" name="Rectangle 3"/>
+            <p:cNvSpPr/>
+            <p:nvPr/>
+          </p:nvSpPr>
+          <p:spPr>
+            <a:xfrm>
+              <a:off x="2971800" y="3352801"/>
+              <a:ext cx="2667000" cy="914401"/>
+            </a:xfrm>
+            <a:prstGeom prst="rect">
+              <a:avLst/>
+            </a:prstGeom>
+          </p:spPr>
+          <p:style>
+            <a:lnRef idx="2">
+              <a:schemeClr val="accent1">
+                <a:shade val="50000"/>
+              </a:schemeClr>
+            </a:lnRef>
+            <a:fillRef idx="1">
+              <a:schemeClr val="accent1"/>
+            </a:fillRef>
+            <a:effectRef idx="0">
+              <a:schemeClr val="accent1"/>
+            </a:effectRef>
+            <a:fontRef idx="minor">
+              <a:schemeClr val="lt1"/>
+            </a:fontRef>
+          </p:style>
+          <p:txBody>
+            <a:bodyPr rtlCol="0" anchor="ctr"/>
+            <a:lstStyle/>
+            <a:p>
+              <a:pPr algn="ctr"/>
+              <a:r>
+                <a:rPr lang="en-US" sz="2400" smtClean="0"/>
+                <a:t>Declarations</a:t>
+              </a:r>
+              <a:endParaRPr lang="en-US" sz="2400"/>
+            </a:p>
+          </p:txBody>
+        </p:sp>
+        <p:sp>
+          <p:nvSpPr>
+            <p:cNvPr id="5" name="Rectangle 4"/>
+            <p:cNvSpPr/>
+            <p:nvPr/>
+          </p:nvSpPr>
+          <p:spPr>
+            <a:xfrm>
+              <a:off x="2971800" y="4258237"/>
+              <a:ext cx="2667000" cy="914401"/>
+            </a:xfrm>
+            <a:prstGeom prst="rect">
+              <a:avLst/>
+            </a:prstGeom>
+          </p:spPr>
+          <p:style>
+            <a:lnRef idx="2">
+              <a:schemeClr val="accent1">
+                <a:shade val="50000"/>
+              </a:schemeClr>
+            </a:lnRef>
+            <a:fillRef idx="1">
+              <a:schemeClr val="accent1"/>
+            </a:fillRef>
+            <a:effectRef idx="0">
+              <a:schemeClr val="accent1"/>
+            </a:effectRef>
+            <a:fontRef idx="minor">
+              <a:schemeClr val="lt1"/>
+            </a:fontRef>
+          </p:style>
+          <p:txBody>
+            <a:bodyPr rtlCol="0" anchor="ctr"/>
+            <a:lstStyle/>
+            <a:p>
+              <a:pPr algn="ctr"/>
+              <a:r>
+                <a:rPr lang="en-US" sz="2400" smtClean="0"/>
+                <a:t>Data Retrieval</a:t>
+              </a:r>
+              <a:endParaRPr lang="en-US" sz="2400"/>
+            </a:p>
+          </p:txBody>
+        </p:sp>
+        <p:sp>
+          <p:nvSpPr>
+            <p:cNvPr id="6" name="Rectangle 5"/>
+            <p:cNvSpPr/>
+            <p:nvPr/>
+          </p:nvSpPr>
+          <p:spPr>
+            <a:xfrm>
+              <a:off x="2971800" y="5172634"/>
+              <a:ext cx="2667000" cy="914401"/>
+            </a:xfrm>
+            <a:prstGeom prst="rect">
+              <a:avLst/>
+            </a:prstGeom>
+          </p:spPr>
+          <p:style>
+            <a:lnRef idx="2">
+              <a:schemeClr val="accent1">
+                <a:shade val="50000"/>
+              </a:schemeClr>
+            </a:lnRef>
+            <a:fillRef idx="1">
+              <a:schemeClr val="accent1"/>
+            </a:fillRef>
+            <a:effectRef idx="0">
+              <a:schemeClr val="accent1"/>
+            </a:effectRef>
+            <a:fontRef idx="minor">
+              <a:schemeClr val="lt1"/>
+            </a:fontRef>
+          </p:style>
+          <p:txBody>
+            <a:bodyPr rtlCol="0" anchor="ctr"/>
+            <a:lstStyle/>
+            <a:p>
+              <a:pPr algn="ctr"/>
+              <a:r>
+                <a:rPr lang="en-US" sz="2400" smtClean="0"/>
+                <a:t>Computation</a:t>
+              </a:r>
+              <a:endParaRPr lang="en-US" sz="2400"/>
+            </a:p>
+          </p:txBody>
+        </p:sp>
+      </p:grpSp>
+      <p:cxnSp>
+        <p:nvCxnSpPr>
+          <p:cNvPr id="11" name="Elbow Connector 10"/>
+          <p:cNvCxnSpPr>
+            <a:stCxn id="14" idx="3"/>
+            <a:endCxn id="4" idx="0"/>
+          </p:cNvCxnSpPr>
+          <p:nvPr/>
+        </p:nvCxnSpPr>
+        <p:spPr>
+          <a:xfrm>
+            <a:off x="2736894" y="3276642"/>
+            <a:ext cx="1797009" cy="356014"/>
+          </a:xfrm>
+          <a:prstGeom prst="bentConnector2">
+            <a:avLst/>
+          </a:prstGeom>
+          <a:ln w="28575">
+            <a:solidFill>
+              <a:schemeClr val="tx1">
+                <a:lumMod val="95000"/>
+                <a:lumOff val="5000"/>
+              </a:schemeClr>
+            </a:solidFill>
+            <a:tailEnd type="arrow"/>
+          </a:ln>
+        </p:spPr>
+        <p:style>
+          <a:lnRef idx="1">
+            <a:schemeClr val="accent1"/>
+          </a:lnRef>
+          <a:fillRef idx="0">
+            <a:schemeClr val="accent1"/>
+          </a:fillRef>
+          <a:effectRef idx="0">
+            <a:schemeClr val="accent1"/>
+          </a:effectRef>
+          <a:fontRef idx="minor">
+            <a:schemeClr val="tx1"/>
+          </a:fontRef>
+        </p:style>
+      </p:cxnSp>
+      <p:cxnSp>
+        <p:nvCxnSpPr>
+          <p:cNvPr id="13" name="Elbow Connector 12"/>
+          <p:cNvCxnSpPr>
+            <a:stCxn id="6" idx="2"/>
+            <a:endCxn id="15" idx="1"/>
+          </p:cNvCxnSpPr>
+          <p:nvPr/>
+        </p:nvCxnSpPr>
+        <p:spPr>
+          <a:xfrm rot="16200000" flipH="1">
+            <a:off x="5212009" y="5011950"/>
+            <a:ext cx="586889" cy="1943100"/>
+          </a:xfrm>
+          <a:prstGeom prst="bentConnector2">
+            <a:avLst/>
+          </a:prstGeom>
+          <a:ln w="28575">
+            <a:solidFill>
+              <a:schemeClr val="tx1">
+                <a:lumMod val="95000"/>
+                <a:lumOff val="5000"/>
+              </a:schemeClr>
+            </a:solidFill>
+            <a:tailEnd type="arrow"/>
+          </a:ln>
+        </p:spPr>
+        <p:style>
+          <a:lnRef idx="1">
+            <a:schemeClr val="accent1"/>
+          </a:lnRef>
+          <a:fillRef idx="0">
+            <a:schemeClr val="accent1"/>
+          </a:fillRef>
+          <a:effectRef idx="0">
+            <a:schemeClr val="accent1"/>
+          </a:effectRef>
+          <a:fontRef idx="minor">
+            <a:schemeClr val="tx1"/>
+          </a:fontRef>
+        </p:style>
+      </p:cxnSp>
+      <p:sp>
+        <p:nvSpPr>
+          <p:cNvPr id="14" name="TextBox 13"/>
+          <p:cNvSpPr txBox="1"/>
+          <p:nvPr/>
+        </p:nvSpPr>
+        <p:spPr>
+          <a:xfrm>
+            <a:off x="1198588" y="2922699"/>
+            <a:ext cx="1538306" cy="707886"/>
           </a:xfrm>
           <a:prstGeom prst="rect">
             <a:avLst/>
           </a:prstGeom>
-        </p:spPr>
-      </p:pic>
+          <a:noFill/>
+        </p:spPr>
+        <p:txBody>
+          <a:bodyPr wrap="none" rtlCol="0">
+            <a:spAutoFit/>
+          </a:bodyPr>
+          <a:lstStyle/>
+          <a:p>
+            <a:pPr algn="ctr"/>
+            <a:r>
+              <a:rPr lang="en-US" sz="2000" smtClean="0"/>
+              <a:t>Inputs</a:t>
+            </a:r>
+          </a:p>
+          <a:p>
+            <a:pPr algn="ctr"/>
+            <a:r>
+              <a:rPr lang="en-US" sz="2000" smtClean="0"/>
+              <a:t>(parameters)</a:t>
+            </a:r>
+            <a:endParaRPr lang="en-US" sz="2000"/>
+          </a:p>
+        </p:txBody>
+      </p:sp>
+      <p:sp>
+        <p:nvSpPr>
+          <p:cNvPr id="15" name="TextBox 14"/>
+          <p:cNvSpPr txBox="1"/>
+          <p:nvPr/>
+        </p:nvSpPr>
+        <p:spPr>
+          <a:xfrm>
+            <a:off x="6477003" y="6076890"/>
+            <a:ext cx="1142997" cy="400110"/>
+          </a:xfrm>
+          <a:prstGeom prst="rect">
+            <a:avLst/>
+          </a:prstGeom>
+          <a:noFill/>
+        </p:spPr>
+        <p:txBody>
+          <a:bodyPr wrap="square" rtlCol="0">
+            <a:spAutoFit/>
+          </a:bodyPr>
+          <a:lstStyle/>
+          <a:p>
+            <a:pPr algn="ctr"/>
+            <a:r>
+              <a:rPr lang="en-US" sz="2000" smtClean="0"/>
+              <a:t>Outputs</a:t>
+            </a:r>
+          </a:p>
+        </p:txBody>
+      </p:sp>
+      <p:sp>
+        <p:nvSpPr>
+          <p:cNvPr id="24" name="TextBox 23"/>
+          <p:cNvSpPr txBox="1"/>
+          <p:nvPr/>
+        </p:nvSpPr>
+        <p:spPr>
+          <a:xfrm>
+            <a:off x="1268479" y="4564561"/>
+            <a:ext cx="1232663" cy="830997"/>
+          </a:xfrm>
+          <a:prstGeom prst="rect">
+            <a:avLst/>
+          </a:prstGeom>
+          <a:noFill/>
+        </p:spPr>
+        <p:txBody>
+          <a:bodyPr wrap="square" rtlCol="0">
+            <a:spAutoFit/>
+          </a:bodyPr>
+          <a:lstStyle/>
+          <a:p>
+            <a:pPr algn="ctr"/>
+            <a:r>
+              <a:rPr lang="en-US" sz="1600" smtClean="0"/>
+              <a:t>May be comingled? </a:t>
+            </a:r>
+          </a:p>
+          <a:p>
+            <a:pPr algn="ctr"/>
+            <a:r>
+              <a:rPr lang="en-US" sz="1600" smtClean="0"/>
+              <a:t>(TBD)</a:t>
+            </a:r>
+            <a:endParaRPr lang="en-US" sz="1600"/>
+          </a:p>
+        </p:txBody>
+      </p:sp>
+      <p:cxnSp>
+        <p:nvCxnSpPr>
+          <p:cNvPr id="26" name="Straight Arrow Connector 25"/>
+          <p:cNvCxnSpPr>
+            <a:stCxn id="24" idx="3"/>
+            <a:endCxn id="5" idx="1"/>
+          </p:cNvCxnSpPr>
+          <p:nvPr/>
+        </p:nvCxnSpPr>
+        <p:spPr>
+          <a:xfrm flipV="1">
+            <a:off x="2501142" y="4657984"/>
+            <a:ext cx="699261" cy="322076"/>
+          </a:xfrm>
+          <a:prstGeom prst="straightConnector1">
+            <a:avLst/>
+          </a:prstGeom>
+          <a:ln>
+            <a:tailEnd type="arrow"/>
+          </a:ln>
+        </p:spPr>
+        <p:style>
+          <a:lnRef idx="1">
+            <a:schemeClr val="accent1"/>
+          </a:lnRef>
+          <a:fillRef idx="0">
+            <a:schemeClr val="accent1"/>
+          </a:fillRef>
+          <a:effectRef idx="0">
+            <a:schemeClr val="accent1"/>
+          </a:effectRef>
+          <a:fontRef idx="minor">
+            <a:schemeClr val="tx1"/>
+          </a:fontRef>
+        </p:style>
+      </p:cxnSp>
+      <p:cxnSp>
+        <p:nvCxnSpPr>
+          <p:cNvPr id="29" name="Straight Arrow Connector 28"/>
+          <p:cNvCxnSpPr>
+            <a:stCxn id="24" idx="3"/>
+            <a:endCxn id="6" idx="1"/>
+          </p:cNvCxnSpPr>
+          <p:nvPr/>
+        </p:nvCxnSpPr>
+        <p:spPr>
+          <a:xfrm>
+            <a:off x="2501142" y="4980060"/>
+            <a:ext cx="699261" cy="365972"/>
+          </a:xfrm>
+          <a:prstGeom prst="straightConnector1">
+            <a:avLst/>
+          </a:prstGeom>
+          <a:ln>
+            <a:tailEnd type="arrow"/>
+          </a:ln>
+        </p:spPr>
+        <p:style>
+          <a:lnRef idx="1">
+            <a:schemeClr val="accent1"/>
+          </a:lnRef>
+          <a:fillRef idx="0">
+            <a:schemeClr val="accent1"/>
+          </a:fillRef>
+          <a:effectRef idx="0">
+            <a:schemeClr val="accent1"/>
+          </a:effectRef>
+          <a:fontRef idx="minor">
+            <a:schemeClr val="tx1"/>
+          </a:fontRef>
+        </p:style>
+      </p:cxnSp>
     </p:spTree>
     <p:extLst>
       <p:ext uri="{BB962C8B-B14F-4D97-AF65-F5344CB8AC3E}">
-        <p14:creationId xmlns:p14="http://schemas.microsoft.com/office/powerpoint/2010/main" val="3752101199"/>
+        <p14:creationId xmlns:p14="http://schemas.microsoft.com/office/powerpoint/2010/main" val="4084638846"/>
       </p:ext>
     </p:extLst>
   </p:cSld>
   <p:clrMapOvr>
     <a:masterClrMapping/>
   </p:clrMapOvr>
+  <p:timing>
+    <p:tnLst>
+      <p:par>
+        <p:cTn id="1" dur="indefinite" restart="never" nodeType="tmRoot"/>
+      </p:par>
+    </p:tnLst>
+  </p:timing>
 </p:sld>
 </file>
 
@@ -5687,47 +6192,141 @@
           <a:lstStyle/>
           <a:p>
             <a:r>
+              <a:rPr lang="en-US" smtClean="0"/>
+              <a:t>CQL Declarations</a:t>
+            </a:r>
+            <a:endParaRPr lang="en-US" dirty="0"/>
+          </a:p>
+        </p:txBody>
+      </p:sp>
+      <p:sp>
+        <p:nvSpPr>
+          <p:cNvPr id="3" name="Content Placeholder 2"/>
+          <p:cNvSpPr>
+            <a:spLocks noGrp="1"/>
+          </p:cNvSpPr>
+          <p:nvPr>
+            <p:ph idx="1"/>
+          </p:nvPr>
+        </p:nvSpPr>
+        <p:spPr/>
+        <p:txBody>
+          <a:bodyPr>
+            <a:normAutofit fontScale="77500" lnSpcReduction="20000"/>
+          </a:bodyPr>
+          <a:lstStyle/>
+          <a:p>
+            <a:r>
+              <a:rPr lang="en-US" b="1" dirty="0" smtClean="0"/>
+              <a:t>using</a:t>
+            </a:r>
+            <a:r>
               <a:rPr lang="en-US" dirty="0" smtClean="0"/>
-              <a:t>Population Criteria</a:t>
-            </a:r>
-            <a:endParaRPr lang="en-US" dirty="0"/>
-          </a:p>
-        </p:txBody>
-      </p:sp>
-      <p:pic>
-        <p:nvPicPr>
-          <p:cNvPr id="4" name="Picture 3"/>
-          <p:cNvPicPr>
-            <a:picLocks noChangeAspect="1"/>
-          </p:cNvPicPr>
-          <p:nvPr/>
-        </p:nvPicPr>
-        <p:blipFill>
-          <a:blip r:embed="rId2"/>
-          <a:stretch>
-            <a:fillRect/>
-          </a:stretch>
-        </p:blipFill>
-        <p:spPr>
-          <a:xfrm>
-            <a:off x="484577" y="2514600"/>
-            <a:ext cx="8202223" cy="2133600"/>
-          </a:xfrm>
-          <a:prstGeom prst="rect">
-            <a:avLst/>
-          </a:prstGeom>
-        </p:spPr>
-      </p:pic>
+              <a:t> declaration</a:t>
+            </a:r>
+          </a:p>
+          <a:p>
+            <a:pPr lvl="1"/>
+            <a:r>
+              <a:rPr lang="en-US" dirty="0" smtClean="0"/>
+              <a:t>Define the data model(s) in use in file</a:t>
+            </a:r>
+          </a:p>
+          <a:p>
+            <a:r>
+              <a:rPr lang="en-US" b="1" dirty="0" smtClean="0"/>
+              <a:t>include</a:t>
+            </a:r>
+            <a:r>
+              <a:rPr lang="en-US" dirty="0"/>
+              <a:t> declaration</a:t>
+            </a:r>
+          </a:p>
+          <a:p>
+            <a:pPr lvl="1"/>
+            <a:r>
+              <a:rPr lang="en-US" dirty="0" smtClean="0"/>
+              <a:t>Define other libraries (CQL files) referenced</a:t>
+            </a:r>
+          </a:p>
+          <a:p>
+            <a:r>
+              <a:rPr lang="en-US" b="1" dirty="0" smtClean="0"/>
+              <a:t>context</a:t>
+            </a:r>
+            <a:r>
+              <a:rPr lang="en-US" dirty="0"/>
+              <a:t> declaration</a:t>
+            </a:r>
+          </a:p>
+          <a:p>
+            <a:pPr lvl="1"/>
+            <a:r>
+              <a:rPr lang="en-US" dirty="0" smtClean="0"/>
+              <a:t>Define the overall context for the library (e.g. PATIENT or ENCOUNTER)</a:t>
+            </a:r>
+          </a:p>
+          <a:p>
+            <a:pPr lvl="1"/>
+            <a:r>
+              <a:rPr lang="en-US" dirty="0" smtClean="0"/>
+              <a:t>Anchors references in the file</a:t>
+            </a:r>
+          </a:p>
+          <a:p>
+            <a:r>
+              <a:rPr lang="en-US" b="1" dirty="0" smtClean="0"/>
+              <a:t>parameter</a:t>
+            </a:r>
+            <a:r>
+              <a:rPr lang="en-US" dirty="0"/>
+              <a:t> declaration</a:t>
+            </a:r>
+          </a:p>
+          <a:p>
+            <a:pPr lvl="1"/>
+            <a:r>
+              <a:rPr lang="en-US" dirty="0" smtClean="0"/>
+              <a:t>Define available “inputs” (and potentially “outputs”, TBD)</a:t>
+            </a:r>
+            <a:endParaRPr lang="en-US" b="1" dirty="0" smtClean="0"/>
+          </a:p>
+          <a:p>
+            <a:r>
+              <a:rPr lang="en-US" b="1" dirty="0" err="1" smtClean="0"/>
+              <a:t>valueset</a:t>
+            </a:r>
+            <a:r>
+              <a:rPr lang="en-US" dirty="0" smtClean="0"/>
+              <a:t> declaration</a:t>
+            </a:r>
+          </a:p>
+          <a:p>
+            <a:pPr lvl="1"/>
+            <a:r>
+              <a:rPr lang="en-US" dirty="0" smtClean="0"/>
+              <a:t>Define user-friendly labels for value sets within the library</a:t>
+            </a:r>
+          </a:p>
+        </p:txBody>
+      </p:sp>
     </p:spTree>
     <p:extLst>
       <p:ext uri="{BB962C8B-B14F-4D97-AF65-F5344CB8AC3E}">
-        <p14:creationId xmlns:p14="http://schemas.microsoft.com/office/powerpoint/2010/main" val="2197222777"/>
+        <p14:creationId xmlns:p14="http://schemas.microsoft.com/office/powerpoint/2010/main" val="2426096150"/>
       </p:ext>
     </p:extLst>
   </p:cSld>
   <p:clrMapOvr>
     <a:masterClrMapping/>
   </p:clrMapOvr>
+  <p:timing>
+    <p:tnLst>
+      <p:par>
+        <p:cTn id="1" dur="indefinite" restart="never" nodeType="tmRoot"/>
+      </p:par>
+    </p:tnLst>
+  </p:timing>
 </p:sld>
 </file>
 
@@ -5765,7 +6364,7 @@
           <a:p>
             <a:r>
               <a:rPr lang="en-US" dirty="0" smtClean="0"/>
-              <a:t>Timing Phrases</a:t>
+              <a:t>Simple Example</a:t>
             </a:r>
             <a:endParaRPr lang="en-US" dirty="0"/>
           </a:p>
@@ -5787,8 +6386,8 @@
         </p:blipFill>
         <p:spPr>
           <a:xfrm>
-            <a:off x="117324" y="2057400"/>
-            <a:ext cx="8909352" cy="2209800"/>
+            <a:off x="165279" y="1828800"/>
+            <a:ext cx="8813442" cy="3459162"/>
           </a:xfrm>
           <a:prstGeom prst="rect">
             <a:avLst/>
@@ -5798,13 +6397,20 @@
     </p:spTree>
     <p:extLst>
       <p:ext uri="{BB962C8B-B14F-4D97-AF65-F5344CB8AC3E}">
-        <p14:creationId xmlns:p14="http://schemas.microsoft.com/office/powerpoint/2010/main" val="554124776"/>
+        <p14:creationId xmlns:p14="http://schemas.microsoft.com/office/powerpoint/2010/main" val="3752101199"/>
       </p:ext>
     </p:extLst>
   </p:cSld>
   <p:clrMapOvr>
     <a:masterClrMapping/>
   </p:clrMapOvr>
+  <p:timing>
+    <p:tnLst>
+      <p:par>
+        <p:cTn id="1" dur="indefinite" restart="never" nodeType="tmRoot"/>
+      </p:par>
+    </p:tnLst>
+  </p:timing>
 </p:sld>
 </file>
 
@@ -5842,7 +6448,7 @@
           <a:p>
             <a:r>
               <a:rPr lang="en-US" dirty="0" smtClean="0"/>
-              <a:t>Chlamydia Screening, CQM</a:t>
+              <a:t>Population Criteria</a:t>
             </a:r>
             <a:endParaRPr lang="en-US" dirty="0"/>
           </a:p>
@@ -5850,7 +6456,7 @@
       </p:sp>
       <p:pic>
         <p:nvPicPr>
-          <p:cNvPr id="5" name="Picture 4"/>
+          <p:cNvPr id="4" name="Picture 3"/>
           <p:cNvPicPr>
             <a:picLocks noChangeAspect="1"/>
           </p:cNvPicPr>
@@ -5864,8 +6470,8 @@
         </p:blipFill>
         <p:spPr>
           <a:xfrm>
-            <a:off x="195261" y="1295400"/>
-            <a:ext cx="8821847" cy="5029200"/>
+            <a:off x="484577" y="2514600"/>
+            <a:ext cx="8202223" cy="2133600"/>
           </a:xfrm>
           <a:prstGeom prst="rect">
             <a:avLst/>
@@ -5875,13 +6481,20 @@
     </p:spTree>
     <p:extLst>
       <p:ext uri="{BB962C8B-B14F-4D97-AF65-F5344CB8AC3E}">
-        <p14:creationId xmlns:p14="http://schemas.microsoft.com/office/powerpoint/2010/main" val="1988707635"/>
+        <p14:creationId xmlns:p14="http://schemas.microsoft.com/office/powerpoint/2010/main" val="2197222777"/>
       </p:ext>
     </p:extLst>
   </p:cSld>
   <p:clrMapOvr>
     <a:masterClrMapping/>
   </p:clrMapOvr>
+  <p:timing>
+    <p:tnLst>
+      <p:par>
+        <p:cTn id="1" dur="indefinite" restart="never" nodeType="tmRoot"/>
+      </p:par>
+    </p:tnLst>
+  </p:timing>
 </p:sld>
 </file>
 
@@ -5919,7 +6532,7 @@
           <a:p>
             <a:r>
               <a:rPr lang="en-US" dirty="0" smtClean="0"/>
-              <a:t>Chlamydia Screening, CDS</a:t>
+              <a:t>Timing Phrases</a:t>
             </a:r>
             <a:endParaRPr lang="en-US" dirty="0"/>
           </a:p>
@@ -5927,7 +6540,7 @@
       </p:sp>
       <p:pic>
         <p:nvPicPr>
-          <p:cNvPr id="4" name="Picture 3"/>
+          <p:cNvPr id="3" name="Picture 2"/>
           <p:cNvPicPr>
             <a:picLocks noChangeAspect="1"/>
           </p:cNvPicPr>
@@ -5941,8 +6554,8 @@
         </p:blipFill>
         <p:spPr>
           <a:xfrm>
-            <a:off x="609600" y="1409170"/>
-            <a:ext cx="7478638" cy="5067829"/>
+            <a:off x="117324" y="2057400"/>
+            <a:ext cx="8909352" cy="2209800"/>
           </a:xfrm>
           <a:prstGeom prst="rect">
             <a:avLst/>
@@ -5952,13 +6565,20 @@
     </p:spTree>
     <p:extLst>
       <p:ext uri="{BB962C8B-B14F-4D97-AF65-F5344CB8AC3E}">
-        <p14:creationId xmlns:p14="http://schemas.microsoft.com/office/powerpoint/2010/main" val="2898711464"/>
+        <p14:creationId xmlns:p14="http://schemas.microsoft.com/office/powerpoint/2010/main" val="554124776"/>
       </p:ext>
     </p:extLst>
   </p:cSld>
   <p:clrMapOvr>
     <a:masterClrMapping/>
   </p:clrMapOvr>
+  <p:timing>
+    <p:tnLst>
+      <p:par>
+        <p:cTn id="1" dur="indefinite" restart="never" nodeType="tmRoot"/>
+      </p:par>
+    </p:tnLst>
+  </p:timing>
 </p:sld>
 </file>
 
@@ -5996,7 +6616,7 @@
           <a:p>
             <a:r>
               <a:rPr lang="en-US" dirty="0" smtClean="0"/>
-              <a:t>Chlamydia Screening, Common</a:t>
+              <a:t>Chlamydia Screening, CQM</a:t>
             </a:r>
             <a:endParaRPr lang="en-US" dirty="0"/>
           </a:p>
@@ -6004,7 +6624,7 @@
       </p:sp>
       <p:pic>
         <p:nvPicPr>
-          <p:cNvPr id="3" name="Picture 2"/>
+          <p:cNvPr id="5" name="Picture 4"/>
           <p:cNvPicPr>
             <a:picLocks noChangeAspect="1"/>
           </p:cNvPicPr>
@@ -6018,8 +6638,8 @@
         </p:blipFill>
         <p:spPr>
           <a:xfrm>
-            <a:off x="1843087" y="1600200"/>
-            <a:ext cx="5457825" cy="4791075"/>
+            <a:off x="195261" y="1295400"/>
+            <a:ext cx="8821847" cy="5029200"/>
           </a:xfrm>
           <a:prstGeom prst="rect">
             <a:avLst/>
@@ -6029,13 +6649,20 @@
     </p:spTree>
     <p:extLst>
       <p:ext uri="{BB962C8B-B14F-4D97-AF65-F5344CB8AC3E}">
-        <p14:creationId xmlns:p14="http://schemas.microsoft.com/office/powerpoint/2010/main" val="2016723784"/>
+        <p14:creationId xmlns:p14="http://schemas.microsoft.com/office/powerpoint/2010/main" val="1988707635"/>
       </p:ext>
     </p:extLst>
   </p:cSld>
   <p:clrMapOvr>
     <a:masterClrMapping/>
   </p:clrMapOvr>
+  <p:timing>
+    <p:tnLst>
+      <p:par>
+        <p:cTn id="1" dur="indefinite" restart="never" nodeType="tmRoot"/>
+      </p:par>
+    </p:tnLst>
+  </p:timing>
 </p:sld>
 </file>
 

--- a/CQL/Documents/CQLUpdate_AllHands_20140604.pptx
+++ b/CQL/Documents/CQLUpdate_AllHands_20140604.pptx
@@ -317,7 +317,7 @@
           <a:p>
             <a:fld id="{AE358F06-F08A-4581-9382-C6FEB46FADBD}" type="datetimeFigureOut">
               <a:rPr lang="en-US" smtClean="0"/>
-              <a:t>6/13/2014</a:t>
+              <a:t>6/23/2014</a:t>
             </a:fld>
             <a:endParaRPr lang="en-US"/>
           </a:p>
@@ -487,7 +487,7 @@
           <a:p>
             <a:fld id="{AE358F06-F08A-4581-9382-C6FEB46FADBD}" type="datetimeFigureOut">
               <a:rPr lang="en-US" smtClean="0"/>
-              <a:t>6/13/2014</a:t>
+              <a:t>6/23/2014</a:t>
             </a:fld>
             <a:endParaRPr lang="en-US"/>
           </a:p>
@@ -667,7 +667,7 @@
           <a:p>
             <a:fld id="{AE358F06-F08A-4581-9382-C6FEB46FADBD}" type="datetimeFigureOut">
               <a:rPr lang="en-US" smtClean="0"/>
-              <a:t>6/13/2014</a:t>
+              <a:t>6/23/2014</a:t>
             </a:fld>
             <a:endParaRPr lang="en-US"/>
           </a:p>
@@ -837,7 +837,7 @@
           <a:p>
             <a:fld id="{AE358F06-F08A-4581-9382-C6FEB46FADBD}" type="datetimeFigureOut">
               <a:rPr lang="en-US" smtClean="0"/>
-              <a:t>6/13/2014</a:t>
+              <a:t>6/23/2014</a:t>
             </a:fld>
             <a:endParaRPr lang="en-US"/>
           </a:p>
@@ -1083,7 +1083,7 @@
           <a:p>
             <a:fld id="{AE358F06-F08A-4581-9382-C6FEB46FADBD}" type="datetimeFigureOut">
               <a:rPr lang="en-US" smtClean="0"/>
-              <a:t>6/13/2014</a:t>
+              <a:t>6/23/2014</a:t>
             </a:fld>
             <a:endParaRPr lang="en-US"/>
           </a:p>
@@ -1371,7 +1371,7 @@
           <a:p>
             <a:fld id="{AE358F06-F08A-4581-9382-C6FEB46FADBD}" type="datetimeFigureOut">
               <a:rPr lang="en-US" smtClean="0"/>
-              <a:t>6/13/2014</a:t>
+              <a:t>6/23/2014</a:t>
             </a:fld>
             <a:endParaRPr lang="en-US"/>
           </a:p>
@@ -1793,7 +1793,7 @@
           <a:p>
             <a:fld id="{AE358F06-F08A-4581-9382-C6FEB46FADBD}" type="datetimeFigureOut">
               <a:rPr lang="en-US" smtClean="0"/>
-              <a:t>6/13/2014</a:t>
+              <a:t>6/23/2014</a:t>
             </a:fld>
             <a:endParaRPr lang="en-US"/>
           </a:p>
@@ -1911,7 +1911,7 @@
           <a:p>
             <a:fld id="{AE358F06-F08A-4581-9382-C6FEB46FADBD}" type="datetimeFigureOut">
               <a:rPr lang="en-US" smtClean="0"/>
-              <a:t>6/13/2014</a:t>
+              <a:t>6/23/2014</a:t>
             </a:fld>
             <a:endParaRPr lang="en-US"/>
           </a:p>
@@ -2006,7 +2006,7 @@
           <a:p>
             <a:fld id="{AE358F06-F08A-4581-9382-C6FEB46FADBD}" type="datetimeFigureOut">
               <a:rPr lang="en-US" smtClean="0"/>
-              <a:t>6/13/2014</a:t>
+              <a:t>6/23/2014</a:t>
             </a:fld>
             <a:endParaRPr lang="en-US"/>
           </a:p>
@@ -2283,7 +2283,7 @@
           <a:p>
             <a:fld id="{AE358F06-F08A-4581-9382-C6FEB46FADBD}" type="datetimeFigureOut">
               <a:rPr lang="en-US" smtClean="0"/>
-              <a:t>6/13/2014</a:t>
+              <a:t>6/23/2014</a:t>
             </a:fld>
             <a:endParaRPr lang="en-US"/>
           </a:p>
@@ -2536,7 +2536,7 @@
           <a:p>
             <a:fld id="{AE358F06-F08A-4581-9382-C6FEB46FADBD}" type="datetimeFigureOut">
               <a:rPr lang="en-US" smtClean="0"/>
-              <a:t>6/13/2014</a:t>
+              <a:t>6/23/2014</a:t>
             </a:fld>
             <a:endParaRPr lang="en-US"/>
           </a:p>
@@ -2749,7 +2749,7 @@
           <a:p>
             <a:fld id="{AE358F06-F08A-4581-9382-C6FEB46FADBD}" type="datetimeFigureOut">
               <a:rPr lang="en-US" smtClean="0"/>
-              <a:t>6/13/2014</a:t>
+              <a:t>6/23/2014</a:t>
             </a:fld>
             <a:endParaRPr lang="en-US"/>
           </a:p>
@@ -3244,7 +3244,7 @@
       </p:sp>
       <p:pic>
         <p:nvPicPr>
-          <p:cNvPr id="4" name="Picture 3"/>
+          <p:cNvPr id="5" name="Picture 4"/>
           <p:cNvPicPr>
             <a:picLocks noChangeAspect="1"/>
           </p:cNvPicPr>
@@ -3258,8 +3258,8 @@
         </p:blipFill>
         <p:spPr>
           <a:xfrm>
-            <a:off x="609600" y="1409170"/>
-            <a:ext cx="7478638" cy="5067829"/>
+            <a:off x="638664" y="1116553"/>
+            <a:ext cx="7866672" cy="5741447"/>
           </a:xfrm>
           <a:prstGeom prst="rect">
             <a:avLst/>
@@ -3328,7 +3328,7 @@
       </p:sp>
       <p:pic>
         <p:nvPicPr>
-          <p:cNvPr id="3" name="Picture 2"/>
+          <p:cNvPr id="6" name="Picture 5"/>
           <p:cNvPicPr>
             <a:picLocks noChangeAspect="1"/>
           </p:cNvPicPr>
@@ -3342,8 +3342,8 @@
         </p:blipFill>
         <p:spPr>
           <a:xfrm>
-            <a:off x="1843087" y="1600200"/>
-            <a:ext cx="5457825" cy="4791075"/>
+            <a:off x="1416928" y="1219200"/>
+            <a:ext cx="6310143" cy="5562600"/>
           </a:xfrm>
           <a:prstGeom prst="rect">
             <a:avLst/>
@@ -3412,7 +3412,7 @@
       </p:sp>
       <p:pic>
         <p:nvPicPr>
-          <p:cNvPr id="4" name="Picture 3"/>
+          <p:cNvPr id="6" name="Picture 5"/>
           <p:cNvPicPr>
             <a:picLocks noChangeAspect="1"/>
           </p:cNvPicPr>
@@ -3426,8 +3426,8 @@
         </p:blipFill>
         <p:spPr>
           <a:xfrm>
-            <a:off x="195837" y="1417638"/>
-            <a:ext cx="8752325" cy="4876800"/>
+            <a:off x="208547" y="1417638"/>
+            <a:ext cx="8726905" cy="4876800"/>
           </a:xfrm>
           <a:prstGeom prst="rect">
             <a:avLst/>
@@ -3489,7 +3489,7 @@
       </p:sp>
       <p:pic>
         <p:nvPicPr>
-          <p:cNvPr id="5" name="Picture 4"/>
+          <p:cNvPr id="3" name="Picture 2"/>
           <p:cNvPicPr>
             <a:picLocks noChangeAspect="1"/>
           </p:cNvPicPr>
@@ -3503,8 +3503,8 @@
         </p:blipFill>
         <p:spPr>
           <a:xfrm>
-            <a:off x="416718" y="1676400"/>
-            <a:ext cx="8310563" cy="3810000"/>
+            <a:off x="151849" y="1417638"/>
+            <a:ext cx="8840302" cy="4437715"/>
           </a:xfrm>
           <a:prstGeom prst="rect">
             <a:avLst/>
@@ -3597,7 +3597,15 @@
             <a:pPr lvl="1"/>
             <a:r>
               <a:rPr lang="en-US" dirty="0" smtClean="0"/>
-              <a:t>Mapping QLIM to FHIR</a:t>
+              <a:t>Mapping </a:t>
+            </a:r>
+            <a:r>
+              <a:rPr lang="en-US" dirty="0" smtClean="0"/>
+              <a:t>QUICK </a:t>
+            </a:r>
+            <a:r>
+              <a:rPr lang="en-US" dirty="0" smtClean="0"/>
+              <a:t>to FHIR</a:t>
             </a:r>
           </a:p>
           <a:p>
@@ -6372,7 +6380,7 @@
       </p:sp>
       <p:pic>
         <p:nvPicPr>
-          <p:cNvPr id="3" name="Picture 2"/>
+          <p:cNvPr id="5" name="Picture 4"/>
           <p:cNvPicPr>
             <a:picLocks noChangeAspect="1"/>
           </p:cNvPicPr>
@@ -6386,8 +6394,8 @@
         </p:blipFill>
         <p:spPr>
           <a:xfrm>
-            <a:off x="165279" y="1828800"/>
-            <a:ext cx="8813442" cy="3459162"/>
+            <a:off x="213114" y="1417638"/>
+            <a:ext cx="8717772" cy="3505200"/>
           </a:xfrm>
           <a:prstGeom prst="rect">
             <a:avLst/>
@@ -6456,7 +6464,7 @@
       </p:sp>
       <p:pic>
         <p:nvPicPr>
-          <p:cNvPr id="4" name="Picture 3"/>
+          <p:cNvPr id="3" name="Picture 2"/>
           <p:cNvPicPr>
             <a:picLocks noChangeAspect="1"/>
           </p:cNvPicPr>
@@ -6470,8 +6478,8 @@
         </p:blipFill>
         <p:spPr>
           <a:xfrm>
-            <a:off x="484577" y="2514600"/>
-            <a:ext cx="8202223" cy="2133600"/>
+            <a:off x="304800" y="2362200"/>
+            <a:ext cx="8301789" cy="2057400"/>
           </a:xfrm>
           <a:prstGeom prst="rect">
             <a:avLst/>
@@ -6624,7 +6632,7 @@
       </p:sp>
       <p:pic>
         <p:nvPicPr>
-          <p:cNvPr id="5" name="Picture 4"/>
+          <p:cNvPr id="4" name="Picture 3"/>
           <p:cNvPicPr>
             <a:picLocks noChangeAspect="1"/>
           </p:cNvPicPr>
@@ -6638,8 +6646,8 @@
         </p:blipFill>
         <p:spPr>
           <a:xfrm>
-            <a:off x="195261" y="1295400"/>
-            <a:ext cx="8821847" cy="5029200"/>
+            <a:off x="37737" y="1295400"/>
+            <a:ext cx="9068526" cy="5410200"/>
           </a:xfrm>
           <a:prstGeom prst="rect">
             <a:avLst/>

--- a/CQL/Documents/CQLUpdate_AllHands_20140604.pptx
+++ b/CQL/Documents/CQLUpdate_AllHands_20140604.pptx
@@ -8,8 +8,8 @@
     <p:sldId id="268" r:id="rId2"/>
     <p:sldId id="269" r:id="rId3"/>
     <p:sldId id="270" r:id="rId4"/>
-    <p:sldId id="271" r:id="rId5"/>
-    <p:sldId id="272" r:id="rId6"/>
+    <p:sldId id="273" r:id="rId5"/>
+    <p:sldId id="274" r:id="rId6"/>
     <p:sldId id="262" r:id="rId7"/>
     <p:sldId id="263" r:id="rId8"/>
     <p:sldId id="264" r:id="rId9"/>
@@ -317,7 +317,7 @@
           <a:p>
             <a:fld id="{AE358F06-F08A-4581-9382-C6FEB46FADBD}" type="datetimeFigureOut">
               <a:rPr lang="en-US" smtClean="0"/>
-              <a:t>6/23/2014</a:t>
+              <a:t>6/25/2014</a:t>
             </a:fld>
             <a:endParaRPr lang="en-US"/>
           </a:p>
@@ -487,7 +487,7 @@
           <a:p>
             <a:fld id="{AE358F06-F08A-4581-9382-C6FEB46FADBD}" type="datetimeFigureOut">
               <a:rPr lang="en-US" smtClean="0"/>
-              <a:t>6/23/2014</a:t>
+              <a:t>6/25/2014</a:t>
             </a:fld>
             <a:endParaRPr lang="en-US"/>
           </a:p>
@@ -667,7 +667,7 @@
           <a:p>
             <a:fld id="{AE358F06-F08A-4581-9382-C6FEB46FADBD}" type="datetimeFigureOut">
               <a:rPr lang="en-US" smtClean="0"/>
-              <a:t>6/23/2014</a:t>
+              <a:t>6/25/2014</a:t>
             </a:fld>
             <a:endParaRPr lang="en-US"/>
           </a:p>
@@ -837,7 +837,7 @@
           <a:p>
             <a:fld id="{AE358F06-F08A-4581-9382-C6FEB46FADBD}" type="datetimeFigureOut">
               <a:rPr lang="en-US" smtClean="0"/>
-              <a:t>6/23/2014</a:t>
+              <a:t>6/25/2014</a:t>
             </a:fld>
             <a:endParaRPr lang="en-US"/>
           </a:p>
@@ -1083,7 +1083,7 @@
           <a:p>
             <a:fld id="{AE358F06-F08A-4581-9382-C6FEB46FADBD}" type="datetimeFigureOut">
               <a:rPr lang="en-US" smtClean="0"/>
-              <a:t>6/23/2014</a:t>
+              <a:t>6/25/2014</a:t>
             </a:fld>
             <a:endParaRPr lang="en-US"/>
           </a:p>
@@ -1371,7 +1371,7 @@
           <a:p>
             <a:fld id="{AE358F06-F08A-4581-9382-C6FEB46FADBD}" type="datetimeFigureOut">
               <a:rPr lang="en-US" smtClean="0"/>
-              <a:t>6/23/2014</a:t>
+              <a:t>6/25/2014</a:t>
             </a:fld>
             <a:endParaRPr lang="en-US"/>
           </a:p>
@@ -1793,7 +1793,7 @@
           <a:p>
             <a:fld id="{AE358F06-F08A-4581-9382-C6FEB46FADBD}" type="datetimeFigureOut">
               <a:rPr lang="en-US" smtClean="0"/>
-              <a:t>6/23/2014</a:t>
+              <a:t>6/25/2014</a:t>
             </a:fld>
             <a:endParaRPr lang="en-US"/>
           </a:p>
@@ -1911,7 +1911,7 @@
           <a:p>
             <a:fld id="{AE358F06-F08A-4581-9382-C6FEB46FADBD}" type="datetimeFigureOut">
               <a:rPr lang="en-US" smtClean="0"/>
-              <a:t>6/23/2014</a:t>
+              <a:t>6/25/2014</a:t>
             </a:fld>
             <a:endParaRPr lang="en-US"/>
           </a:p>
@@ -2006,7 +2006,7 @@
           <a:p>
             <a:fld id="{AE358F06-F08A-4581-9382-C6FEB46FADBD}" type="datetimeFigureOut">
               <a:rPr lang="en-US" smtClean="0"/>
-              <a:t>6/23/2014</a:t>
+              <a:t>6/25/2014</a:t>
             </a:fld>
             <a:endParaRPr lang="en-US"/>
           </a:p>
@@ -2283,7 +2283,7 @@
           <a:p>
             <a:fld id="{AE358F06-F08A-4581-9382-C6FEB46FADBD}" type="datetimeFigureOut">
               <a:rPr lang="en-US" smtClean="0"/>
-              <a:t>6/23/2014</a:t>
+              <a:t>6/25/2014</a:t>
             </a:fld>
             <a:endParaRPr lang="en-US"/>
           </a:p>
@@ -2536,7 +2536,7 @@
           <a:p>
             <a:fld id="{AE358F06-F08A-4581-9382-C6FEB46FADBD}" type="datetimeFigureOut">
               <a:rPr lang="en-US" smtClean="0"/>
-              <a:t>6/23/2014</a:t>
+              <a:t>6/25/2014</a:t>
             </a:fld>
             <a:endParaRPr lang="en-US"/>
           </a:p>
@@ -2749,7 +2749,7 @@
           <a:p>
             <a:fld id="{AE358F06-F08A-4581-9382-C6FEB46FADBD}" type="datetimeFigureOut">
               <a:rPr lang="en-US" smtClean="0"/>
-              <a:t>6/23/2014</a:t>
+              <a:t>6/25/2014</a:t>
             </a:fld>
             <a:endParaRPr lang="en-US"/>
           </a:p>
@@ -3244,7 +3244,7 @@
       </p:sp>
       <p:pic>
         <p:nvPicPr>
-          <p:cNvPr id="5" name="Picture 4"/>
+          <p:cNvPr id="3" name="Picture 2"/>
           <p:cNvPicPr>
             <a:picLocks noChangeAspect="1"/>
           </p:cNvPicPr>
@@ -3258,8 +3258,8 @@
         </p:blipFill>
         <p:spPr>
           <a:xfrm>
-            <a:off x="638664" y="1116553"/>
-            <a:ext cx="7866672" cy="5741447"/>
+            <a:off x="880796" y="1417638"/>
+            <a:ext cx="7382407" cy="5029200"/>
           </a:xfrm>
           <a:prstGeom prst="rect">
             <a:avLst/>
@@ -3328,7 +3328,7 @@
       </p:sp>
       <p:pic>
         <p:nvPicPr>
-          <p:cNvPr id="6" name="Picture 5"/>
+          <p:cNvPr id="3" name="Picture 2"/>
           <p:cNvPicPr>
             <a:picLocks noChangeAspect="1"/>
           </p:cNvPicPr>
@@ -3342,8 +3342,8 @@
         </p:blipFill>
         <p:spPr>
           <a:xfrm>
-            <a:off x="1416928" y="1219200"/>
-            <a:ext cx="6310143" cy="5562600"/>
+            <a:off x="1445519" y="1417638"/>
+            <a:ext cx="6252961" cy="4983162"/>
           </a:xfrm>
           <a:prstGeom prst="rect">
             <a:avLst/>
@@ -3412,7 +3412,7 @@
       </p:sp>
       <p:pic>
         <p:nvPicPr>
-          <p:cNvPr id="6" name="Picture 5"/>
+          <p:cNvPr id="3" name="Picture 2"/>
           <p:cNvPicPr>
             <a:picLocks noChangeAspect="1"/>
           </p:cNvPicPr>
@@ -3426,8 +3426,8 @@
         </p:blipFill>
         <p:spPr>
           <a:xfrm>
-            <a:off x="208547" y="1417638"/>
-            <a:ext cx="8726905" cy="4876800"/>
+            <a:off x="381537" y="1676400"/>
+            <a:ext cx="8380925" cy="4297362"/>
           </a:xfrm>
           <a:prstGeom prst="rect">
             <a:avLst/>
@@ -3489,7 +3489,7 @@
       </p:sp>
       <p:pic>
         <p:nvPicPr>
-          <p:cNvPr id="3" name="Picture 2"/>
+          <p:cNvPr id="4" name="Picture 3"/>
           <p:cNvPicPr>
             <a:picLocks noChangeAspect="1"/>
           </p:cNvPicPr>
@@ -3503,8 +3503,8 @@
         </p:blipFill>
         <p:spPr>
           <a:xfrm>
-            <a:off x="151849" y="1417638"/>
-            <a:ext cx="8840302" cy="4437715"/>
+            <a:off x="367670" y="1828800"/>
+            <a:ext cx="8408659" cy="3810000"/>
           </a:xfrm>
           <a:prstGeom prst="rect">
             <a:avLst/>
@@ -3597,15 +3597,7 @@
             <a:pPr lvl="1"/>
             <a:r>
               <a:rPr lang="en-US" dirty="0" smtClean="0"/>
-              <a:t>Mapping </a:t>
-            </a:r>
-            <a:r>
-              <a:rPr lang="en-US" dirty="0" smtClean="0"/>
-              <a:t>QUICK </a:t>
-            </a:r>
-            <a:r>
-              <a:rPr lang="en-US" dirty="0" smtClean="0"/>
-              <a:t>to FHIR</a:t>
+              <a:t>Mapping QUICK to FHIR</a:t>
             </a:r>
           </a:p>
           <a:p>
@@ -5040,8 +5032,8 @@
           <a:p>
             <a:pPr algn="ctr"/>
             <a:r>
-              <a:rPr lang="en-US" smtClean="0"/>
-              <a:t>Concepts defined in Quality Logical Model</a:t>
+              <a:rPr lang="en-US" dirty="0" smtClean="0"/>
+              <a:t>Concepts defined in Quality Logical Model (QUICK)</a:t>
             </a:r>
             <a:endParaRPr lang="en-US" dirty="0"/>
           </a:p>
@@ -5705,19 +5697,19 @@
           <a:p>
             <a:r>
               <a:rPr lang="en-US" sz="2400" dirty="0" smtClean="0"/>
-              <a:t>Each rule or measure is readable, plain text file</a:t>
+              <a:t>Each library is a readable, plain text file</a:t>
             </a:r>
           </a:p>
           <a:p>
             <a:r>
               <a:rPr lang="en-US" sz="2400" dirty="0" smtClean="0"/>
-              <a:t>May include other files by reference</a:t>
+              <a:t>May include other libraries by reference</a:t>
             </a:r>
           </a:p>
           <a:p>
             <a:r>
               <a:rPr lang="en-US" sz="2400" dirty="0" smtClean="0"/>
-              <a:t>Logic in each file is a potentially reusable</a:t>
+              <a:t>Logic in each file is potentially reusable</a:t>
             </a:r>
             <a:r>
               <a:rPr lang="en-US" sz="2400" dirty="0"/>
@@ -5725,15 +5717,7 @@
             </a:r>
             <a:r>
               <a:rPr lang="en-US" sz="2400" dirty="0" smtClean="0"/>
-              <a:t>“</a:t>
-            </a:r>
-            <a:r>
-              <a:rPr lang="en-US" sz="2400" dirty="0"/>
-              <a:t>library</a:t>
-            </a:r>
-            <a:r>
-              <a:rPr lang="en-US" sz="2400" dirty="0" smtClean="0"/>
-              <a:t>” </a:t>
+              <a:t>by other libraries</a:t>
             </a:r>
           </a:p>
         </p:txBody>
@@ -6046,7 +6030,7 @@
         <p:spPr>
           <a:xfrm>
             <a:off x="1268479" y="4564561"/>
-            <a:ext cx="1232663" cy="830997"/>
+            <a:ext cx="1232663" cy="584775"/>
           </a:xfrm>
           <a:prstGeom prst="rect">
             <a:avLst/>
@@ -6061,17 +6045,9 @@
           <a:p>
             <a:pPr algn="ctr"/>
             <a:r>
-              <a:rPr lang="en-US" sz="1600" smtClean="0"/>
-              <a:t>May be comingled? </a:t>
-            </a:r>
-          </a:p>
-          <a:p>
-            <a:pPr algn="ctr"/>
-            <a:r>
-              <a:rPr lang="en-US" sz="1600" smtClean="0"/>
-              <a:t>(TBD)</a:t>
-            </a:r>
-            <a:endParaRPr lang="en-US" sz="1600"/>
+              <a:rPr lang="en-US" sz="1600" dirty="0" smtClean="0"/>
+              <a:t>May be comingled </a:t>
+            </a:r>
           </a:p>
         </p:txBody>
       </p:sp>
@@ -6087,7 +6063,7 @@
         <p:spPr>
           <a:xfrm flipV="1">
             <a:off x="2501142" y="4657984"/>
-            <a:ext cx="699261" cy="322076"/>
+            <a:ext cx="699261" cy="198965"/>
           </a:xfrm>
           <a:prstGeom prst="straightConnector1">
             <a:avLst/>
@@ -6122,8 +6098,8 @@
         </p:nvCxnSpPr>
         <p:spPr>
           <a:xfrm>
-            <a:off x="2501142" y="4980060"/>
-            <a:ext cx="699261" cy="365972"/>
+            <a:off x="2501142" y="4856949"/>
+            <a:ext cx="699261" cy="489081"/>
           </a:xfrm>
           <a:prstGeom prst="straightConnector1">
             <a:avLst/>
@@ -6150,20 +6126,13 @@
     </p:spTree>
     <p:extLst>
       <p:ext uri="{BB962C8B-B14F-4D97-AF65-F5344CB8AC3E}">
-        <p14:creationId xmlns:p14="http://schemas.microsoft.com/office/powerpoint/2010/main" val="4084638846"/>
+        <p14:creationId xmlns:p14="http://schemas.microsoft.com/office/powerpoint/2010/main" val="3361969057"/>
       </p:ext>
     </p:extLst>
   </p:cSld>
   <p:clrMapOvr>
     <a:masterClrMapping/>
   </p:clrMapOvr>
-  <p:timing>
-    <p:tnLst>
-      <p:par>
-        <p:cTn id="1" dur="indefinite" restart="never" nodeType="tmRoot"/>
-      </p:par>
-    </p:tnLst>
-  </p:timing>
 </p:sld>
 </file>
 
@@ -6230,7 +6199,11 @@
             </a:r>
             <a:r>
               <a:rPr lang="en-US" dirty="0" smtClean="0"/>
-              <a:t> declaration</a:t>
+              <a:t> </a:t>
+            </a:r>
+            <a:r>
+              <a:rPr lang="en-US" dirty="0" smtClean="0"/>
+              <a:t>declaration</a:t>
             </a:r>
           </a:p>
           <a:p>
@@ -6295,7 +6268,7 @@
             <a:pPr lvl="1"/>
             <a:r>
               <a:rPr lang="en-US" dirty="0" smtClean="0"/>
-              <a:t>Define available “inputs” (and potentially “outputs”, TBD)</a:t>
+              <a:t>Define available “inputs”</a:t>
             </a:r>
             <a:endParaRPr lang="en-US" b="1" dirty="0" smtClean="0"/>
           </a:p>
@@ -6321,20 +6294,13 @@
     </p:spTree>
     <p:extLst>
       <p:ext uri="{BB962C8B-B14F-4D97-AF65-F5344CB8AC3E}">
-        <p14:creationId xmlns:p14="http://schemas.microsoft.com/office/powerpoint/2010/main" val="2426096150"/>
+        <p14:creationId xmlns:p14="http://schemas.microsoft.com/office/powerpoint/2010/main" val="2971673985"/>
       </p:ext>
     </p:extLst>
   </p:cSld>
   <p:clrMapOvr>
     <a:masterClrMapping/>
   </p:clrMapOvr>
-  <p:timing>
-    <p:tnLst>
-      <p:par>
-        <p:cTn id="1" dur="indefinite" restart="never" nodeType="tmRoot"/>
-      </p:par>
-    </p:tnLst>
-  </p:timing>
 </p:sld>
 </file>
 
@@ -6380,7 +6346,7 @@
       </p:sp>
       <p:pic>
         <p:nvPicPr>
-          <p:cNvPr id="5" name="Picture 4"/>
+          <p:cNvPr id="3" name="Picture 2"/>
           <p:cNvPicPr>
             <a:picLocks noChangeAspect="1"/>
           </p:cNvPicPr>
@@ -6394,8 +6360,8 @@
         </p:blipFill>
         <p:spPr>
           <a:xfrm>
-            <a:off x="213114" y="1417638"/>
-            <a:ext cx="8717772" cy="3505200"/>
+            <a:off x="1072595" y="1752600"/>
+            <a:ext cx="6998809" cy="3382962"/>
           </a:xfrm>
           <a:prstGeom prst="rect">
             <a:avLst/>
@@ -6464,7 +6430,7 @@
       </p:sp>
       <p:pic>
         <p:nvPicPr>
-          <p:cNvPr id="3" name="Picture 2"/>
+          <p:cNvPr id="4" name="Picture 3"/>
           <p:cNvPicPr>
             <a:picLocks noChangeAspect="1"/>
           </p:cNvPicPr>
@@ -6478,8 +6444,8 @@
         </p:blipFill>
         <p:spPr>
           <a:xfrm>
-            <a:off x="304800" y="2362200"/>
-            <a:ext cx="8301789" cy="2057400"/>
+            <a:off x="581891" y="2667000"/>
+            <a:ext cx="7980218" cy="2057400"/>
           </a:xfrm>
           <a:prstGeom prst="rect">
             <a:avLst/>
@@ -6548,7 +6514,7 @@
       </p:sp>
       <p:pic>
         <p:nvPicPr>
-          <p:cNvPr id="3" name="Picture 2"/>
+          <p:cNvPr id="4" name="Picture 3"/>
           <p:cNvPicPr>
             <a:picLocks noChangeAspect="1"/>
           </p:cNvPicPr>
@@ -6562,8 +6528,8 @@
         </p:blipFill>
         <p:spPr>
           <a:xfrm>
-            <a:off x="117324" y="2057400"/>
-            <a:ext cx="8909352" cy="2209800"/>
+            <a:off x="556338" y="2362200"/>
+            <a:ext cx="8031324" cy="2514600"/>
           </a:xfrm>
           <a:prstGeom prst="rect">
             <a:avLst/>
@@ -6632,7 +6598,7 @@
       </p:sp>
       <p:pic>
         <p:nvPicPr>
-          <p:cNvPr id="4" name="Picture 3"/>
+          <p:cNvPr id="3" name="Picture 2"/>
           <p:cNvPicPr>
             <a:picLocks noChangeAspect="1"/>
           </p:cNvPicPr>
@@ -6646,8 +6612,8 @@
         </p:blipFill>
         <p:spPr>
           <a:xfrm>
-            <a:off x="37737" y="1295400"/>
-            <a:ext cx="9068526" cy="5410200"/>
+            <a:off x="40529" y="1417638"/>
+            <a:ext cx="9062941" cy="5105400"/>
           </a:xfrm>
           <a:prstGeom prst="rect">
             <a:avLst/>
